--- a/Bifiler til projekt/Semesterprojekt 3.pptx
+++ b/Bifiler til projekt/Semesterprojekt 3.pptx
@@ -114,6 +114,11 @@
       </a:defRPr>
     </a:lvl9pPr>
   </p:defaultTextStyle>
+  <p:extLst>
+    <p:ext uri="{EFAFB233-063F-42B5-8137-9DF3F51BA10A}">
+      <p15:sldGuideLst xmlns:p15="http://schemas.microsoft.com/office/powerpoint/2012/main"/>
+    </p:ext>
+  </p:extLst>
 </p:presentation>
 </file>
 
@@ -5828,6 +5833,10 @@
             <a:endParaRPr lang="da-DK" dirty="0"/>
           </a:p>
           <a:p>
+            <a:r>
+              <a:rPr lang="da-DK" dirty="0" smtClean="0"/>
+              <a:t>Nicoline – 1 minut</a:t>
+            </a:r>
             <a:endParaRPr lang="da-DK" dirty="0" smtClean="0"/>
           </a:p>
           <a:p>
@@ -6017,6 +6026,17 @@
               <a:rPr lang="da-DK" dirty="0" smtClean="0"/>
               <a:t> består af. </a:t>
             </a:r>
+            <a:endParaRPr lang="da-DK" dirty="0" smtClean="0"/>
+          </a:p>
+          <a:p>
+            <a:endParaRPr lang="da-DK" dirty="0"/>
+          </a:p>
+          <a:p>
+            <a:r>
+              <a:rPr lang="da-DK" dirty="0" smtClean="0"/>
+              <a:t>Mads – 1½ minut</a:t>
+            </a:r>
+            <a:endParaRPr lang="da-DK" dirty="0" smtClean="0"/>
           </a:p>
         </p:txBody>
       </p:sp>
@@ -6095,6 +6115,31 @@
           <a:p>
             <a:r>
               <a:rPr lang="da-DK" dirty="0" smtClean="0"/>
+              <a:t>Mads – 2 minutter</a:t>
+            </a:r>
+          </a:p>
+          <a:p>
+            <a:endParaRPr lang="da-DK" dirty="0"/>
+          </a:p>
+          <a:p>
+            <a:r>
+              <a:rPr lang="da-DK" dirty="0" smtClean="0"/>
+              <a:t>Demonstrere alarmen </a:t>
+            </a:r>
+          </a:p>
+          <a:p>
+            <a:r>
+              <a:rPr lang="da-DK" dirty="0" smtClean="0"/>
+              <a:t>Gem</a:t>
+            </a:r>
+          </a:p>
+          <a:p>
+            <a:r>
+              <a:rPr lang="da-DK" dirty="0" smtClean="0"/>
+              <a:t>Lokaldatabase</a:t>
+            </a:r>
+            <a:r>
+              <a:rPr lang="da-DK" dirty="0" smtClean="0"/>
               <a:t> </a:t>
             </a:r>
             <a:endParaRPr lang="da-DK" dirty="0"/>
@@ -6199,7 +6244,20 @@
           <a:p>
             <a:r>
               <a:rPr lang="da-DK" dirty="0" smtClean="0"/>
-              <a:t>ASE-MODELLEN PRIMÆRT!!</a:t>
+              <a:t>ASE-MODELLEN PRIMÆRT</a:t>
+            </a:r>
+            <a:r>
+              <a:rPr lang="da-DK" dirty="0" smtClean="0"/>
+              <a:t>!!</a:t>
+            </a:r>
+          </a:p>
+          <a:p>
+            <a:endParaRPr lang="da-DK" dirty="0"/>
+          </a:p>
+          <a:p>
+            <a:r>
+              <a:rPr lang="da-DK" dirty="0" smtClean="0"/>
+              <a:t>Mads – 1½ minut</a:t>
             </a:r>
             <a:endParaRPr lang="da-DK" dirty="0"/>
           </a:p>
@@ -6308,6 +6366,24 @@
             <a:endParaRPr lang="da-DK" dirty="0" smtClean="0"/>
           </a:p>
           <a:p>
+            <a:endParaRPr lang="da-DK" dirty="0" smtClean="0"/>
+          </a:p>
+          <a:p>
+            <a:endParaRPr lang="da-DK" dirty="0"/>
+          </a:p>
+          <a:p>
+            <a:r>
+              <a:rPr lang="da-DK" dirty="0" smtClean="0"/>
+              <a:t>Sara</a:t>
+            </a:r>
+            <a:r>
+              <a:rPr lang="da-DK" dirty="0"/>
+              <a:t> </a:t>
+            </a:r>
+            <a:r>
+              <a:rPr lang="da-DK" dirty="0" smtClean="0"/>
+              <a:t>– 3 minutter</a:t>
+            </a:r>
             <a:endParaRPr lang="da-DK" dirty="0"/>
           </a:p>
         </p:txBody>
@@ -6395,7 +6471,15 @@
           <a:p>
             <a:r>
               <a:rPr lang="da-DK" dirty="0" smtClean="0"/>
-              <a:t>Reelle teorier kontra de teoretiske – </a:t>
+              <a:t>Reelle teorier kontra de </a:t>
+            </a:r>
+            <a:r>
+              <a:rPr lang="da-DK" dirty="0" smtClean="0"/>
+              <a:t>teoretiske </a:t>
+            </a:r>
+            <a:r>
+              <a:rPr lang="da-DK" dirty="0" smtClean="0"/>
+              <a:t>– </a:t>
             </a:r>
             <a:r>
               <a:rPr lang="da-DK" dirty="0" err="1" smtClean="0"/>
@@ -6404,6 +6488,19 @@
             <a:r>
               <a:rPr lang="da-DK" dirty="0" smtClean="0"/>
               <a:t> knækfrekvenser. </a:t>
+            </a:r>
+            <a:endParaRPr lang="da-DK" dirty="0" smtClean="0"/>
+          </a:p>
+          <a:p>
+            <a:endParaRPr lang="da-DK" dirty="0"/>
+          </a:p>
+          <a:p>
+            <a:endParaRPr lang="da-DK" dirty="0" smtClean="0"/>
+          </a:p>
+          <a:p>
+            <a:r>
+              <a:rPr lang="da-DK" dirty="0" smtClean="0"/>
+              <a:t>Freja – 3 minutter</a:t>
             </a:r>
             <a:endParaRPr lang="da-DK" dirty="0"/>
           </a:p>
@@ -6489,6 +6586,16 @@
             </a:r>
           </a:p>
           <a:p>
+            <a:endParaRPr lang="da-DK" dirty="0" smtClean="0"/>
+          </a:p>
+          <a:p>
+            <a:endParaRPr lang="da-DK" dirty="0"/>
+          </a:p>
+          <a:p>
+            <a:r>
+              <a:rPr lang="da-DK" dirty="0" smtClean="0"/>
+              <a:t>Tine – 3 minutter</a:t>
+            </a:r>
             <a:endParaRPr lang="da-DK" dirty="0"/>
           </a:p>
         </p:txBody>
@@ -6573,6 +6680,16 @@
             </a:r>
           </a:p>
           <a:p>
+            <a:endParaRPr lang="da-DK" dirty="0" smtClean="0"/>
+          </a:p>
+          <a:p>
+            <a:endParaRPr lang="da-DK" dirty="0"/>
+          </a:p>
+          <a:p>
+            <a:r>
+              <a:rPr lang="da-DK" dirty="0" smtClean="0"/>
+              <a:t>Jeppe – 3 minutter</a:t>
+            </a:r>
             <a:endParaRPr lang="da-DK" dirty="0"/>
           </a:p>
         </p:txBody>
@@ -6647,8 +6764,13 @@
           <a:p>
             <a:r>
               <a:rPr lang="da-DK" dirty="0" smtClean="0"/>
-              <a:t>Software test</a:t>
-            </a:r>
+              <a:t>Software </a:t>
+            </a:r>
+            <a:r>
+              <a:rPr lang="da-DK" dirty="0" smtClean="0"/>
+              <a:t>test – Mads - ½ minut</a:t>
+            </a:r>
+            <a:endParaRPr lang="da-DK" dirty="0" smtClean="0"/>
           </a:p>
           <a:p>
             <a:endParaRPr lang="da-DK" dirty="0"/>
@@ -6665,8 +6787,13 @@
           <a:p>
             <a:r>
               <a:rPr lang="da-DK" dirty="0" smtClean="0"/>
-              <a:t>Hardware test</a:t>
-            </a:r>
+              <a:t>Hardware </a:t>
+            </a:r>
+            <a:r>
+              <a:rPr lang="da-DK" dirty="0" smtClean="0"/>
+              <a:t>test – Nicoline 1½ minut</a:t>
+            </a:r>
+            <a:endParaRPr lang="da-DK" dirty="0" smtClean="0"/>
           </a:p>
           <a:p>
             <a:endParaRPr lang="da-DK" dirty="0"/>
@@ -6677,8 +6804,13 @@
           <a:p>
             <a:r>
               <a:rPr lang="da-DK" dirty="0" smtClean="0"/>
-              <a:t>Samlet test</a:t>
-            </a:r>
+              <a:t>Samlet </a:t>
+            </a:r>
+            <a:r>
+              <a:rPr lang="da-DK" dirty="0" smtClean="0"/>
+              <a:t>test – Nicoline – 1 minut</a:t>
+            </a:r>
+            <a:endParaRPr lang="da-DK" dirty="0" smtClean="0"/>
           </a:p>
         </p:txBody>
       </p:sp>

--- a/Bifiler til projekt/Semesterprojekt 3.pptx
+++ b/Bifiler til projekt/Semesterprojekt 3.pptx
@@ -12,10 +12,12 @@
     <p:sldId id="259" r:id="rId6"/>
     <p:sldId id="266" r:id="rId7"/>
     <p:sldId id="260" r:id="rId8"/>
-    <p:sldId id="267" r:id="rId9"/>
-    <p:sldId id="263" r:id="rId10"/>
-    <p:sldId id="264" r:id="rId11"/>
-    <p:sldId id="265" r:id="rId12"/>
+    <p:sldId id="268" r:id="rId9"/>
+    <p:sldId id="269" r:id="rId10"/>
+    <p:sldId id="267" r:id="rId11"/>
+    <p:sldId id="263" r:id="rId12"/>
+    <p:sldId id="264" r:id="rId13"/>
+    <p:sldId id="265" r:id="rId14"/>
   </p:sldIdLst>
   <p:sldSz cx="12192000" cy="6858000"/>
   <p:notesSz cx="6858000" cy="9144000"/>
@@ -114,6 +116,11 @@
       </a:defRPr>
     </a:lvl9pPr>
   </p:defaultTextStyle>
+  <p:extLst>
+    <p:ext uri="{EFAFB233-063F-42B5-8137-9DF3F51BA10A}">
+      <p15:sldGuideLst xmlns:p15="http://schemas.microsoft.com/office/powerpoint/2012/main"/>
+    </p:ext>
+  </p:extLst>
 </p:presentation>
 </file>
 
@@ -5755,6 +5762,195 @@
             <p:ph type="title"/>
           </p:nvPr>
         </p:nvSpPr>
+        <p:spPr/>
+        <p:txBody>
+          <a:bodyPr/>
+          <a:lstStyle/>
+          <a:p>
+            <a:r>
+              <a:rPr lang="da-DK" dirty="0" smtClean="0"/>
+              <a:t>Softwareimplementering</a:t>
+            </a:r>
+            <a:endParaRPr lang="da-DK" dirty="0"/>
+          </a:p>
+        </p:txBody>
+      </p:sp>
+      <p:sp>
+        <p:nvSpPr>
+          <p:cNvPr id="3" name="Pladsholder til indhold 2"/>
+          <p:cNvSpPr>
+            <a:spLocks noGrp="1"/>
+          </p:cNvSpPr>
+          <p:nvPr>
+            <p:ph idx="1"/>
+          </p:nvPr>
+        </p:nvSpPr>
+        <p:spPr/>
+        <p:txBody>
+          <a:bodyPr/>
+          <a:lstStyle/>
+          <a:p>
+            <a:r>
+              <a:rPr lang="da-DK" dirty="0" smtClean="0"/>
+              <a:t>Observer mønstre</a:t>
+            </a:r>
+          </a:p>
+          <a:p>
+            <a:r>
+              <a:rPr lang="da-DK" dirty="0" smtClean="0"/>
+              <a:t>Tråde </a:t>
+            </a:r>
+          </a:p>
+          <a:p>
+            <a:endParaRPr lang="da-DK" dirty="0"/>
+          </a:p>
+        </p:txBody>
+      </p:sp>
+    </p:spTree>
+    <p:extLst>
+      <p:ext uri="{BB962C8B-B14F-4D97-AF65-F5344CB8AC3E}">
+        <p14:creationId xmlns:p14="http://schemas.microsoft.com/office/powerpoint/2010/main" val="242933708"/>
+      </p:ext>
+    </p:extLst>
+  </p:cSld>
+  <p:clrMapOvr>
+    <a:masterClrMapping/>
+  </p:clrMapOvr>
+</p:sld>
+</file>
+
+<file path=ppt/slides/slide11.xml><?xml version="1.0" encoding="utf-8"?>
+<p:sld xmlns:a="http://schemas.openxmlformats.org/drawingml/2006/main" xmlns:r="http://schemas.openxmlformats.org/officeDocument/2006/relationships" xmlns:p="http://schemas.openxmlformats.org/presentationml/2006/main">
+  <p:cSld>
+    <p:spTree>
+      <p:nvGrpSpPr>
+        <p:cNvPr id="1" name=""/>
+        <p:cNvGrpSpPr/>
+        <p:nvPr/>
+      </p:nvGrpSpPr>
+      <p:grpSpPr>
+        <a:xfrm>
+          <a:off x="0" y="0"/>
+          <a:ext cx="0" cy="0"/>
+          <a:chOff x="0" y="0"/>
+          <a:chExt cx="0" cy="0"/>
+        </a:xfrm>
+      </p:grpSpPr>
+      <p:sp>
+        <p:nvSpPr>
+          <p:cNvPr id="2" name="Titel 1"/>
+          <p:cNvSpPr>
+            <a:spLocks noGrp="1"/>
+          </p:cNvSpPr>
+          <p:nvPr>
+            <p:ph type="title"/>
+          </p:nvPr>
+        </p:nvSpPr>
+        <p:spPr/>
+        <p:txBody>
+          <a:bodyPr/>
+          <a:lstStyle/>
+          <a:p>
+            <a:r>
+              <a:rPr lang="da-DK" dirty="0" smtClean="0"/>
+              <a:t>Test</a:t>
+            </a:r>
+            <a:endParaRPr lang="da-DK" dirty="0"/>
+          </a:p>
+        </p:txBody>
+      </p:sp>
+      <p:sp>
+        <p:nvSpPr>
+          <p:cNvPr id="3" name="Pladsholder til indhold 2"/>
+          <p:cNvSpPr>
+            <a:spLocks noGrp="1"/>
+          </p:cNvSpPr>
+          <p:nvPr>
+            <p:ph idx="1"/>
+          </p:nvPr>
+        </p:nvSpPr>
+        <p:spPr/>
+        <p:txBody>
+          <a:bodyPr/>
+          <a:lstStyle/>
+          <a:p>
+            <a:r>
+              <a:rPr lang="da-DK" dirty="0" smtClean="0"/>
+              <a:t>Software test</a:t>
+            </a:r>
+          </a:p>
+          <a:p>
+            <a:endParaRPr lang="da-DK" dirty="0"/>
+          </a:p>
+          <a:p>
+            <a:pPr marL="0" indent="0">
+              <a:buNone/>
+            </a:pPr>
+            <a:r>
+              <a:rPr lang="da-DK" dirty="0" smtClean="0"/>
+              <a:t> </a:t>
+            </a:r>
+          </a:p>
+          <a:p>
+            <a:r>
+              <a:rPr lang="da-DK" dirty="0" smtClean="0"/>
+              <a:t>Hardware test</a:t>
+            </a:r>
+          </a:p>
+          <a:p>
+            <a:endParaRPr lang="da-DK" dirty="0"/>
+          </a:p>
+          <a:p>
+            <a:endParaRPr lang="da-DK" dirty="0" smtClean="0"/>
+          </a:p>
+          <a:p>
+            <a:r>
+              <a:rPr lang="da-DK" dirty="0" smtClean="0"/>
+              <a:t>Samlet test</a:t>
+            </a:r>
+          </a:p>
+        </p:txBody>
+      </p:sp>
+    </p:spTree>
+    <p:extLst>
+      <p:ext uri="{BB962C8B-B14F-4D97-AF65-F5344CB8AC3E}">
+        <p14:creationId xmlns:p14="http://schemas.microsoft.com/office/powerpoint/2010/main" val="2467907742"/>
+      </p:ext>
+    </p:extLst>
+  </p:cSld>
+  <p:clrMapOvr>
+    <a:masterClrMapping/>
+  </p:clrMapOvr>
+</p:sld>
+</file>
+
+<file path=ppt/slides/slide12.xml><?xml version="1.0" encoding="utf-8"?>
+<p:sld xmlns:a="http://schemas.openxmlformats.org/drawingml/2006/main" xmlns:r="http://schemas.openxmlformats.org/officeDocument/2006/relationships" xmlns:p="http://schemas.openxmlformats.org/presentationml/2006/main">
+  <p:cSld>
+    <p:spTree>
+      <p:nvGrpSpPr>
+        <p:cNvPr id="1" name=""/>
+        <p:cNvGrpSpPr/>
+        <p:nvPr/>
+      </p:nvGrpSpPr>
+      <p:grpSpPr>
+        <a:xfrm>
+          <a:off x="0" y="0"/>
+          <a:ext cx="0" cy="0"/>
+          <a:chOff x="0" y="0"/>
+          <a:chExt cx="0" cy="0"/>
+        </a:xfrm>
+      </p:grpSpPr>
+      <p:sp>
+        <p:nvSpPr>
+          <p:cNvPr id="2" name="Titel 1"/>
+          <p:cNvSpPr>
+            <a:spLocks noGrp="1"/>
+          </p:cNvSpPr>
+          <p:nvPr>
+            <p:ph type="title"/>
+          </p:nvPr>
+        </p:nvSpPr>
         <p:spPr>
           <a:xfrm>
             <a:off x="1700011" y="764373"/>
@@ -5848,7 +6044,7 @@
 </p:sld>
 </file>
 
-<file path=ppt/slides/slide11.xml><?xml version="1.0" encoding="utf-8"?>
+<file path=ppt/slides/slide13.xml><?xml version="1.0" encoding="utf-8"?>
 <p:sld xmlns:a="http://schemas.openxmlformats.org/drawingml/2006/main" xmlns:r="http://schemas.openxmlformats.org/officeDocument/2006/relationships" xmlns:p="http://schemas.openxmlformats.org/presentationml/2006/main">
   <p:cSld>
     <p:spTree>
@@ -6462,37 +6658,32 @@
           </a:p>
         </p:txBody>
       </p:sp>
-      <p:sp>
-        <p:nvSpPr>
-          <p:cNvPr id="3" name="Pladsholder til indhold 2"/>
-          <p:cNvSpPr>
-            <a:spLocks noGrp="1"/>
-          </p:cNvSpPr>
+      <p:pic>
+        <p:nvPicPr>
+          <p:cNvPr id="4" name="Pladsholder til indhold 3"/>
+          <p:cNvPicPr>
+            <a:picLocks noGrp="1"/>
+          </p:cNvPicPr>
           <p:nvPr>
             <p:ph idx="1"/>
           </p:nvPr>
-        </p:nvSpPr>
-        <p:spPr/>
-        <p:txBody>
-          <a:bodyPr/>
-          <a:lstStyle/>
-          <a:p>
-            <a:r>
-              <a:rPr lang="da-DK" dirty="0" smtClean="0"/>
-              <a:t>Forhold mellem softwareklasser </a:t>
-            </a:r>
-          </a:p>
-          <a:p>
-            <a:r>
-              <a:rPr lang="da-DK" dirty="0" smtClean="0"/>
-              <a:t>Billede af klassediagram uden metoder og attributter</a:t>
-            </a:r>
-          </a:p>
-          <a:p>
-            <a:endParaRPr lang="da-DK" dirty="0"/>
-          </a:p>
-        </p:txBody>
-      </p:sp>
+        </p:nvPicPr>
+        <p:blipFill>
+          <a:blip r:embed="rId2"/>
+          <a:stretch>
+            <a:fillRect/>
+          </a:stretch>
+        </p:blipFill>
+        <p:spPr>
+          <a:xfrm>
+            <a:off x="1059366" y="1728439"/>
+            <a:ext cx="9601199" cy="4928839"/>
+          </a:xfrm>
+          <a:prstGeom prst="rect">
+            <a:avLst/>
+          </a:prstGeom>
+        </p:spPr>
+      </p:pic>
     </p:spTree>
     <p:extLst>
       <p:ext uri="{BB962C8B-B14F-4D97-AF65-F5344CB8AC3E}">
@@ -6540,47 +6731,64 @@
           <a:p>
             <a:r>
               <a:rPr lang="da-DK" dirty="0" smtClean="0"/>
-              <a:t>Softwareimplementering</a:t>
+              <a:t>Sekvensdiagram og applikations model</a:t>
             </a:r>
             <a:endParaRPr lang="da-DK" dirty="0"/>
           </a:p>
         </p:txBody>
       </p:sp>
-      <p:sp>
-        <p:nvSpPr>
-          <p:cNvPr id="3" name="Pladsholder til indhold 2"/>
-          <p:cNvSpPr>
-            <a:spLocks noGrp="1"/>
-          </p:cNvSpPr>
+      <p:pic>
+        <p:nvPicPr>
+          <p:cNvPr id="4" name="Pladsholder til indhold 3"/>
+          <p:cNvPicPr>
+            <a:picLocks noGrp="1"/>
+          </p:cNvPicPr>
           <p:nvPr>
             <p:ph idx="1"/>
           </p:nvPr>
-        </p:nvSpPr>
-        <p:spPr/>
-        <p:txBody>
-          <a:bodyPr/>
-          <a:lstStyle/>
-          <a:p>
-            <a:r>
-              <a:rPr lang="da-DK" dirty="0" smtClean="0"/>
-              <a:t>Observer mønstre</a:t>
-            </a:r>
-          </a:p>
-          <a:p>
-            <a:r>
-              <a:rPr lang="da-DK" dirty="0" smtClean="0"/>
-              <a:t>Tråde </a:t>
-            </a:r>
-          </a:p>
-          <a:p>
-            <a:endParaRPr lang="da-DK" dirty="0"/>
-          </a:p>
-        </p:txBody>
-      </p:sp>
+        </p:nvPicPr>
+        <p:blipFill>
+          <a:blip r:embed="rId2"/>
+          <a:stretch>
+            <a:fillRect/>
+          </a:stretch>
+        </p:blipFill>
+        <p:spPr>
+          <a:xfrm>
+            <a:off x="504825" y="2057401"/>
+            <a:ext cx="4781550" cy="3267075"/>
+          </a:xfrm>
+          <a:prstGeom prst="rect">
+            <a:avLst/>
+          </a:prstGeom>
+        </p:spPr>
+      </p:pic>
+      <p:pic>
+        <p:nvPicPr>
+          <p:cNvPr id="5" name="Billede 4"/>
+          <p:cNvPicPr/>
+          <p:nvPr/>
+        </p:nvPicPr>
+        <p:blipFill>
+          <a:blip r:embed="rId3"/>
+          <a:stretch>
+            <a:fillRect/>
+          </a:stretch>
+        </p:blipFill>
+        <p:spPr>
+          <a:xfrm>
+            <a:off x="5386070" y="3424206"/>
+            <a:ext cx="6120130" cy="1637665"/>
+          </a:xfrm>
+          <a:prstGeom prst="rect">
+            <a:avLst/>
+          </a:prstGeom>
+        </p:spPr>
+      </p:pic>
     </p:spTree>
     <p:extLst>
       <p:ext uri="{BB962C8B-B14F-4D97-AF65-F5344CB8AC3E}">
-        <p14:creationId xmlns:p14="http://schemas.microsoft.com/office/powerpoint/2010/main" val="242933708"/>
+        <p14:creationId xmlns:p14="http://schemas.microsoft.com/office/powerpoint/2010/main" val="1859136146"/>
       </p:ext>
     </p:extLst>
   </p:cSld>
@@ -6624,68 +6832,42 @@
           <a:p>
             <a:r>
               <a:rPr lang="da-DK" dirty="0" smtClean="0"/>
-              <a:t>Test</a:t>
+              <a:t>Klassediagram</a:t>
             </a:r>
             <a:endParaRPr lang="da-DK" dirty="0"/>
           </a:p>
         </p:txBody>
       </p:sp>
-      <p:sp>
-        <p:nvSpPr>
-          <p:cNvPr id="3" name="Pladsholder til indhold 2"/>
-          <p:cNvSpPr>
-            <a:spLocks noGrp="1"/>
-          </p:cNvSpPr>
+      <p:pic>
+        <p:nvPicPr>
+          <p:cNvPr id="4" name="Pladsholder til indhold 3"/>
+          <p:cNvPicPr>
+            <a:picLocks noGrp="1"/>
+          </p:cNvPicPr>
           <p:nvPr>
             <p:ph idx="1"/>
           </p:nvPr>
-        </p:nvSpPr>
-        <p:spPr/>
-        <p:txBody>
-          <a:bodyPr/>
-          <a:lstStyle/>
-          <a:p>
-            <a:r>
-              <a:rPr lang="da-DK" dirty="0" smtClean="0"/>
-              <a:t>Software test</a:t>
-            </a:r>
-          </a:p>
-          <a:p>
-            <a:endParaRPr lang="da-DK" dirty="0"/>
-          </a:p>
-          <a:p>
-            <a:pPr marL="0" indent="0">
-              <a:buNone/>
-            </a:pPr>
-            <a:r>
-              <a:rPr lang="da-DK" dirty="0" smtClean="0"/>
-              <a:t> </a:t>
-            </a:r>
-          </a:p>
-          <a:p>
-            <a:r>
-              <a:rPr lang="da-DK" dirty="0" smtClean="0"/>
-              <a:t>Hardware test</a:t>
-            </a:r>
-          </a:p>
-          <a:p>
-            <a:endParaRPr lang="da-DK" dirty="0"/>
-          </a:p>
-          <a:p>
-            <a:endParaRPr lang="da-DK" dirty="0" smtClean="0"/>
-          </a:p>
-          <a:p>
-            <a:r>
-              <a:rPr lang="da-DK" dirty="0" smtClean="0"/>
-              <a:t>Samlet test</a:t>
-            </a:r>
-          </a:p>
-        </p:txBody>
-      </p:sp>
+        </p:nvPicPr>
+        <p:blipFill>
+          <a:blip r:embed="rId2"/>
+          <a:stretch>
+            <a:fillRect/>
+          </a:stretch>
+        </p:blipFill>
+        <p:spPr>
+          <a:xfrm>
+            <a:off x="1929161" y="1803807"/>
+            <a:ext cx="7593979" cy="4864622"/>
+          </a:xfrm>
+          <a:prstGeom prst="rect">
+            <a:avLst/>
+          </a:prstGeom>
+        </p:spPr>
+      </p:pic>
     </p:spTree>
     <p:extLst>
       <p:ext uri="{BB962C8B-B14F-4D97-AF65-F5344CB8AC3E}">
-        <p14:creationId xmlns:p14="http://schemas.microsoft.com/office/powerpoint/2010/main" val="2467907742"/>
+        <p14:creationId xmlns:p14="http://schemas.microsoft.com/office/powerpoint/2010/main" val="827583061"/>
       </p:ext>
     </p:extLst>
   </p:cSld>

--- a/Bifiler til projekt/Semesterprojekt 3.pptx
+++ b/Bifiler til projekt/Semesterprojekt 3.pptx
@@ -12,10 +12,12 @@
     <p:sldId id="259" r:id="rId6"/>
     <p:sldId id="266" r:id="rId7"/>
     <p:sldId id="260" r:id="rId8"/>
-    <p:sldId id="267" r:id="rId9"/>
-    <p:sldId id="263" r:id="rId10"/>
-    <p:sldId id="264" r:id="rId11"/>
-    <p:sldId id="265" r:id="rId12"/>
+    <p:sldId id="268" r:id="rId9"/>
+    <p:sldId id="269" r:id="rId10"/>
+    <p:sldId id="267" r:id="rId11"/>
+    <p:sldId id="263" r:id="rId12"/>
+    <p:sldId id="264" r:id="rId13"/>
+    <p:sldId id="265" r:id="rId14"/>
   </p:sldIdLst>
   <p:sldSz cx="12192000" cy="6858000"/>
   <p:notesSz cx="6858000" cy="9144000"/>
@@ -5764,6 +5766,205 @@
             <p:ph type="title"/>
           </p:nvPr>
         </p:nvSpPr>
+        <p:spPr/>
+        <p:txBody>
+          <a:bodyPr/>
+          <a:lstStyle/>
+          <a:p>
+            <a:r>
+              <a:rPr lang="da-DK" dirty="0" smtClean="0"/>
+              <a:t>Softwareimplementering</a:t>
+            </a:r>
+            <a:endParaRPr lang="da-DK" dirty="0"/>
+          </a:p>
+        </p:txBody>
+      </p:sp>
+      <p:sp>
+        <p:nvSpPr>
+          <p:cNvPr id="3" name="Pladsholder til indhold 2"/>
+          <p:cNvSpPr>
+            <a:spLocks noGrp="1"/>
+          </p:cNvSpPr>
+          <p:nvPr>
+            <p:ph idx="1"/>
+          </p:nvPr>
+        </p:nvSpPr>
+        <p:spPr/>
+        <p:txBody>
+          <a:bodyPr/>
+          <a:lstStyle/>
+          <a:p>
+            <a:r>
+              <a:rPr lang="da-DK" dirty="0" smtClean="0"/>
+              <a:t>Observer mønstre</a:t>
+            </a:r>
+          </a:p>
+          <a:p>
+            <a:r>
+              <a:rPr lang="da-DK" dirty="0" smtClean="0"/>
+              <a:t>Tråde </a:t>
+            </a:r>
+          </a:p>
+          <a:p>
+            <a:endParaRPr lang="da-DK" dirty="0" smtClean="0"/>
+          </a:p>
+          <a:p>
+            <a:endParaRPr lang="da-DK" dirty="0"/>
+          </a:p>
+          <a:p>
+            <a:r>
+              <a:rPr lang="da-DK" dirty="0" smtClean="0"/>
+              <a:t>Jeppe – 3 minutter</a:t>
+            </a:r>
+            <a:endParaRPr lang="da-DK" dirty="0"/>
+          </a:p>
+        </p:txBody>
+      </p:sp>
+    </p:spTree>
+    <p:extLst>
+      <p:ext uri="{BB962C8B-B14F-4D97-AF65-F5344CB8AC3E}">
+        <p14:creationId xmlns:p14="http://schemas.microsoft.com/office/powerpoint/2010/main" val="242933708"/>
+      </p:ext>
+    </p:extLst>
+  </p:cSld>
+  <p:clrMapOvr>
+    <a:masterClrMapping/>
+  </p:clrMapOvr>
+</p:sld>
+</file>
+
+<file path=ppt/slides/slide11.xml><?xml version="1.0" encoding="utf-8"?>
+<p:sld xmlns:a="http://schemas.openxmlformats.org/drawingml/2006/main" xmlns:r="http://schemas.openxmlformats.org/officeDocument/2006/relationships" xmlns:p="http://schemas.openxmlformats.org/presentationml/2006/main">
+  <p:cSld>
+    <p:spTree>
+      <p:nvGrpSpPr>
+        <p:cNvPr id="1" name=""/>
+        <p:cNvGrpSpPr/>
+        <p:nvPr/>
+      </p:nvGrpSpPr>
+      <p:grpSpPr>
+        <a:xfrm>
+          <a:off x="0" y="0"/>
+          <a:ext cx="0" cy="0"/>
+          <a:chOff x="0" y="0"/>
+          <a:chExt cx="0" cy="0"/>
+        </a:xfrm>
+      </p:grpSpPr>
+      <p:sp>
+        <p:nvSpPr>
+          <p:cNvPr id="2" name="Titel 1"/>
+          <p:cNvSpPr>
+            <a:spLocks noGrp="1"/>
+          </p:cNvSpPr>
+          <p:nvPr>
+            <p:ph type="title"/>
+          </p:nvPr>
+        </p:nvSpPr>
+        <p:spPr/>
+        <p:txBody>
+          <a:bodyPr/>
+          <a:lstStyle/>
+          <a:p>
+            <a:r>
+              <a:rPr lang="da-DK" dirty="0" smtClean="0"/>
+              <a:t>Test</a:t>
+            </a:r>
+            <a:endParaRPr lang="da-DK" dirty="0"/>
+          </a:p>
+        </p:txBody>
+      </p:sp>
+      <p:sp>
+        <p:nvSpPr>
+          <p:cNvPr id="3" name="Pladsholder til indhold 2"/>
+          <p:cNvSpPr>
+            <a:spLocks noGrp="1"/>
+          </p:cNvSpPr>
+          <p:nvPr>
+            <p:ph idx="1"/>
+          </p:nvPr>
+        </p:nvSpPr>
+        <p:spPr/>
+        <p:txBody>
+          <a:bodyPr/>
+          <a:lstStyle/>
+          <a:p>
+            <a:r>
+              <a:rPr lang="da-DK" dirty="0" smtClean="0"/>
+              <a:t>Software test – Mads - ½ minut</a:t>
+            </a:r>
+          </a:p>
+          <a:p>
+            <a:endParaRPr lang="da-DK" dirty="0"/>
+          </a:p>
+          <a:p>
+            <a:pPr marL="0" indent="0">
+              <a:buNone/>
+            </a:pPr>
+            <a:r>
+              <a:rPr lang="da-DK" dirty="0" smtClean="0"/>
+              <a:t> </a:t>
+            </a:r>
+          </a:p>
+          <a:p>
+            <a:r>
+              <a:rPr lang="da-DK" dirty="0" smtClean="0"/>
+              <a:t>Hardware test – Nicoline 1½ minut</a:t>
+            </a:r>
+          </a:p>
+          <a:p>
+            <a:endParaRPr lang="da-DK" dirty="0"/>
+          </a:p>
+          <a:p>
+            <a:endParaRPr lang="da-DK" dirty="0" smtClean="0"/>
+          </a:p>
+          <a:p>
+            <a:r>
+              <a:rPr lang="da-DK" dirty="0" smtClean="0"/>
+              <a:t>Samlet test – Nicoline – 1 minut</a:t>
+            </a:r>
+          </a:p>
+        </p:txBody>
+      </p:sp>
+    </p:spTree>
+    <p:extLst>
+      <p:ext uri="{BB962C8B-B14F-4D97-AF65-F5344CB8AC3E}">
+        <p14:creationId xmlns:p14="http://schemas.microsoft.com/office/powerpoint/2010/main" val="2467907742"/>
+      </p:ext>
+    </p:extLst>
+  </p:cSld>
+  <p:clrMapOvr>
+    <a:masterClrMapping/>
+  </p:clrMapOvr>
+</p:sld>
+</file>
+
+<file path=ppt/slides/slide12.xml><?xml version="1.0" encoding="utf-8"?>
+<p:sld xmlns:a="http://schemas.openxmlformats.org/drawingml/2006/main" xmlns:r="http://schemas.openxmlformats.org/officeDocument/2006/relationships" xmlns:p="http://schemas.openxmlformats.org/presentationml/2006/main">
+  <p:cSld>
+    <p:spTree>
+      <p:nvGrpSpPr>
+        <p:cNvPr id="1" name=""/>
+        <p:cNvGrpSpPr/>
+        <p:nvPr/>
+      </p:nvGrpSpPr>
+      <p:grpSpPr>
+        <a:xfrm>
+          <a:off x="0" y="0"/>
+          <a:ext cx="0" cy="0"/>
+          <a:chOff x="0" y="0"/>
+          <a:chExt cx="0" cy="0"/>
+        </a:xfrm>
+      </p:grpSpPr>
+      <p:sp>
+        <p:nvSpPr>
+          <p:cNvPr id="2" name="Titel 1"/>
+          <p:cNvSpPr>
+            <a:spLocks noGrp="1"/>
+          </p:cNvSpPr>
+          <p:nvPr>
+            <p:ph type="title"/>
+          </p:nvPr>
+        </p:nvSpPr>
         <p:spPr>
           <a:xfrm>
             <a:off x="1700011" y="764373"/>
@@ -5860,7 +6061,7 @@
 </p:sld>
 </file>
 
-<file path=ppt/slides/slide11.xml><?xml version="1.0" encoding="utf-8"?>
+<file path=ppt/slides/slide13.xml><?xml version="1.0" encoding="utf-8"?>
 <p:sld xmlns:a="http://schemas.openxmlformats.org/drawingml/2006/main" xmlns:r="http://schemas.openxmlformats.org/officeDocument/2006/relationships" xmlns:p="http://schemas.openxmlformats.org/presentationml/2006/main">
   <p:cSld>
     <p:spTree>
@@ -6543,47 +6744,32 @@
           </a:p>
         </p:txBody>
       </p:sp>
-      <p:sp>
-        <p:nvSpPr>
-          <p:cNvPr id="3" name="Pladsholder til indhold 2"/>
-          <p:cNvSpPr>
-            <a:spLocks noGrp="1"/>
-          </p:cNvSpPr>
+      <p:pic>
+        <p:nvPicPr>
+          <p:cNvPr id="4" name="Pladsholder til indhold 3"/>
+          <p:cNvPicPr>
+            <a:picLocks noGrp="1"/>
+          </p:cNvPicPr>
           <p:nvPr>
             <p:ph idx="1"/>
           </p:nvPr>
-        </p:nvSpPr>
-        <p:spPr/>
-        <p:txBody>
-          <a:bodyPr/>
-          <a:lstStyle/>
-          <a:p>
-            <a:r>
-              <a:rPr lang="da-DK" dirty="0" smtClean="0"/>
-              <a:t>Forhold mellem softwareklasser </a:t>
-            </a:r>
-          </a:p>
-          <a:p>
-            <a:r>
-              <a:rPr lang="da-DK" dirty="0" smtClean="0"/>
-              <a:t>Billede af klassediagram uden metoder og attributter</a:t>
-            </a:r>
-          </a:p>
-          <a:p>
-            <a:endParaRPr lang="da-DK" dirty="0" smtClean="0"/>
-          </a:p>
-          <a:p>
-            <a:endParaRPr lang="da-DK" dirty="0"/>
-          </a:p>
-          <a:p>
-            <a:r>
-              <a:rPr lang="da-DK" dirty="0" smtClean="0"/>
-              <a:t>Tine – 3 minutter</a:t>
-            </a:r>
-            <a:endParaRPr lang="da-DK" dirty="0"/>
-          </a:p>
-        </p:txBody>
-      </p:sp>
+        </p:nvPicPr>
+        <p:blipFill>
+          <a:blip r:embed="rId2"/>
+          <a:stretch>
+            <a:fillRect/>
+          </a:stretch>
+        </p:blipFill>
+        <p:spPr>
+          <a:xfrm>
+            <a:off x="1719959" y="1806943"/>
+            <a:ext cx="8896002" cy="4839184"/>
+          </a:xfrm>
+          <a:prstGeom prst="rect">
+            <a:avLst/>
+          </a:prstGeom>
+        </p:spPr>
+      </p:pic>
     </p:spTree>
     <p:extLst>
       <p:ext uri="{BB962C8B-B14F-4D97-AF65-F5344CB8AC3E}">
@@ -6631,57 +6817,64 @@
           <a:p>
             <a:r>
               <a:rPr lang="da-DK" dirty="0" smtClean="0"/>
-              <a:t>Softwareimplementering</a:t>
+              <a:t>Sekvensdiagram og applikations model</a:t>
             </a:r>
             <a:endParaRPr lang="da-DK" dirty="0"/>
           </a:p>
         </p:txBody>
       </p:sp>
-      <p:sp>
-        <p:nvSpPr>
-          <p:cNvPr id="3" name="Pladsholder til indhold 2"/>
-          <p:cNvSpPr>
-            <a:spLocks noGrp="1"/>
-          </p:cNvSpPr>
+      <p:pic>
+        <p:nvPicPr>
+          <p:cNvPr id="4" name="Pladsholder til indhold 3"/>
+          <p:cNvPicPr>
+            <a:picLocks noGrp="1"/>
+          </p:cNvPicPr>
           <p:nvPr>
             <p:ph idx="1"/>
           </p:nvPr>
-        </p:nvSpPr>
-        <p:spPr/>
-        <p:txBody>
-          <a:bodyPr/>
-          <a:lstStyle/>
-          <a:p>
-            <a:r>
-              <a:rPr lang="da-DK" dirty="0" smtClean="0"/>
-              <a:t>Observer mønstre</a:t>
-            </a:r>
-          </a:p>
-          <a:p>
-            <a:r>
-              <a:rPr lang="da-DK" dirty="0" smtClean="0"/>
-              <a:t>Tråde </a:t>
-            </a:r>
-          </a:p>
-          <a:p>
-            <a:endParaRPr lang="da-DK" dirty="0" smtClean="0"/>
-          </a:p>
-          <a:p>
-            <a:endParaRPr lang="da-DK" dirty="0"/>
-          </a:p>
-          <a:p>
-            <a:r>
-              <a:rPr lang="da-DK" dirty="0" smtClean="0"/>
-              <a:t>Jeppe – 3 minutter</a:t>
-            </a:r>
-            <a:endParaRPr lang="da-DK" dirty="0"/>
-          </a:p>
-        </p:txBody>
-      </p:sp>
+        </p:nvPicPr>
+        <p:blipFill>
+          <a:blip r:embed="rId2"/>
+          <a:stretch>
+            <a:fillRect/>
+          </a:stretch>
+        </p:blipFill>
+        <p:spPr>
+          <a:xfrm>
+            <a:off x="504824" y="2057401"/>
+            <a:ext cx="5550287" cy="4098072"/>
+          </a:xfrm>
+          <a:prstGeom prst="rect">
+            <a:avLst/>
+          </a:prstGeom>
+        </p:spPr>
+      </p:pic>
+      <p:pic>
+        <p:nvPicPr>
+          <p:cNvPr id="5" name="Billede 4"/>
+          <p:cNvPicPr/>
+          <p:nvPr/>
+        </p:nvPicPr>
+        <p:blipFill>
+          <a:blip r:embed="rId3"/>
+          <a:stretch>
+            <a:fillRect/>
+          </a:stretch>
+        </p:blipFill>
+        <p:spPr>
+          <a:xfrm>
+            <a:off x="5966599" y="3156577"/>
+            <a:ext cx="6120130" cy="1637665"/>
+          </a:xfrm>
+          <a:prstGeom prst="rect">
+            <a:avLst/>
+          </a:prstGeom>
+        </p:spPr>
+      </p:pic>
     </p:spTree>
     <p:extLst>
       <p:ext uri="{BB962C8B-B14F-4D97-AF65-F5344CB8AC3E}">
-        <p14:creationId xmlns:p14="http://schemas.microsoft.com/office/powerpoint/2010/main" val="242933708"/>
+        <p14:creationId xmlns:p14="http://schemas.microsoft.com/office/powerpoint/2010/main" val="3255700359"/>
       </p:ext>
     </p:extLst>
   </p:cSld>
@@ -6725,68 +6918,42 @@
           <a:p>
             <a:r>
               <a:rPr lang="da-DK" dirty="0" smtClean="0"/>
-              <a:t>Test</a:t>
+              <a:t>Klassediagram</a:t>
             </a:r>
             <a:endParaRPr lang="da-DK" dirty="0"/>
           </a:p>
         </p:txBody>
       </p:sp>
-      <p:sp>
-        <p:nvSpPr>
-          <p:cNvPr id="3" name="Pladsholder til indhold 2"/>
-          <p:cNvSpPr>
-            <a:spLocks noGrp="1"/>
-          </p:cNvSpPr>
+      <p:pic>
+        <p:nvPicPr>
+          <p:cNvPr id="4" name="Pladsholder til indhold 3"/>
+          <p:cNvPicPr>
+            <a:picLocks noGrp="1"/>
+          </p:cNvPicPr>
           <p:nvPr>
             <p:ph idx="1"/>
           </p:nvPr>
-        </p:nvSpPr>
-        <p:spPr/>
-        <p:txBody>
-          <a:bodyPr/>
-          <a:lstStyle/>
-          <a:p>
-            <a:r>
-              <a:rPr lang="da-DK" dirty="0" smtClean="0"/>
-              <a:t>Software test – Mads - ½ minut</a:t>
-            </a:r>
-          </a:p>
-          <a:p>
-            <a:endParaRPr lang="da-DK" dirty="0"/>
-          </a:p>
-          <a:p>
-            <a:pPr marL="0" indent="0">
-              <a:buNone/>
-            </a:pPr>
-            <a:r>
-              <a:rPr lang="da-DK" dirty="0" smtClean="0"/>
-              <a:t> </a:t>
-            </a:r>
-          </a:p>
-          <a:p>
-            <a:r>
-              <a:rPr lang="da-DK" dirty="0" smtClean="0"/>
-              <a:t>Hardware test – Nicoline 1½ minut</a:t>
-            </a:r>
-          </a:p>
-          <a:p>
-            <a:endParaRPr lang="da-DK" dirty="0"/>
-          </a:p>
-          <a:p>
-            <a:endParaRPr lang="da-DK" dirty="0" smtClean="0"/>
-          </a:p>
-          <a:p>
-            <a:r>
-              <a:rPr lang="da-DK" dirty="0" smtClean="0"/>
-              <a:t>Samlet test – Nicoline – 1 minut</a:t>
-            </a:r>
-          </a:p>
-        </p:txBody>
-      </p:sp>
+        </p:nvPicPr>
+        <p:blipFill>
+          <a:blip r:embed="rId2"/>
+          <a:stretch>
+            <a:fillRect/>
+          </a:stretch>
+        </p:blipFill>
+        <p:spPr>
+          <a:xfrm>
+            <a:off x="2081676" y="1725748"/>
+            <a:ext cx="7954422" cy="4931530"/>
+          </a:xfrm>
+          <a:prstGeom prst="rect">
+            <a:avLst/>
+          </a:prstGeom>
+        </p:spPr>
+      </p:pic>
     </p:spTree>
     <p:extLst>
       <p:ext uri="{BB962C8B-B14F-4D97-AF65-F5344CB8AC3E}">
-        <p14:creationId xmlns:p14="http://schemas.microsoft.com/office/powerpoint/2010/main" val="2467907742"/>
+        <p14:creationId xmlns:p14="http://schemas.microsoft.com/office/powerpoint/2010/main" val="924065255"/>
       </p:ext>
     </p:extLst>
   </p:cSld>

--- a/Bifiler til projekt/Semesterprojekt 3.pptx
+++ b/Bifiler til projekt/Semesterprojekt 3.pptx
@@ -10,14 +10,15 @@
     <p:sldId id="262" r:id="rId4"/>
     <p:sldId id="261" r:id="rId5"/>
     <p:sldId id="259" r:id="rId6"/>
-    <p:sldId id="266" r:id="rId7"/>
-    <p:sldId id="260" r:id="rId8"/>
-    <p:sldId id="268" r:id="rId9"/>
-    <p:sldId id="269" r:id="rId10"/>
-    <p:sldId id="267" r:id="rId11"/>
-    <p:sldId id="263" r:id="rId12"/>
-    <p:sldId id="264" r:id="rId13"/>
-    <p:sldId id="265" r:id="rId14"/>
+    <p:sldId id="271" r:id="rId7"/>
+    <p:sldId id="266" r:id="rId8"/>
+    <p:sldId id="260" r:id="rId9"/>
+    <p:sldId id="268" r:id="rId10"/>
+    <p:sldId id="269" r:id="rId11"/>
+    <p:sldId id="267" r:id="rId12"/>
+    <p:sldId id="263" r:id="rId13"/>
+    <p:sldId id="264" r:id="rId14"/>
+    <p:sldId id="265" r:id="rId15"/>
   </p:sldIdLst>
   <p:sldSz cx="12192000" cy="6858000"/>
   <p:notesSz cx="6858000" cy="9144000"/>
@@ -5773,57 +5774,42 @@
           <a:p>
             <a:r>
               <a:rPr lang="da-DK" dirty="0" smtClean="0"/>
-              <a:t>Softwareimplementering</a:t>
+              <a:t>Klassediagram</a:t>
             </a:r>
             <a:endParaRPr lang="da-DK" dirty="0"/>
           </a:p>
         </p:txBody>
       </p:sp>
-      <p:sp>
-        <p:nvSpPr>
-          <p:cNvPr id="3" name="Pladsholder til indhold 2"/>
-          <p:cNvSpPr>
-            <a:spLocks noGrp="1"/>
-          </p:cNvSpPr>
+      <p:pic>
+        <p:nvPicPr>
+          <p:cNvPr id="4" name="Pladsholder til indhold 3"/>
+          <p:cNvPicPr>
+            <a:picLocks noGrp="1"/>
+          </p:cNvPicPr>
           <p:nvPr>
             <p:ph idx="1"/>
           </p:nvPr>
-        </p:nvSpPr>
-        <p:spPr/>
-        <p:txBody>
-          <a:bodyPr/>
-          <a:lstStyle/>
-          <a:p>
-            <a:r>
-              <a:rPr lang="da-DK" dirty="0" smtClean="0"/>
-              <a:t>Observer mønstre</a:t>
-            </a:r>
-          </a:p>
-          <a:p>
-            <a:r>
-              <a:rPr lang="da-DK" dirty="0" smtClean="0"/>
-              <a:t>Tråde </a:t>
-            </a:r>
-          </a:p>
-          <a:p>
-            <a:endParaRPr lang="da-DK" dirty="0" smtClean="0"/>
-          </a:p>
-          <a:p>
-            <a:endParaRPr lang="da-DK" dirty="0"/>
-          </a:p>
-          <a:p>
-            <a:r>
-              <a:rPr lang="da-DK" dirty="0" smtClean="0"/>
-              <a:t>Jeppe – 3 minutter</a:t>
-            </a:r>
-            <a:endParaRPr lang="da-DK" dirty="0"/>
-          </a:p>
-        </p:txBody>
-      </p:sp>
+        </p:nvPicPr>
+        <p:blipFill>
+          <a:blip r:embed="rId2"/>
+          <a:stretch>
+            <a:fillRect/>
+          </a:stretch>
+        </p:blipFill>
+        <p:spPr>
+          <a:xfrm>
+            <a:off x="2081676" y="1725748"/>
+            <a:ext cx="7954422" cy="4931530"/>
+          </a:xfrm>
+          <a:prstGeom prst="rect">
+            <a:avLst/>
+          </a:prstGeom>
+        </p:spPr>
+      </p:pic>
     </p:spTree>
     <p:extLst>
       <p:ext uri="{BB962C8B-B14F-4D97-AF65-F5344CB8AC3E}">
-        <p14:creationId xmlns:p14="http://schemas.microsoft.com/office/powerpoint/2010/main" val="242933708"/>
+        <p14:creationId xmlns:p14="http://schemas.microsoft.com/office/powerpoint/2010/main" val="924065255"/>
       </p:ext>
     </p:extLst>
   </p:cSld>
@@ -5867,7 +5853,7 @@
           <a:p>
             <a:r>
               <a:rPr lang="da-DK" dirty="0" smtClean="0"/>
-              <a:t>Test</a:t>
+              <a:t>Softwareimplementering</a:t>
             </a:r>
             <a:endParaRPr lang="da-DK" dirty="0"/>
           </a:p>
@@ -5890,45 +5876,34 @@
           <a:p>
             <a:r>
               <a:rPr lang="da-DK" dirty="0" smtClean="0"/>
-              <a:t>Software test – Mads - ½ minut</a:t>
-            </a:r>
+              <a:t>Observer mønstre</a:t>
+            </a:r>
+          </a:p>
+          <a:p>
+            <a:r>
+              <a:rPr lang="da-DK" dirty="0" smtClean="0"/>
+              <a:t>Tråde </a:t>
+            </a:r>
+          </a:p>
+          <a:p>
+            <a:endParaRPr lang="da-DK" dirty="0" smtClean="0"/>
           </a:p>
           <a:p>
             <a:endParaRPr lang="da-DK" dirty="0"/>
           </a:p>
           <a:p>
-            <a:pPr marL="0" indent="0">
-              <a:buNone/>
-            </a:pPr>
             <a:r>
               <a:rPr lang="da-DK" dirty="0" smtClean="0"/>
-              <a:t> </a:t>
-            </a:r>
-          </a:p>
-          <a:p>
-            <a:r>
-              <a:rPr lang="da-DK" dirty="0" smtClean="0"/>
-              <a:t>Hardware test – Nicoline 1½ minut</a:t>
-            </a:r>
-          </a:p>
-          <a:p>
+              <a:t>Jeppe – 3 minutter</a:t>
+            </a:r>
             <a:endParaRPr lang="da-DK" dirty="0"/>
-          </a:p>
-          <a:p>
-            <a:endParaRPr lang="da-DK" dirty="0" smtClean="0"/>
-          </a:p>
-          <a:p>
-            <a:r>
-              <a:rPr lang="da-DK" dirty="0" smtClean="0"/>
-              <a:t>Samlet test – Nicoline – 1 minut</a:t>
-            </a:r>
           </a:p>
         </p:txBody>
       </p:sp>
     </p:spTree>
     <p:extLst>
       <p:ext uri="{BB962C8B-B14F-4D97-AF65-F5344CB8AC3E}">
-        <p14:creationId xmlns:p14="http://schemas.microsoft.com/office/powerpoint/2010/main" val="2467907742"/>
+        <p14:creationId xmlns:p14="http://schemas.microsoft.com/office/powerpoint/2010/main" val="242933708"/>
       </p:ext>
     </p:extLst>
   </p:cSld>
@@ -5965,6 +5940,111 @@
             <p:ph type="title"/>
           </p:nvPr>
         </p:nvSpPr>
+        <p:spPr/>
+        <p:txBody>
+          <a:bodyPr/>
+          <a:lstStyle/>
+          <a:p>
+            <a:r>
+              <a:rPr lang="da-DK" dirty="0" smtClean="0"/>
+              <a:t>Test</a:t>
+            </a:r>
+            <a:endParaRPr lang="da-DK" dirty="0"/>
+          </a:p>
+        </p:txBody>
+      </p:sp>
+      <p:sp>
+        <p:nvSpPr>
+          <p:cNvPr id="3" name="Pladsholder til indhold 2"/>
+          <p:cNvSpPr>
+            <a:spLocks noGrp="1"/>
+          </p:cNvSpPr>
+          <p:nvPr>
+            <p:ph idx="1"/>
+          </p:nvPr>
+        </p:nvSpPr>
+        <p:spPr/>
+        <p:txBody>
+          <a:bodyPr/>
+          <a:lstStyle/>
+          <a:p>
+            <a:r>
+              <a:rPr lang="da-DK" dirty="0" smtClean="0"/>
+              <a:t>Software test – Mads - ½ minut</a:t>
+            </a:r>
+          </a:p>
+          <a:p>
+            <a:endParaRPr lang="da-DK" dirty="0"/>
+          </a:p>
+          <a:p>
+            <a:pPr marL="0" indent="0">
+              <a:buNone/>
+            </a:pPr>
+            <a:r>
+              <a:rPr lang="da-DK" dirty="0" smtClean="0"/>
+              <a:t> </a:t>
+            </a:r>
+          </a:p>
+          <a:p>
+            <a:r>
+              <a:rPr lang="da-DK" dirty="0" smtClean="0"/>
+              <a:t>Hardware test – Nicoline 1½ minut</a:t>
+            </a:r>
+          </a:p>
+          <a:p>
+            <a:endParaRPr lang="da-DK" dirty="0"/>
+          </a:p>
+          <a:p>
+            <a:endParaRPr lang="da-DK" dirty="0" smtClean="0"/>
+          </a:p>
+          <a:p>
+            <a:r>
+              <a:rPr lang="da-DK" dirty="0" smtClean="0"/>
+              <a:t>Samlet test – Nicoline – 1 minut</a:t>
+            </a:r>
+          </a:p>
+        </p:txBody>
+      </p:sp>
+    </p:spTree>
+    <p:extLst>
+      <p:ext uri="{BB962C8B-B14F-4D97-AF65-F5344CB8AC3E}">
+        <p14:creationId xmlns:p14="http://schemas.microsoft.com/office/powerpoint/2010/main" val="2467907742"/>
+      </p:ext>
+    </p:extLst>
+  </p:cSld>
+  <p:clrMapOvr>
+    <a:masterClrMapping/>
+  </p:clrMapOvr>
+</p:sld>
+</file>
+
+<file path=ppt/slides/slide13.xml><?xml version="1.0" encoding="utf-8"?>
+<p:sld xmlns:a="http://schemas.openxmlformats.org/drawingml/2006/main" xmlns:r="http://schemas.openxmlformats.org/officeDocument/2006/relationships" xmlns:p="http://schemas.openxmlformats.org/presentationml/2006/main">
+  <p:cSld>
+    <p:spTree>
+      <p:nvGrpSpPr>
+        <p:cNvPr id="1" name=""/>
+        <p:cNvGrpSpPr/>
+        <p:nvPr/>
+      </p:nvGrpSpPr>
+      <p:grpSpPr>
+        <a:xfrm>
+          <a:off x="0" y="0"/>
+          <a:ext cx="0" cy="0"/>
+          <a:chOff x="0" y="0"/>
+          <a:chExt cx="0" cy="0"/>
+        </a:xfrm>
+      </p:grpSpPr>
+      <p:sp>
+        <p:nvSpPr>
+          <p:cNvPr id="2" name="Titel 1"/>
+          <p:cNvSpPr>
+            <a:spLocks noGrp="1"/>
+          </p:cNvSpPr>
+          <p:nvPr>
+            <p:ph type="title"/>
+          </p:nvPr>
+        </p:nvSpPr>
         <p:spPr>
           <a:xfrm>
             <a:off x="1700011" y="764373"/>
@@ -6061,7 +6141,7 @@
 </p:sld>
 </file>
 
-<file path=ppt/slides/slide13.xml><?xml version="1.0" encoding="utf-8"?>
+<file path=ppt/slides/slide14.xml><?xml version="1.0" encoding="utf-8"?>
 <p:sld xmlns:a="http://schemas.openxmlformats.org/drawingml/2006/main" xmlns:r="http://schemas.openxmlformats.org/officeDocument/2006/relationships" xmlns:p="http://schemas.openxmlformats.org/presentationml/2006/main">
   <p:cSld>
     <p:spTree>
@@ -6522,12 +6602,24 @@
         </p:nvSpPr>
         <p:spPr/>
         <p:txBody>
-          <a:bodyPr/>
-          <a:lstStyle/>
+          <a:bodyPr>
+            <a:normAutofit lnSpcReduction="10000"/>
+          </a:bodyPr>
+          <a:lstStyle/>
+          <a:p>
+            <a:endParaRPr lang="da-DK" dirty="0" smtClean="0"/>
+          </a:p>
+          <a:p>
+            <a:endParaRPr lang="da-DK" dirty="0"/>
+          </a:p>
           <a:p>
             <a:r>
               <a:rPr lang="da-DK" dirty="0" smtClean="0"/>
-              <a:t>En forstærker og et filter</a:t>
+              <a:t>En </a:t>
+            </a:r>
+            <a:r>
+              <a:rPr lang="da-DK" dirty="0" smtClean="0"/>
+              <a:t>forstærker og et filter</a:t>
             </a:r>
           </a:p>
           <a:p>
@@ -6628,53 +6720,89 @@
           <a:lstStyle/>
           <a:p>
             <a:r>
+              <a:rPr lang="da-DK" dirty="0" smtClean="0"/>
+              <a:t>Hardwareudvikling</a:t>
+            </a:r>
+            <a:endParaRPr lang="da-DK" dirty="0"/>
+          </a:p>
+        </p:txBody>
+      </p:sp>
+      <p:sp>
+        <p:nvSpPr>
+          <p:cNvPr id="3" name="Pladsholder til indhold 2"/>
+          <p:cNvSpPr>
+            <a:spLocks noGrp="1"/>
+          </p:cNvSpPr>
+          <p:nvPr>
+            <p:ph idx="1"/>
+          </p:nvPr>
+        </p:nvSpPr>
+        <p:spPr/>
+        <p:txBody>
+          <a:bodyPr/>
+          <a:lstStyle/>
+          <a:p>
+            <a:r>
+              <a:rPr lang="da-DK" dirty="0" smtClean="0"/>
+              <a:t>Operationsforstærker kontra </a:t>
+            </a:r>
+            <a:r>
               <a:rPr lang="da-DK" dirty="0" err="1" smtClean="0"/>
-              <a:t>HardwareImplementering</a:t>
+              <a:t>instrimentationsforstærker</a:t>
+            </a:r>
+            <a:r>
+              <a:rPr lang="da-DK" dirty="0" smtClean="0"/>
+              <a:t>.</a:t>
+            </a:r>
+          </a:p>
+          <a:p>
+            <a:pPr lvl="1"/>
+            <a:r>
+              <a:rPr lang="da-DK" dirty="0"/>
+              <a:t>Indgangsimpedans</a:t>
+            </a:r>
+          </a:p>
+          <a:p>
+            <a:pPr lvl="1"/>
+            <a:r>
+              <a:rPr lang="da-DK" dirty="0"/>
+              <a:t>Common mode </a:t>
+            </a:r>
+            <a:r>
+              <a:rPr lang="da-DK" dirty="0" err="1" smtClean="0"/>
+              <a:t>rejection</a:t>
             </a:r>
             <a:endParaRPr lang="da-DK" dirty="0"/>
           </a:p>
-        </p:txBody>
-      </p:sp>
-      <p:sp>
-        <p:nvSpPr>
-          <p:cNvPr id="3" name="Pladsholder til indhold 2"/>
-          <p:cNvSpPr>
-            <a:spLocks noGrp="1"/>
-          </p:cNvSpPr>
-          <p:nvPr>
-            <p:ph idx="1"/>
-          </p:nvPr>
-        </p:nvSpPr>
-        <p:spPr/>
-        <p:txBody>
-          <a:bodyPr/>
-          <a:lstStyle/>
-          <a:p>
-            <a:r>
-              <a:rPr lang="da-DK" dirty="0"/>
-              <a:t>Billede af begges kredsløbstegninger </a:t>
-            </a:r>
-          </a:p>
-          <a:p>
-            <a:r>
-              <a:rPr lang="da-DK" dirty="0"/>
-              <a:t>Instrumenteringsforstærkeren – og hvorfor den er fantastisk! </a:t>
-            </a:r>
+          <a:p>
             <a:endParaRPr lang="da-DK" dirty="0" smtClean="0"/>
           </a:p>
           <a:p>
             <a:r>
               <a:rPr lang="da-DK" dirty="0" smtClean="0"/>
-              <a:t>Reelle teorier kontra de teoretiske – </a:t>
-            </a:r>
+              <a:t>Dynamikområde</a:t>
+            </a:r>
+          </a:p>
+          <a:p>
+            <a:endParaRPr lang="da-DK" dirty="0"/>
+          </a:p>
+          <a:p>
             <a:r>
               <a:rPr lang="da-DK" dirty="0" err="1" smtClean="0"/>
-              <a:t>f.eks</a:t>
+              <a:t>Analogdiscovery</a:t>
             </a:r>
             <a:r>
               <a:rPr lang="da-DK" dirty="0" smtClean="0"/>
-              <a:t> knækfrekvenser. </a:t>
-            </a:r>
+              <a:t> frem for batteri</a:t>
+            </a:r>
+          </a:p>
+          <a:p>
+            <a:pPr lvl="1"/>
+            <a:r>
+              <a:rPr lang="da-DK" smtClean="0"/>
+              <a:t>Stabilitet </a:t>
+            </a:r>
+            <a:endParaRPr lang="da-DK" dirty="0" smtClean="0"/>
           </a:p>
           <a:p>
             <a:endParaRPr lang="da-DK" dirty="0"/>
@@ -6683,10 +6811,9 @@
             <a:endParaRPr lang="da-DK" dirty="0" smtClean="0"/>
           </a:p>
           <a:p>
-            <a:r>
-              <a:rPr lang="da-DK" dirty="0" smtClean="0"/>
-              <a:t>Freja – 3 minutter</a:t>
-            </a:r>
+            <a:endParaRPr lang="da-DK" dirty="0"/>
+          </a:p>
+          <a:p>
             <a:endParaRPr lang="da-DK" dirty="0"/>
           </a:p>
         </p:txBody>
@@ -6694,7 +6821,7 @@
     </p:spTree>
     <p:extLst>
       <p:ext uri="{BB962C8B-B14F-4D97-AF65-F5344CB8AC3E}">
-        <p14:creationId xmlns:p14="http://schemas.microsoft.com/office/powerpoint/2010/main" val="2141727839"/>
+        <p14:creationId xmlns:p14="http://schemas.microsoft.com/office/powerpoint/2010/main" val="1977555632"/>
       </p:ext>
     </p:extLst>
   </p:cSld>
@@ -6737,43 +6864,73 @@
           <a:lstStyle/>
           <a:p>
             <a:r>
+              <a:rPr lang="da-DK" dirty="0" err="1" smtClean="0"/>
+              <a:t>HardwareImplementering</a:t>
+            </a:r>
+            <a:endParaRPr lang="da-DK" dirty="0"/>
+          </a:p>
+        </p:txBody>
+      </p:sp>
+      <p:sp>
+        <p:nvSpPr>
+          <p:cNvPr id="3" name="Pladsholder til indhold 2"/>
+          <p:cNvSpPr>
+            <a:spLocks noGrp="1"/>
+          </p:cNvSpPr>
+          <p:nvPr>
+            <p:ph idx="1"/>
+          </p:nvPr>
+        </p:nvSpPr>
+        <p:spPr/>
+        <p:txBody>
+          <a:bodyPr/>
+          <a:lstStyle/>
+          <a:p>
+            <a:r>
+              <a:rPr lang="da-DK" dirty="0"/>
+              <a:t>Billede af begges kredsløbstegninger </a:t>
+            </a:r>
+          </a:p>
+          <a:p>
+            <a:r>
+              <a:rPr lang="da-DK" dirty="0"/>
+              <a:t>Instrumenteringsforstærkeren – og hvorfor den er fantastisk! </a:t>
+            </a:r>
+            <a:endParaRPr lang="da-DK" dirty="0" smtClean="0"/>
+          </a:p>
+          <a:p>
+            <a:r>
               <a:rPr lang="da-DK" dirty="0" smtClean="0"/>
-              <a:t>Softwareudvikling</a:t>
-            </a:r>
+              <a:t>Reelle teorier kontra de teoretiske – </a:t>
+            </a:r>
+            <a:r>
+              <a:rPr lang="da-DK" dirty="0" err="1" smtClean="0"/>
+              <a:t>f.eks</a:t>
+            </a:r>
+            <a:r>
+              <a:rPr lang="da-DK" dirty="0" smtClean="0"/>
+              <a:t> knækfrekvenser. </a:t>
+            </a:r>
+          </a:p>
+          <a:p>
             <a:endParaRPr lang="da-DK" dirty="0"/>
           </a:p>
-        </p:txBody>
-      </p:sp>
-      <p:pic>
-        <p:nvPicPr>
-          <p:cNvPr id="4" name="Pladsholder til indhold 3"/>
-          <p:cNvPicPr>
-            <a:picLocks noGrp="1"/>
-          </p:cNvPicPr>
-          <p:nvPr>
-            <p:ph idx="1"/>
-          </p:nvPr>
-        </p:nvPicPr>
-        <p:blipFill>
-          <a:blip r:embed="rId2"/>
-          <a:stretch>
-            <a:fillRect/>
-          </a:stretch>
-        </p:blipFill>
-        <p:spPr>
-          <a:xfrm>
-            <a:off x="1719959" y="1806943"/>
-            <a:ext cx="8896002" cy="4839184"/>
-          </a:xfrm>
-          <a:prstGeom prst="rect">
-            <a:avLst/>
-          </a:prstGeom>
-        </p:spPr>
-      </p:pic>
+          <a:p>
+            <a:endParaRPr lang="da-DK" dirty="0" smtClean="0"/>
+          </a:p>
+          <a:p>
+            <a:r>
+              <a:rPr lang="da-DK" dirty="0" smtClean="0"/>
+              <a:t>Freja – 3 minutter</a:t>
+            </a:r>
+            <a:endParaRPr lang="da-DK" dirty="0"/>
+          </a:p>
+        </p:txBody>
+      </p:sp>
     </p:spTree>
     <p:extLst>
       <p:ext uri="{BB962C8B-B14F-4D97-AF65-F5344CB8AC3E}">
-        <p14:creationId xmlns:p14="http://schemas.microsoft.com/office/powerpoint/2010/main" val="3894341658"/>
+        <p14:creationId xmlns:p14="http://schemas.microsoft.com/office/powerpoint/2010/main" val="2141727839"/>
       </p:ext>
     </p:extLst>
   </p:cSld>
@@ -6817,7 +6974,7 @@
           <a:p>
             <a:r>
               <a:rPr lang="da-DK" dirty="0" smtClean="0"/>
-              <a:t>Sekvensdiagram og applikations model</a:t>
+              <a:t>Softwareudvikling</a:t>
             </a:r>
             <a:endParaRPr lang="da-DK" dirty="0"/>
           </a:p>
@@ -6841,30 +6998,8 @@
         </p:blipFill>
         <p:spPr>
           <a:xfrm>
-            <a:off x="504824" y="2057401"/>
-            <a:ext cx="5550287" cy="4098072"/>
-          </a:xfrm>
-          <a:prstGeom prst="rect">
-            <a:avLst/>
-          </a:prstGeom>
-        </p:spPr>
-      </p:pic>
-      <p:pic>
-        <p:nvPicPr>
-          <p:cNvPr id="5" name="Billede 4"/>
-          <p:cNvPicPr/>
-          <p:nvPr/>
-        </p:nvPicPr>
-        <p:blipFill>
-          <a:blip r:embed="rId3"/>
-          <a:stretch>
-            <a:fillRect/>
-          </a:stretch>
-        </p:blipFill>
-        <p:spPr>
-          <a:xfrm>
-            <a:off x="5966599" y="3156577"/>
-            <a:ext cx="6120130" cy="1637665"/>
+            <a:off x="1719959" y="1806943"/>
+            <a:ext cx="8896002" cy="4839184"/>
           </a:xfrm>
           <a:prstGeom prst="rect">
             <a:avLst/>
@@ -6874,7 +7009,7 @@
     </p:spTree>
     <p:extLst>
       <p:ext uri="{BB962C8B-B14F-4D97-AF65-F5344CB8AC3E}">
-        <p14:creationId xmlns:p14="http://schemas.microsoft.com/office/powerpoint/2010/main" val="3255700359"/>
+        <p14:creationId xmlns:p14="http://schemas.microsoft.com/office/powerpoint/2010/main" val="3894341658"/>
       </p:ext>
     </p:extLst>
   </p:cSld>
@@ -6918,7 +7053,7 @@
           <a:p>
             <a:r>
               <a:rPr lang="da-DK" dirty="0" smtClean="0"/>
-              <a:t>Klassediagram</a:t>
+              <a:t>Sekvensdiagram og applikations model</a:t>
             </a:r>
             <a:endParaRPr lang="da-DK" dirty="0"/>
           </a:p>
@@ -6942,8 +7077,30 @@
         </p:blipFill>
         <p:spPr>
           <a:xfrm>
-            <a:off x="2081676" y="1725748"/>
-            <a:ext cx="7954422" cy="4931530"/>
+            <a:off x="504824" y="2057401"/>
+            <a:ext cx="5550287" cy="4098072"/>
+          </a:xfrm>
+          <a:prstGeom prst="rect">
+            <a:avLst/>
+          </a:prstGeom>
+        </p:spPr>
+      </p:pic>
+      <p:pic>
+        <p:nvPicPr>
+          <p:cNvPr id="5" name="Billede 4"/>
+          <p:cNvPicPr/>
+          <p:nvPr/>
+        </p:nvPicPr>
+        <p:blipFill>
+          <a:blip r:embed="rId3"/>
+          <a:stretch>
+            <a:fillRect/>
+          </a:stretch>
+        </p:blipFill>
+        <p:spPr>
+          <a:xfrm>
+            <a:off x="5966599" y="3156577"/>
+            <a:ext cx="6120130" cy="1637665"/>
           </a:xfrm>
           <a:prstGeom prst="rect">
             <a:avLst/>
@@ -6953,7 +7110,7 @@
     </p:spTree>
     <p:extLst>
       <p:ext uri="{BB962C8B-B14F-4D97-AF65-F5344CB8AC3E}">
-        <p14:creationId xmlns:p14="http://schemas.microsoft.com/office/powerpoint/2010/main" val="924065255"/>
+        <p14:creationId xmlns:p14="http://schemas.microsoft.com/office/powerpoint/2010/main" val="3255700359"/>
       </p:ext>
     </p:extLst>
   </p:cSld>

--- a/Bifiler til projekt/Semesterprojekt 3.pptx
+++ b/Bifiler til projekt/Semesterprojekt 3.pptx
@@ -7,18 +7,19 @@
   <p:sldIdLst>
     <p:sldId id="256" r:id="rId2"/>
     <p:sldId id="257" r:id="rId3"/>
-    <p:sldId id="262" r:id="rId4"/>
-    <p:sldId id="261" r:id="rId5"/>
-    <p:sldId id="259" r:id="rId6"/>
-    <p:sldId id="271" r:id="rId7"/>
-    <p:sldId id="266" r:id="rId8"/>
-    <p:sldId id="260" r:id="rId9"/>
-    <p:sldId id="268" r:id="rId10"/>
-    <p:sldId id="269" r:id="rId11"/>
-    <p:sldId id="267" r:id="rId12"/>
-    <p:sldId id="263" r:id="rId13"/>
-    <p:sldId id="264" r:id="rId14"/>
-    <p:sldId id="265" r:id="rId15"/>
+    <p:sldId id="272" r:id="rId4"/>
+    <p:sldId id="262" r:id="rId5"/>
+    <p:sldId id="261" r:id="rId6"/>
+    <p:sldId id="259" r:id="rId7"/>
+    <p:sldId id="271" r:id="rId8"/>
+    <p:sldId id="266" r:id="rId9"/>
+    <p:sldId id="260" r:id="rId10"/>
+    <p:sldId id="268" r:id="rId11"/>
+    <p:sldId id="269" r:id="rId12"/>
+    <p:sldId id="267" r:id="rId13"/>
+    <p:sldId id="263" r:id="rId14"/>
+    <p:sldId id="264" r:id="rId15"/>
+    <p:sldId id="265" r:id="rId16"/>
   </p:sldIdLst>
   <p:sldSz cx="12192000" cy="6858000"/>
   <p:notesSz cx="6858000" cy="9144000"/>
@@ -119,7 +120,7 @@
   </p:defaultTextStyle>
   <p:extLst>
     <p:ext uri="{EFAFB233-063F-42B5-8137-9DF3F51BA10A}">
-      <p15:sldGuideLst xmlns:p15="http://schemas.microsoft.com/office/powerpoint/2012/main"/>
+      <p15:sldGuideLst xmlns:p15="http://schemas.microsoft.com/office/powerpoint/2012/main" xmlns=""/>
     </p:ext>
   </p:extLst>
 </p:presentation>
@@ -295,7 +296,7 @@
           <a:p>
             <a:fld id="{48A87A34-81AB-432B-8DAE-1953F412C126}" type="datetimeFigureOut">
               <a:rPr lang="en-US" dirty="0"/>
-              <a:t>1/19/2016</a:t>
+              <a:t>20/01/16</a:t>
             </a:fld>
             <a:endParaRPr lang="en-US" dirty="0"/>
           </a:p>
@@ -347,7 +348,7 @@
           <a:p>
             <a:fld id="{6D22F896-40B5-4ADD-8801-0D06FADFA095}" type="slidenum">
               <a:rPr lang="en-US" dirty="0"/>
-              <a:t>‹nr.›</a:t>
+              <a:t>‹#›</a:t>
             </a:fld>
             <a:endParaRPr lang="en-US" dirty="0"/>
           </a:p>
@@ -557,7 +558,7 @@
           <a:p>
             <a:fld id="{48A87A34-81AB-432B-8DAE-1953F412C126}" type="datetimeFigureOut">
               <a:rPr lang="en-US" dirty="0"/>
-              <a:t>1/19/2016</a:t>
+              <a:t>20/01/16</a:t>
             </a:fld>
             <a:endParaRPr lang="en-US" dirty="0"/>
           </a:p>
@@ -599,7 +600,7 @@
           <a:p>
             <a:fld id="{6D22F896-40B5-4ADD-8801-0D06FADFA095}" type="slidenum">
               <a:rPr lang="en-US" dirty="0"/>
-              <a:t>‹nr.›</a:t>
+              <a:t>‹#›</a:t>
             </a:fld>
             <a:endParaRPr lang="en-US" dirty="0"/>
           </a:p>
@@ -784,7 +785,7 @@
             <a:fld id="{48A87A34-81AB-432B-8DAE-1953F412C126}" type="datetimeFigureOut">
               <a:rPr lang="en-US" dirty="0"/>
               <a:pPr/>
-              <a:t>1/19/2016</a:t>
+              <a:t>20/01/16</a:t>
             </a:fld>
             <a:endParaRPr lang="en-US" dirty="0"/>
           </a:p>
@@ -836,7 +837,7 @@
           <a:p>
             <a:fld id="{6D22F896-40B5-4ADD-8801-0D06FADFA095}" type="slidenum">
               <a:rPr lang="en-US" dirty="0"/>
-              <a:t>‹nr.›</a:t>
+              <a:t>‹#›</a:t>
             </a:fld>
             <a:endParaRPr lang="en-US" dirty="0"/>
           </a:p>
@@ -1090,7 +1091,7 @@
             <a:fld id="{48A87A34-81AB-432B-8DAE-1953F412C126}" type="datetimeFigureOut">
               <a:rPr lang="en-US" dirty="0"/>
               <a:pPr/>
-              <a:t>1/19/2016</a:t>
+              <a:t>20/01/16</a:t>
             </a:fld>
             <a:endParaRPr lang="en-US" dirty="0"/>
           </a:p>
@@ -1142,7 +1143,7 @@
           <a:p>
             <a:fld id="{6D22F896-40B5-4ADD-8801-0D06FADFA095}" type="slidenum">
               <a:rPr lang="en-US" dirty="0"/>
-              <a:t>‹nr.›</a:t>
+              <a:t>‹#›</a:t>
             </a:fld>
             <a:endParaRPr lang="en-US" dirty="0"/>
           </a:p>
@@ -1559,7 +1560,7 @@
             <a:fld id="{48A87A34-81AB-432B-8DAE-1953F412C126}" type="datetimeFigureOut">
               <a:rPr lang="en-US" dirty="0"/>
               <a:pPr/>
-              <a:t>1/19/2016</a:t>
+              <a:t>20/01/16</a:t>
             </a:fld>
             <a:endParaRPr lang="en-US" dirty="0"/>
           </a:p>
@@ -1611,7 +1612,7 @@
           <a:p>
             <a:fld id="{6D22F896-40B5-4ADD-8801-0D06FADFA095}" type="slidenum">
               <a:rPr lang="en-US" dirty="0"/>
-              <a:t>‹nr.›</a:t>
+              <a:t>‹#›</a:t>
             </a:fld>
             <a:endParaRPr lang="en-US" dirty="0"/>
           </a:p>
@@ -2101,7 +2102,7 @@
           <a:p>
             <a:fld id="{48A87A34-81AB-432B-8DAE-1953F412C126}" type="datetimeFigureOut">
               <a:rPr lang="en-US" dirty="0"/>
-              <a:t>1/19/2016</a:t>
+              <a:t>20/01/16</a:t>
             </a:fld>
             <a:endParaRPr lang="en-US" dirty="0"/>
           </a:p>
@@ -2143,7 +2144,7 @@
           <a:p>
             <a:fld id="{6D22F896-40B5-4ADD-8801-0D06FADFA095}" type="slidenum">
               <a:rPr lang="en-US" dirty="0"/>
-              <a:t>‹nr.›</a:t>
+              <a:t>‹#›</a:t>
             </a:fld>
             <a:endParaRPr lang="en-US" dirty="0"/>
           </a:p>
@@ -2870,7 +2871,7 @@
           <a:p>
             <a:fld id="{48A87A34-81AB-432B-8DAE-1953F412C126}" type="datetimeFigureOut">
               <a:rPr lang="en-US" dirty="0"/>
-              <a:t>1/19/2016</a:t>
+              <a:t>20/01/16</a:t>
             </a:fld>
             <a:endParaRPr lang="en-US" dirty="0"/>
           </a:p>
@@ -2912,7 +2913,7 @@
           <a:p>
             <a:fld id="{6D22F896-40B5-4ADD-8801-0D06FADFA095}" type="slidenum">
               <a:rPr lang="en-US" dirty="0"/>
-              <a:t>‹nr.›</a:t>
+              <a:t>‹#›</a:t>
             </a:fld>
             <a:endParaRPr lang="en-US" dirty="0"/>
           </a:p>
@@ -3040,7 +3041,7 @@
           <a:p>
             <a:fld id="{48A87A34-81AB-432B-8DAE-1953F412C126}" type="datetimeFigureOut">
               <a:rPr lang="en-US" dirty="0"/>
-              <a:t>1/19/2016</a:t>
+              <a:t>20/01/16</a:t>
             </a:fld>
             <a:endParaRPr lang="en-US" dirty="0"/>
           </a:p>
@@ -3082,7 +3083,7 @@
           <a:p>
             <a:fld id="{6D22F896-40B5-4ADD-8801-0D06FADFA095}" type="slidenum">
               <a:rPr lang="en-US" dirty="0"/>
-              <a:t>‹nr.›</a:t>
+              <a:t>‹#›</a:t>
             </a:fld>
             <a:endParaRPr lang="en-US" dirty="0"/>
           </a:p>
@@ -3259,7 +3260,7 @@
             <a:fld id="{48A87A34-81AB-432B-8DAE-1953F412C126}" type="datetimeFigureOut">
               <a:rPr lang="en-US" dirty="0"/>
               <a:pPr/>
-              <a:t>1/19/2016</a:t>
+              <a:t>20/01/16</a:t>
             </a:fld>
             <a:endParaRPr lang="en-US" dirty="0"/>
           </a:p>
@@ -3311,7 +3312,7 @@
           <a:p>
             <a:fld id="{6D22F896-40B5-4ADD-8801-0D06FADFA095}" type="slidenum">
               <a:rPr lang="en-US" dirty="0"/>
-              <a:t>‹nr.›</a:t>
+              <a:t>‹#›</a:t>
             </a:fld>
             <a:endParaRPr lang="en-US" dirty="0"/>
           </a:p>
@@ -3434,7 +3435,7 @@
           <a:p>
             <a:fld id="{48A87A34-81AB-432B-8DAE-1953F412C126}" type="datetimeFigureOut">
               <a:rPr lang="en-US" dirty="0"/>
-              <a:t>1/19/2016</a:t>
+              <a:t>20/01/16</a:t>
             </a:fld>
             <a:endParaRPr lang="en-US" dirty="0"/>
           </a:p>
@@ -3476,7 +3477,7 @@
           <a:p>
             <a:fld id="{6D22F896-40B5-4ADD-8801-0D06FADFA095}" type="slidenum">
               <a:rPr lang="en-US" dirty="0"/>
-              <a:t>‹nr.›</a:t>
+              <a:t>‹#›</a:t>
             </a:fld>
             <a:endParaRPr lang="en-US" dirty="0"/>
           </a:p>
@@ -3719,7 +3720,7 @@
             <a:fld id="{48A87A34-81AB-432B-8DAE-1953F412C126}" type="datetimeFigureOut">
               <a:rPr lang="en-US" dirty="0"/>
               <a:pPr/>
-              <a:t>1/19/2016</a:t>
+              <a:t>20/01/16</a:t>
             </a:fld>
             <a:endParaRPr lang="en-US" dirty="0"/>
           </a:p>
@@ -3771,7 +3772,7 @@
           <a:p>
             <a:fld id="{6D22F896-40B5-4ADD-8801-0D06FADFA095}" type="slidenum">
               <a:rPr lang="en-US" dirty="0"/>
-              <a:t>‹nr.›</a:t>
+              <a:t>‹#›</a:t>
             </a:fld>
             <a:endParaRPr lang="en-US" dirty="0"/>
           </a:p>
@@ -3956,7 +3957,7 @@
           <a:p>
             <a:fld id="{48A87A34-81AB-432B-8DAE-1953F412C126}" type="datetimeFigureOut">
               <a:rPr lang="en-US" dirty="0"/>
-              <a:t>1/19/2016</a:t>
+              <a:t>20/01/16</a:t>
             </a:fld>
             <a:endParaRPr lang="en-US" dirty="0"/>
           </a:p>
@@ -3998,7 +3999,7 @@
           <a:p>
             <a:fld id="{6D22F896-40B5-4ADD-8801-0D06FADFA095}" type="slidenum">
               <a:rPr lang="en-US" dirty="0"/>
-              <a:t>‹nr.›</a:t>
+              <a:t>‹#›</a:t>
             </a:fld>
             <a:endParaRPr lang="en-US" dirty="0"/>
           </a:p>
@@ -4330,7 +4331,7 @@
           <a:p>
             <a:fld id="{48A87A34-81AB-432B-8DAE-1953F412C126}" type="datetimeFigureOut">
               <a:rPr lang="en-US" dirty="0"/>
-              <a:t>1/19/2016</a:t>
+              <a:t>20/01/16</a:t>
             </a:fld>
             <a:endParaRPr lang="en-US" dirty="0"/>
           </a:p>
@@ -4372,7 +4373,7 @@
           <a:p>
             <a:fld id="{6D22F896-40B5-4ADD-8801-0D06FADFA095}" type="slidenum">
               <a:rPr lang="en-US" dirty="0"/>
-              <a:t>‹nr.›</a:t>
+              <a:t>‹#›</a:t>
             </a:fld>
             <a:endParaRPr lang="en-US" dirty="0"/>
           </a:p>
@@ -4443,7 +4444,7 @@
           <a:p>
             <a:fld id="{48A87A34-81AB-432B-8DAE-1953F412C126}" type="datetimeFigureOut">
               <a:rPr lang="en-US" dirty="0"/>
-              <a:t>1/19/2016</a:t>
+              <a:t>20/01/16</a:t>
             </a:fld>
             <a:endParaRPr lang="en-US" dirty="0"/>
           </a:p>
@@ -4485,7 +4486,7 @@
           <a:p>
             <a:fld id="{6D22F896-40B5-4ADD-8801-0D06FADFA095}" type="slidenum">
               <a:rPr lang="en-US" dirty="0"/>
-              <a:t>‹nr.›</a:t>
+              <a:t>‹#›</a:t>
             </a:fld>
             <a:endParaRPr lang="en-US" dirty="0"/>
           </a:p>
@@ -4533,7 +4534,7 @@
           <a:p>
             <a:fld id="{48A87A34-81AB-432B-8DAE-1953F412C126}" type="datetimeFigureOut">
               <a:rPr lang="en-US" dirty="0"/>
-              <a:t>1/19/2016</a:t>
+              <a:t>20/01/16</a:t>
             </a:fld>
             <a:endParaRPr lang="en-US" dirty="0"/>
           </a:p>
@@ -4575,7 +4576,7 @@
           <a:p>
             <a:fld id="{6D22F896-40B5-4ADD-8801-0D06FADFA095}" type="slidenum">
               <a:rPr lang="en-US" dirty="0"/>
-              <a:t>‹nr.›</a:t>
+              <a:t>‹#›</a:t>
             </a:fld>
             <a:endParaRPr lang="en-US" dirty="0"/>
           </a:p>
@@ -4777,7 +4778,7 @@
           <a:p>
             <a:fld id="{48A87A34-81AB-432B-8DAE-1953F412C126}" type="datetimeFigureOut">
               <a:rPr lang="en-US" dirty="0"/>
-              <a:t>1/19/2016</a:t>
+              <a:t>20/01/16</a:t>
             </a:fld>
             <a:endParaRPr lang="en-US" dirty="0"/>
           </a:p>
@@ -4819,7 +4820,7 @@
           <a:p>
             <a:fld id="{6D22F896-40B5-4ADD-8801-0D06FADFA095}" type="slidenum">
               <a:rPr lang="en-US" dirty="0"/>
-              <a:t>‹nr.›</a:t>
+              <a:t>‹#›</a:t>
             </a:fld>
             <a:endParaRPr lang="en-US" dirty="0"/>
           </a:p>
@@ -5029,7 +5030,7 @@
           <a:p>
             <a:fld id="{48A87A34-81AB-432B-8DAE-1953F412C126}" type="datetimeFigureOut">
               <a:rPr lang="en-US" dirty="0"/>
-              <a:t>1/19/2016</a:t>
+              <a:t>20/01/16</a:t>
             </a:fld>
             <a:endParaRPr lang="en-US" dirty="0"/>
           </a:p>
@@ -5071,7 +5072,7 @@
           <a:p>
             <a:fld id="{6D22F896-40B5-4ADD-8801-0D06FADFA095}" type="slidenum">
               <a:rPr lang="en-US" dirty="0"/>
-              <a:t>‹nr.›</a:t>
+              <a:t>‹#›</a:t>
             </a:fld>
             <a:endParaRPr lang="en-US" dirty="0"/>
           </a:p>
@@ -5268,7 +5269,7 @@
             <a:fld id="{48A87A34-81AB-432B-8DAE-1953F412C126}" type="datetimeFigureOut">
               <a:rPr lang="en-US" dirty="0"/>
               <a:pPr/>
-              <a:t>1/19/2016</a:t>
+              <a:t>20/01/16</a:t>
             </a:fld>
             <a:endParaRPr lang="en-US" dirty="0"/>
           </a:p>
@@ -5347,7 +5348,7 @@
             <a:fld id="{6D22F896-40B5-4ADD-8801-0D06FADFA095}" type="slidenum">
               <a:rPr lang="en-US" dirty="0"/>
               <a:pPr/>
-              <a:t>‹nr.›</a:t>
+              <a:t>‹#›</a:t>
             </a:fld>
             <a:endParaRPr lang="en-US" dirty="0"/>
           </a:p>
@@ -5774,7 +5775,7 @@
           <a:p>
             <a:r>
               <a:rPr lang="da-DK" dirty="0" smtClean="0"/>
-              <a:t>Klassediagram</a:t>
+              <a:t>Sekvensdiagram og applikations model</a:t>
             </a:r>
             <a:endParaRPr lang="da-DK" dirty="0"/>
           </a:p>
@@ -5798,8 +5799,30 @@
         </p:blipFill>
         <p:spPr>
           <a:xfrm>
-            <a:off x="2081676" y="1725748"/>
-            <a:ext cx="7954422" cy="4931530"/>
+            <a:off x="504824" y="2057401"/>
+            <a:ext cx="5550287" cy="4098072"/>
+          </a:xfrm>
+          <a:prstGeom prst="rect">
+            <a:avLst/>
+          </a:prstGeom>
+        </p:spPr>
+      </p:pic>
+      <p:pic>
+        <p:nvPicPr>
+          <p:cNvPr id="5" name="Billede 4"/>
+          <p:cNvPicPr/>
+          <p:nvPr/>
+        </p:nvPicPr>
+        <p:blipFill>
+          <a:blip r:embed="rId3"/>
+          <a:stretch>
+            <a:fillRect/>
+          </a:stretch>
+        </p:blipFill>
+        <p:spPr>
+          <a:xfrm>
+            <a:off x="5966599" y="3156577"/>
+            <a:ext cx="6120130" cy="1637665"/>
           </a:xfrm>
           <a:prstGeom prst="rect">
             <a:avLst/>
@@ -5809,7 +5832,7 @@
     </p:spTree>
     <p:extLst>
       <p:ext uri="{BB962C8B-B14F-4D97-AF65-F5344CB8AC3E}">
-        <p14:creationId xmlns:p14="http://schemas.microsoft.com/office/powerpoint/2010/main" val="924065255"/>
+        <p14:creationId xmlns:p14="http://schemas.microsoft.com/office/powerpoint/2010/main" val="3255700359"/>
       </p:ext>
     </p:extLst>
   </p:cSld>
@@ -5853,57 +5876,42 @@
           <a:p>
             <a:r>
               <a:rPr lang="da-DK" dirty="0" smtClean="0"/>
-              <a:t>Softwareimplementering</a:t>
+              <a:t>Klassediagram</a:t>
             </a:r>
             <a:endParaRPr lang="da-DK" dirty="0"/>
           </a:p>
         </p:txBody>
       </p:sp>
-      <p:sp>
-        <p:nvSpPr>
-          <p:cNvPr id="3" name="Pladsholder til indhold 2"/>
-          <p:cNvSpPr>
-            <a:spLocks noGrp="1"/>
-          </p:cNvSpPr>
+      <p:pic>
+        <p:nvPicPr>
+          <p:cNvPr id="4" name="Pladsholder til indhold 3"/>
+          <p:cNvPicPr>
+            <a:picLocks noGrp="1"/>
+          </p:cNvPicPr>
           <p:nvPr>
             <p:ph idx="1"/>
           </p:nvPr>
-        </p:nvSpPr>
-        <p:spPr/>
-        <p:txBody>
-          <a:bodyPr/>
-          <a:lstStyle/>
-          <a:p>
-            <a:r>
-              <a:rPr lang="da-DK" dirty="0" smtClean="0"/>
-              <a:t>Observer mønstre</a:t>
-            </a:r>
-          </a:p>
-          <a:p>
-            <a:r>
-              <a:rPr lang="da-DK" dirty="0" smtClean="0"/>
-              <a:t>Tråde </a:t>
-            </a:r>
-          </a:p>
-          <a:p>
-            <a:endParaRPr lang="da-DK" dirty="0" smtClean="0"/>
-          </a:p>
-          <a:p>
-            <a:endParaRPr lang="da-DK" dirty="0"/>
-          </a:p>
-          <a:p>
-            <a:r>
-              <a:rPr lang="da-DK" dirty="0" smtClean="0"/>
-              <a:t>Jeppe – 3 minutter</a:t>
-            </a:r>
-            <a:endParaRPr lang="da-DK" dirty="0"/>
-          </a:p>
-        </p:txBody>
-      </p:sp>
+        </p:nvPicPr>
+        <p:blipFill>
+          <a:blip r:embed="rId2"/>
+          <a:stretch>
+            <a:fillRect/>
+          </a:stretch>
+        </p:blipFill>
+        <p:spPr>
+          <a:xfrm>
+            <a:off x="2081676" y="1725748"/>
+            <a:ext cx="7954422" cy="4931530"/>
+          </a:xfrm>
+          <a:prstGeom prst="rect">
+            <a:avLst/>
+          </a:prstGeom>
+        </p:spPr>
+      </p:pic>
     </p:spTree>
     <p:extLst>
       <p:ext uri="{BB962C8B-B14F-4D97-AF65-F5344CB8AC3E}">
-        <p14:creationId xmlns:p14="http://schemas.microsoft.com/office/powerpoint/2010/main" val="242933708"/>
+        <p14:creationId xmlns:p14="http://schemas.microsoft.com/office/powerpoint/2010/main" val="924065255"/>
       </p:ext>
     </p:extLst>
   </p:cSld>
@@ -5947,7 +5955,7 @@
           <a:p>
             <a:r>
               <a:rPr lang="da-DK" dirty="0" smtClean="0"/>
-              <a:t>Test</a:t>
+              <a:t>Softwareimplementering</a:t>
             </a:r>
             <a:endParaRPr lang="da-DK" dirty="0"/>
           </a:p>
@@ -5970,45 +5978,34 @@
           <a:p>
             <a:r>
               <a:rPr lang="da-DK" dirty="0" smtClean="0"/>
-              <a:t>Software test – Mads - ½ minut</a:t>
-            </a:r>
+              <a:t>Observer mønstre</a:t>
+            </a:r>
+          </a:p>
+          <a:p>
+            <a:r>
+              <a:rPr lang="da-DK" dirty="0" smtClean="0"/>
+              <a:t>Tråde </a:t>
+            </a:r>
+          </a:p>
+          <a:p>
+            <a:endParaRPr lang="da-DK" dirty="0" smtClean="0"/>
           </a:p>
           <a:p>
             <a:endParaRPr lang="da-DK" dirty="0"/>
           </a:p>
           <a:p>
-            <a:pPr marL="0" indent="0">
-              <a:buNone/>
-            </a:pPr>
             <a:r>
               <a:rPr lang="da-DK" dirty="0" smtClean="0"/>
-              <a:t> </a:t>
-            </a:r>
-          </a:p>
-          <a:p>
-            <a:r>
-              <a:rPr lang="da-DK" dirty="0" smtClean="0"/>
-              <a:t>Hardware test – Nicoline 1½ minut</a:t>
-            </a:r>
-          </a:p>
-          <a:p>
+              <a:t>Jeppe – 3 minutter</a:t>
+            </a:r>
             <a:endParaRPr lang="da-DK" dirty="0"/>
-          </a:p>
-          <a:p>
-            <a:endParaRPr lang="da-DK" dirty="0" smtClean="0"/>
-          </a:p>
-          <a:p>
-            <a:r>
-              <a:rPr lang="da-DK" dirty="0" smtClean="0"/>
-              <a:t>Samlet test – Nicoline – 1 minut</a:t>
-            </a:r>
           </a:p>
         </p:txBody>
       </p:sp>
     </p:spTree>
     <p:extLst>
       <p:ext uri="{BB962C8B-B14F-4D97-AF65-F5344CB8AC3E}">
-        <p14:creationId xmlns:p14="http://schemas.microsoft.com/office/powerpoint/2010/main" val="2467907742"/>
+        <p14:creationId xmlns:p14="http://schemas.microsoft.com/office/powerpoint/2010/main" val="242933708"/>
       </p:ext>
     </p:extLst>
   </p:cSld>
@@ -6045,6 +6042,111 @@
             <p:ph type="title"/>
           </p:nvPr>
         </p:nvSpPr>
+        <p:spPr/>
+        <p:txBody>
+          <a:bodyPr/>
+          <a:lstStyle/>
+          <a:p>
+            <a:r>
+              <a:rPr lang="da-DK" dirty="0" smtClean="0"/>
+              <a:t>Test</a:t>
+            </a:r>
+            <a:endParaRPr lang="da-DK" dirty="0"/>
+          </a:p>
+        </p:txBody>
+      </p:sp>
+      <p:sp>
+        <p:nvSpPr>
+          <p:cNvPr id="3" name="Pladsholder til indhold 2"/>
+          <p:cNvSpPr>
+            <a:spLocks noGrp="1"/>
+          </p:cNvSpPr>
+          <p:nvPr>
+            <p:ph idx="1"/>
+          </p:nvPr>
+        </p:nvSpPr>
+        <p:spPr/>
+        <p:txBody>
+          <a:bodyPr/>
+          <a:lstStyle/>
+          <a:p>
+            <a:r>
+              <a:rPr lang="da-DK" dirty="0" smtClean="0"/>
+              <a:t>Software test – Mads - ½ minut</a:t>
+            </a:r>
+          </a:p>
+          <a:p>
+            <a:endParaRPr lang="da-DK" dirty="0"/>
+          </a:p>
+          <a:p>
+            <a:pPr marL="0" indent="0">
+              <a:buNone/>
+            </a:pPr>
+            <a:r>
+              <a:rPr lang="da-DK" dirty="0" smtClean="0"/>
+              <a:t> </a:t>
+            </a:r>
+          </a:p>
+          <a:p>
+            <a:r>
+              <a:rPr lang="da-DK" dirty="0" smtClean="0"/>
+              <a:t>Hardware test – Nicoline 1½ minut</a:t>
+            </a:r>
+          </a:p>
+          <a:p>
+            <a:endParaRPr lang="da-DK" dirty="0"/>
+          </a:p>
+          <a:p>
+            <a:endParaRPr lang="da-DK" dirty="0" smtClean="0"/>
+          </a:p>
+          <a:p>
+            <a:r>
+              <a:rPr lang="da-DK" dirty="0" smtClean="0"/>
+              <a:t>Samlet test – Nicoline – 1 minut</a:t>
+            </a:r>
+          </a:p>
+        </p:txBody>
+      </p:sp>
+    </p:spTree>
+    <p:extLst>
+      <p:ext uri="{BB962C8B-B14F-4D97-AF65-F5344CB8AC3E}">
+        <p14:creationId xmlns:p14="http://schemas.microsoft.com/office/powerpoint/2010/main" val="2467907742"/>
+      </p:ext>
+    </p:extLst>
+  </p:cSld>
+  <p:clrMapOvr>
+    <a:masterClrMapping/>
+  </p:clrMapOvr>
+</p:sld>
+</file>
+
+<file path=ppt/slides/slide14.xml><?xml version="1.0" encoding="utf-8"?>
+<p:sld xmlns:a="http://schemas.openxmlformats.org/drawingml/2006/main" xmlns:r="http://schemas.openxmlformats.org/officeDocument/2006/relationships" xmlns:p="http://schemas.openxmlformats.org/presentationml/2006/main">
+  <p:cSld>
+    <p:spTree>
+      <p:nvGrpSpPr>
+        <p:cNvPr id="1" name=""/>
+        <p:cNvGrpSpPr/>
+        <p:nvPr/>
+      </p:nvGrpSpPr>
+      <p:grpSpPr>
+        <a:xfrm>
+          <a:off x="0" y="0"/>
+          <a:ext cx="0" cy="0"/>
+          <a:chOff x="0" y="0"/>
+          <a:chExt cx="0" cy="0"/>
+        </a:xfrm>
+      </p:grpSpPr>
+      <p:sp>
+        <p:nvSpPr>
+          <p:cNvPr id="2" name="Titel 1"/>
+          <p:cNvSpPr>
+            <a:spLocks noGrp="1"/>
+          </p:cNvSpPr>
+          <p:nvPr>
+            <p:ph type="title"/>
+          </p:nvPr>
+        </p:nvSpPr>
         <p:spPr>
           <a:xfrm>
             <a:off x="1700011" y="764373"/>
@@ -6141,7 +6243,7 @@
 </p:sld>
 </file>
 
-<file path=ppt/slides/slide14.xml><?xml version="1.0" encoding="utf-8"?>
+<file path=ppt/slides/slide15.xml><?xml version="1.0" encoding="utf-8"?>
 <p:sld xmlns:a="http://schemas.openxmlformats.org/drawingml/2006/main" xmlns:r="http://schemas.openxmlformats.org/officeDocument/2006/relationships" xmlns:p="http://schemas.openxmlformats.org/presentationml/2006/main">
   <p:cSld>
     <p:spTree>
@@ -6281,44 +6383,10 @@
             </a:r>
           </a:p>
           <a:p>
+            <a:pPr marL="0" indent="0">
+              <a:buNone/>
+            </a:pPr>
             <a:endParaRPr lang="da-DK" dirty="0"/>
-          </a:p>
-          <a:p>
-            <a:endParaRPr lang="da-DK" dirty="0"/>
-          </a:p>
-          <a:p>
-            <a:r>
-              <a:rPr lang="da-DK" dirty="0" smtClean="0"/>
-              <a:t>Eventuel </a:t>
-            </a:r>
-            <a:r>
-              <a:rPr lang="da-DK" dirty="0" err="1" smtClean="0"/>
-              <a:t>hæmodynamik</a:t>
-            </a:r>
-            <a:endParaRPr lang="da-DK" dirty="0" smtClean="0"/>
-          </a:p>
-          <a:p>
-            <a:r>
-              <a:rPr lang="da-DK" dirty="0" smtClean="0"/>
-              <a:t>Gennemgang af hvad et </a:t>
-            </a:r>
-            <a:r>
-              <a:rPr lang="da-DK" dirty="0" err="1" smtClean="0"/>
-              <a:t>bloddtryksapperat</a:t>
-            </a:r>
-            <a:r>
-              <a:rPr lang="da-DK" dirty="0" smtClean="0"/>
-              <a:t> består af. </a:t>
-            </a:r>
-          </a:p>
-          <a:p>
-            <a:endParaRPr lang="da-DK" dirty="0"/>
-          </a:p>
-          <a:p>
-            <a:r>
-              <a:rPr lang="da-DK" dirty="0" smtClean="0"/>
-              <a:t>Mads – 1½ minut</a:t>
-            </a:r>
           </a:p>
         </p:txBody>
       </p:sp>
@@ -6354,7 +6422,7 @@
       </p:grpSpPr>
       <p:sp>
         <p:nvSpPr>
-          <p:cNvPr id="2" name="Titel 1"/>
+          <p:cNvPr id="2" name="Title 1"/>
           <p:cNvSpPr>
             <a:spLocks noGrp="1"/>
           </p:cNvSpPr>
@@ -6368,66 +6436,40 @@
           <a:lstStyle/>
           <a:p>
             <a:r>
-              <a:rPr lang="da-DK" dirty="0" smtClean="0"/>
-              <a:t>Demo</a:t>
-            </a:r>
-            <a:endParaRPr lang="da-DK" dirty="0"/>
-          </a:p>
-        </p:txBody>
-      </p:sp>
-      <p:sp>
-        <p:nvSpPr>
-          <p:cNvPr id="3" name="Pladsholder til indhold 2"/>
-          <p:cNvSpPr>
-            <a:spLocks noGrp="1"/>
-          </p:cNvSpPr>
+              <a:rPr lang="en-US" dirty="0" err="1" smtClean="0"/>
+              <a:t>Blodtryksapperat</a:t>
+            </a:r>
+            <a:endParaRPr lang="en-US" dirty="0"/>
+          </a:p>
+        </p:txBody>
+      </p:sp>
+      <p:pic>
+        <p:nvPicPr>
+          <p:cNvPr id="4" name="Content Placeholder 3" descr="Opstilling.png"/>
+          <p:cNvPicPr>
+            <a:picLocks noGrp="1" noChangeAspect="1"/>
+          </p:cNvPicPr>
           <p:nvPr>
             <p:ph idx="1"/>
           </p:nvPr>
-        </p:nvSpPr>
-        <p:spPr>
-          <a:xfrm>
-            <a:off x="531254" y="2168803"/>
-            <a:ext cx="10820400" cy="4024125"/>
-          </a:xfrm>
-        </p:spPr>
-        <p:txBody>
-          <a:bodyPr/>
-          <a:lstStyle/>
-          <a:p>
-            <a:r>
-              <a:rPr lang="da-DK" dirty="0" smtClean="0"/>
-              <a:t>Mads – 2 minutter</a:t>
-            </a:r>
-          </a:p>
-          <a:p>
-            <a:endParaRPr lang="da-DK" dirty="0"/>
-          </a:p>
-          <a:p>
-            <a:r>
-              <a:rPr lang="da-DK" dirty="0" smtClean="0"/>
-              <a:t>Demonstrere alarmen </a:t>
-            </a:r>
-          </a:p>
-          <a:p>
-            <a:r>
-              <a:rPr lang="da-DK" dirty="0" smtClean="0"/>
-              <a:t>Gem</a:t>
-            </a:r>
-          </a:p>
-          <a:p>
-            <a:r>
-              <a:rPr lang="da-DK" dirty="0" smtClean="0"/>
-              <a:t>Lokaldatabase </a:t>
-            </a:r>
-            <a:endParaRPr lang="da-DK" dirty="0"/>
-          </a:p>
-        </p:txBody>
-      </p:sp>
+        </p:nvPicPr>
+        <p:blipFill rotWithShape="1">
+          <a:blip r:embed="rId2">
+            <a:extLst>
+              <a:ext uri="{28A0092B-C50C-407E-A947-70E740481C1C}">
+                <a14:useLocalDpi xmlns:a14="http://schemas.microsoft.com/office/drawing/2010/main" val="0"/>
+              </a:ext>
+            </a:extLst>
+          </a:blip>
+          <a:srcRect l="-17892" r="-17892"/>
+          <a:stretch/>
+        </p:blipFill>
+        <p:spPr/>
+      </p:pic>
     </p:spTree>
     <p:extLst>
       <p:ext uri="{BB962C8B-B14F-4D97-AF65-F5344CB8AC3E}">
-        <p14:creationId xmlns:p14="http://schemas.microsoft.com/office/powerpoint/2010/main" val="4236519787"/>
+        <p14:creationId xmlns:p14="http://schemas.microsoft.com/office/powerpoint/2010/main" val="452002910"/>
       </p:ext>
     </p:extLst>
   </p:cSld>
@@ -6471,7 +6513,7 @@
           <a:p>
             <a:r>
               <a:rPr lang="da-DK" dirty="0" smtClean="0"/>
-              <a:t>Arbejdsformer</a:t>
+              <a:t>Demo</a:t>
             </a:r>
             <a:endParaRPr lang="da-DK" dirty="0"/>
           </a:p>
@@ -6487,51 +6529,40 @@
             <p:ph idx="1"/>
           </p:nvPr>
         </p:nvSpPr>
-        <p:spPr/>
+        <p:spPr>
+          <a:xfrm>
+            <a:off x="531254" y="2168803"/>
+            <a:ext cx="10820400" cy="4024125"/>
+          </a:xfrm>
+        </p:spPr>
         <p:txBody>
           <a:bodyPr/>
           <a:lstStyle/>
           <a:p>
             <a:r>
               <a:rPr lang="da-DK" dirty="0" smtClean="0"/>
-              <a:t>En dejlig blanding af; </a:t>
-            </a:r>
+              <a:t>Mads – 2 minutter</a:t>
+            </a:r>
+          </a:p>
+          <a:p>
             <a:endParaRPr lang="da-DK" dirty="0"/>
           </a:p>
           <a:p>
             <a:r>
               <a:rPr lang="da-DK" dirty="0" smtClean="0"/>
-              <a:t>ASE-modellen</a:t>
+              <a:t>Demonstrere alarmen </a:t>
             </a:r>
           </a:p>
           <a:p>
             <a:r>
               <a:rPr lang="da-DK" dirty="0" smtClean="0"/>
-              <a:t>V modellen</a:t>
+              <a:t>Gem</a:t>
             </a:r>
           </a:p>
           <a:p>
             <a:r>
               <a:rPr lang="da-DK" dirty="0" smtClean="0"/>
-              <a:t>Vandfaldsmodellen</a:t>
-            </a:r>
-          </a:p>
-          <a:p>
-            <a:endParaRPr lang="da-DK" dirty="0"/>
-          </a:p>
-          <a:p>
-            <a:r>
-              <a:rPr lang="da-DK" dirty="0" smtClean="0"/>
-              <a:t>ASE-MODELLEN PRIMÆRT!!</a:t>
-            </a:r>
-          </a:p>
-          <a:p>
-            <a:endParaRPr lang="da-DK" dirty="0"/>
-          </a:p>
-          <a:p>
-            <a:r>
-              <a:rPr lang="da-DK" dirty="0" smtClean="0"/>
-              <a:t>Mads – 1½ minut</a:t>
+              <a:t>Lokaldatabase </a:t>
             </a:r>
             <a:endParaRPr lang="da-DK" dirty="0"/>
           </a:p>
@@ -6540,7 +6571,7 @@
     </p:spTree>
     <p:extLst>
       <p:ext uri="{BB962C8B-B14F-4D97-AF65-F5344CB8AC3E}">
-        <p14:creationId xmlns:p14="http://schemas.microsoft.com/office/powerpoint/2010/main" val="4142203396"/>
+        <p14:creationId xmlns:p14="http://schemas.microsoft.com/office/powerpoint/2010/main" val="4236519787"/>
       </p:ext>
     </p:extLst>
   </p:cSld>
@@ -6584,7 +6615,7 @@
           <a:p>
             <a:r>
               <a:rPr lang="da-DK" dirty="0" smtClean="0"/>
-              <a:t>Hardwareudvikling</a:t>
+              <a:t>Arbejdsformer</a:t>
             </a:r>
             <a:endParaRPr lang="da-DK" dirty="0"/>
           </a:p>
@@ -6602,73 +6633,49 @@
         </p:nvSpPr>
         <p:spPr/>
         <p:txBody>
-          <a:bodyPr>
-            <a:normAutofit lnSpcReduction="10000"/>
-          </a:bodyPr>
-          <a:lstStyle/>
-          <a:p>
-            <a:endParaRPr lang="da-DK" dirty="0" smtClean="0"/>
-          </a:p>
-          <a:p>
+          <a:bodyPr/>
+          <a:lstStyle/>
+          <a:p>
+            <a:r>
+              <a:rPr lang="da-DK" dirty="0" smtClean="0"/>
+              <a:t>En dejlig blanding af; </a:t>
+            </a:r>
             <a:endParaRPr lang="da-DK" dirty="0"/>
           </a:p>
           <a:p>
             <a:r>
               <a:rPr lang="da-DK" dirty="0" smtClean="0"/>
-              <a:t>En </a:t>
-            </a:r>
+              <a:t>ASE-modellen</a:t>
+            </a:r>
+          </a:p>
+          <a:p>
             <a:r>
               <a:rPr lang="da-DK" dirty="0" smtClean="0"/>
-              <a:t>forstærker og et filter</a:t>
+              <a:t>V modellen</a:t>
             </a:r>
           </a:p>
           <a:p>
             <a:r>
               <a:rPr lang="da-DK" dirty="0" smtClean="0"/>
-              <a:t>Teoretisk udvikling før fysisk. </a:t>
-            </a:r>
+              <a:t>Vandfaldsmodellen</a:t>
+            </a:r>
+          </a:p>
+          <a:p>
+            <a:endParaRPr lang="da-DK" dirty="0"/>
           </a:p>
           <a:p>
             <a:r>
               <a:rPr lang="da-DK" dirty="0" smtClean="0"/>
-              <a:t>Små spændinger – og de problemer de medfører!</a:t>
-            </a:r>
+              <a:t>ASE-MODELLEN PRIMÆRT!!</a:t>
+            </a:r>
+          </a:p>
+          <a:p>
+            <a:endParaRPr lang="da-DK" dirty="0"/>
           </a:p>
           <a:p>
             <a:r>
               <a:rPr lang="da-DK" dirty="0" smtClean="0"/>
-              <a:t>Analog </a:t>
-            </a:r>
-            <a:r>
-              <a:rPr lang="da-DK" dirty="0" err="1" smtClean="0"/>
-              <a:t>Discovery</a:t>
-            </a:r>
-            <a:r>
-              <a:rPr lang="da-DK" dirty="0" smtClean="0"/>
-              <a:t> – Det lille bæst</a:t>
-            </a:r>
-          </a:p>
-          <a:p>
-            <a:endParaRPr lang="da-DK" dirty="0" smtClean="0"/>
-          </a:p>
-          <a:p>
-            <a:endParaRPr lang="da-DK" dirty="0" smtClean="0"/>
-          </a:p>
-          <a:p>
-            <a:endParaRPr lang="da-DK" dirty="0"/>
-          </a:p>
-          <a:p>
-            <a:r>
-              <a:rPr lang="da-DK" dirty="0" smtClean="0"/>
-              <a:t>Sara</a:t>
-            </a:r>
-            <a:r>
-              <a:rPr lang="da-DK" dirty="0"/>
-              <a:t> </a:t>
-            </a:r>
-            <a:r>
-              <a:rPr lang="da-DK" dirty="0" smtClean="0"/>
-              <a:t>– 3 minutter</a:t>
+              <a:t>Mads – 1½ minut</a:t>
             </a:r>
             <a:endParaRPr lang="da-DK" dirty="0"/>
           </a:p>
@@ -6677,7 +6684,7 @@
     </p:spTree>
     <p:extLst>
       <p:ext uri="{BB962C8B-B14F-4D97-AF65-F5344CB8AC3E}">
-        <p14:creationId xmlns:p14="http://schemas.microsoft.com/office/powerpoint/2010/main" val="638884148"/>
+        <p14:creationId xmlns:p14="http://schemas.microsoft.com/office/powerpoint/2010/main" val="4142203396"/>
       </p:ext>
     </p:extLst>
   </p:cSld>
@@ -6739,81 +6746,70 @@
         </p:nvSpPr>
         <p:spPr/>
         <p:txBody>
-          <a:bodyPr/>
-          <a:lstStyle/>
+          <a:bodyPr>
+            <a:normAutofit lnSpcReduction="10000"/>
+          </a:bodyPr>
+          <a:lstStyle/>
+          <a:p>
+            <a:endParaRPr lang="da-DK" dirty="0" smtClean="0"/>
+          </a:p>
+          <a:p>
+            <a:endParaRPr lang="da-DK" dirty="0"/>
+          </a:p>
           <a:p>
             <a:r>
               <a:rPr lang="da-DK" dirty="0" smtClean="0"/>
-              <a:t>Operationsforstærker kontra </a:t>
+              <a:t>En forstærker og et filter</a:t>
+            </a:r>
+          </a:p>
+          <a:p>
+            <a:r>
+              <a:rPr lang="da-DK" dirty="0" smtClean="0"/>
+              <a:t>Teoretisk udvikling før fysisk. </a:t>
+            </a:r>
+          </a:p>
+          <a:p>
+            <a:r>
+              <a:rPr lang="da-DK" dirty="0" smtClean="0"/>
+              <a:t>Små spændinger – og de problemer de medfører!</a:t>
+            </a:r>
+          </a:p>
+          <a:p>
+            <a:r>
+              <a:rPr lang="da-DK" dirty="0" smtClean="0"/>
+              <a:t>Analog </a:t>
             </a:r>
             <a:r>
               <a:rPr lang="da-DK" dirty="0" err="1" smtClean="0"/>
-              <a:t>instrimentationsforstærker</a:t>
+              <a:t>Discovery</a:t>
             </a:r>
             <a:r>
               <a:rPr lang="da-DK" dirty="0" smtClean="0"/>
-              <a:t>.</a:t>
-            </a:r>
-          </a:p>
-          <a:p>
-            <a:pPr lvl="1"/>
+              <a:t> – Det lille bæst</a:t>
+            </a:r>
+          </a:p>
+          <a:p>
+            <a:endParaRPr lang="da-DK" dirty="0" smtClean="0"/>
+          </a:p>
+          <a:p>
+            <a:endParaRPr lang="da-DK" dirty="0" smtClean="0"/>
+          </a:p>
+          <a:p>
+            <a:endParaRPr lang="da-DK" dirty="0"/>
+          </a:p>
+          <a:p>
+            <a:r>
+              <a:rPr lang="da-DK" dirty="0" smtClean="0"/>
+              <a:t>Sara</a:t>
+            </a:r>
             <a:r>
               <a:rPr lang="da-DK" dirty="0"/>
-              <a:t>Indgangsimpedans</a:t>
-            </a:r>
-          </a:p>
-          <a:p>
-            <a:pPr lvl="1"/>
-            <a:r>
-              <a:rPr lang="da-DK" dirty="0"/>
-              <a:t>Common mode </a:t>
-            </a:r>
-            <a:r>
-              <a:rPr lang="da-DK" dirty="0" err="1" smtClean="0"/>
-              <a:t>rejection</a:t>
-            </a:r>
-            <a:endParaRPr lang="da-DK" dirty="0"/>
-          </a:p>
-          <a:p>
-            <a:endParaRPr lang="da-DK" dirty="0" smtClean="0"/>
-          </a:p>
-          <a:p>
+              <a:t> </a:t>
+            </a:r>
             <a:r>
               <a:rPr lang="da-DK" dirty="0" smtClean="0"/>
-              <a:t>Dynamikområde</a:t>
-            </a:r>
-          </a:p>
-          <a:p>
-            <a:endParaRPr lang="da-DK" dirty="0"/>
-          </a:p>
-          <a:p>
-            <a:r>
-              <a:rPr lang="da-DK" dirty="0" err="1" smtClean="0"/>
-              <a:t>Analogdiscovery</a:t>
-            </a:r>
-            <a:r>
-              <a:rPr lang="da-DK" dirty="0" smtClean="0"/>
-              <a:t> frem for batteri</a:t>
-            </a:r>
-          </a:p>
-          <a:p>
-            <a:pPr lvl="1"/>
-            <a:r>
-              <a:rPr lang="da-DK" smtClean="0"/>
-              <a:t>Stabilitet </a:t>
-            </a:r>
-            <a:endParaRPr lang="da-DK" dirty="0" smtClean="0"/>
-          </a:p>
-          <a:p>
-            <a:endParaRPr lang="da-DK" dirty="0"/>
-          </a:p>
-          <a:p>
-            <a:endParaRPr lang="da-DK" dirty="0" smtClean="0"/>
-          </a:p>
-          <a:p>
-            <a:endParaRPr lang="da-DK" dirty="0"/>
-          </a:p>
-          <a:p>
+              <a:t>– 3 minutter</a:t>
+            </a:r>
             <a:endParaRPr lang="da-DK" dirty="0"/>
           </a:p>
         </p:txBody>
@@ -6821,7 +6817,7 @@
     </p:spTree>
     <p:extLst>
       <p:ext uri="{BB962C8B-B14F-4D97-AF65-F5344CB8AC3E}">
-        <p14:creationId xmlns:p14="http://schemas.microsoft.com/office/powerpoint/2010/main" val="1977555632"/>
+        <p14:creationId xmlns:p14="http://schemas.microsoft.com/office/powerpoint/2010/main" val="638884148"/>
       </p:ext>
     </p:extLst>
   </p:cSld>
@@ -6864,53 +6860,89 @@
           <a:lstStyle/>
           <a:p>
             <a:r>
+              <a:rPr lang="da-DK" dirty="0" smtClean="0"/>
+              <a:t>Hardwareudvikling</a:t>
+            </a:r>
+            <a:endParaRPr lang="da-DK" dirty="0"/>
+          </a:p>
+        </p:txBody>
+      </p:sp>
+      <p:sp>
+        <p:nvSpPr>
+          <p:cNvPr id="3" name="Pladsholder til indhold 2"/>
+          <p:cNvSpPr>
+            <a:spLocks noGrp="1"/>
+          </p:cNvSpPr>
+          <p:nvPr>
+            <p:ph idx="1"/>
+          </p:nvPr>
+        </p:nvSpPr>
+        <p:spPr/>
+        <p:txBody>
+          <a:bodyPr/>
+          <a:lstStyle/>
+          <a:p>
+            <a:r>
+              <a:rPr lang="da-DK" dirty="0" smtClean="0"/>
+              <a:t>Operationsforstærker kontra </a:t>
+            </a:r>
+            <a:r>
               <a:rPr lang="da-DK" dirty="0" err="1" smtClean="0"/>
-              <a:t>HardwareImplementering</a:t>
+              <a:t>instrimentationsforstærker</a:t>
+            </a:r>
+            <a:r>
+              <a:rPr lang="da-DK" dirty="0" smtClean="0"/>
+              <a:t>.</a:t>
+            </a:r>
+          </a:p>
+          <a:p>
+            <a:pPr lvl="1"/>
+            <a:r>
+              <a:rPr lang="da-DK" dirty="0"/>
+              <a:t>Indgangsimpedans</a:t>
+            </a:r>
+          </a:p>
+          <a:p>
+            <a:pPr lvl="1"/>
+            <a:r>
+              <a:rPr lang="da-DK" dirty="0"/>
+              <a:t>Common mode </a:t>
+            </a:r>
+            <a:r>
+              <a:rPr lang="da-DK" dirty="0" err="1" smtClean="0"/>
+              <a:t>rejection</a:t>
             </a:r>
             <a:endParaRPr lang="da-DK" dirty="0"/>
           </a:p>
-        </p:txBody>
-      </p:sp>
-      <p:sp>
-        <p:nvSpPr>
-          <p:cNvPr id="3" name="Pladsholder til indhold 2"/>
-          <p:cNvSpPr>
-            <a:spLocks noGrp="1"/>
-          </p:cNvSpPr>
-          <p:nvPr>
-            <p:ph idx="1"/>
-          </p:nvPr>
-        </p:nvSpPr>
-        <p:spPr/>
-        <p:txBody>
-          <a:bodyPr/>
-          <a:lstStyle/>
-          <a:p>
-            <a:r>
-              <a:rPr lang="da-DK" dirty="0"/>
-              <a:t>Billede af begges kredsløbstegninger </a:t>
-            </a:r>
-          </a:p>
-          <a:p>
-            <a:r>
-              <a:rPr lang="da-DK" dirty="0"/>
-              <a:t>Instrumenteringsforstærkeren – og hvorfor den er fantastisk! </a:t>
-            </a:r>
+          <a:p>
             <a:endParaRPr lang="da-DK" dirty="0" smtClean="0"/>
           </a:p>
           <a:p>
             <a:r>
               <a:rPr lang="da-DK" dirty="0" smtClean="0"/>
-              <a:t>Reelle teorier kontra de teoretiske – </a:t>
-            </a:r>
+              <a:t>Dynamikområde</a:t>
+            </a:r>
+          </a:p>
+          <a:p>
+            <a:endParaRPr lang="da-DK" dirty="0"/>
+          </a:p>
+          <a:p>
             <a:r>
               <a:rPr lang="da-DK" dirty="0" err="1" smtClean="0"/>
-              <a:t>f.eks</a:t>
+              <a:t>Analogdiscovery</a:t>
             </a:r>
             <a:r>
               <a:rPr lang="da-DK" dirty="0" smtClean="0"/>
-              <a:t> knækfrekvenser. </a:t>
-            </a:r>
+              <a:t> frem for batteri</a:t>
+            </a:r>
+          </a:p>
+          <a:p>
+            <a:pPr lvl="1"/>
+            <a:r>
+              <a:rPr lang="da-DK" smtClean="0"/>
+              <a:t>Stabilitet </a:t>
+            </a:r>
+            <a:endParaRPr lang="da-DK" dirty="0" smtClean="0"/>
           </a:p>
           <a:p>
             <a:endParaRPr lang="da-DK" dirty="0"/>
@@ -6919,10 +6951,9 @@
             <a:endParaRPr lang="da-DK" dirty="0" smtClean="0"/>
           </a:p>
           <a:p>
-            <a:r>
-              <a:rPr lang="da-DK" dirty="0" smtClean="0"/>
-              <a:t>Freja – 3 minutter</a:t>
-            </a:r>
+            <a:endParaRPr lang="da-DK" dirty="0"/>
+          </a:p>
+          <a:p>
             <a:endParaRPr lang="da-DK" dirty="0"/>
           </a:p>
         </p:txBody>
@@ -6930,7 +6961,7 @@
     </p:spTree>
     <p:extLst>
       <p:ext uri="{BB962C8B-B14F-4D97-AF65-F5344CB8AC3E}">
-        <p14:creationId xmlns:p14="http://schemas.microsoft.com/office/powerpoint/2010/main" val="2141727839"/>
+        <p14:creationId xmlns:p14="http://schemas.microsoft.com/office/powerpoint/2010/main" val="1977555632"/>
       </p:ext>
     </p:extLst>
   </p:cSld>
@@ -6973,43 +7004,73 @@
           <a:lstStyle/>
           <a:p>
             <a:r>
+              <a:rPr lang="da-DK" dirty="0" err="1" smtClean="0"/>
+              <a:t>HardwareImplementering</a:t>
+            </a:r>
+            <a:endParaRPr lang="da-DK" dirty="0"/>
+          </a:p>
+        </p:txBody>
+      </p:sp>
+      <p:sp>
+        <p:nvSpPr>
+          <p:cNvPr id="3" name="Pladsholder til indhold 2"/>
+          <p:cNvSpPr>
+            <a:spLocks noGrp="1"/>
+          </p:cNvSpPr>
+          <p:nvPr>
+            <p:ph idx="1"/>
+          </p:nvPr>
+        </p:nvSpPr>
+        <p:spPr/>
+        <p:txBody>
+          <a:bodyPr/>
+          <a:lstStyle/>
+          <a:p>
+            <a:r>
+              <a:rPr lang="da-DK" dirty="0"/>
+              <a:t>Billede af begges kredsløbstegninger </a:t>
+            </a:r>
+          </a:p>
+          <a:p>
+            <a:r>
+              <a:rPr lang="da-DK" dirty="0"/>
+              <a:t>Instrumenteringsforstærkeren – og hvorfor den er fantastisk! </a:t>
+            </a:r>
+            <a:endParaRPr lang="da-DK" dirty="0" smtClean="0"/>
+          </a:p>
+          <a:p>
+            <a:r>
               <a:rPr lang="da-DK" dirty="0" smtClean="0"/>
-              <a:t>Softwareudvikling</a:t>
-            </a:r>
+              <a:t>Reelle teorier kontra de teoretiske – </a:t>
+            </a:r>
+            <a:r>
+              <a:rPr lang="da-DK" dirty="0" err="1" smtClean="0"/>
+              <a:t>f.eks</a:t>
+            </a:r>
+            <a:r>
+              <a:rPr lang="da-DK" dirty="0" smtClean="0"/>
+              <a:t> knækfrekvenser. </a:t>
+            </a:r>
+          </a:p>
+          <a:p>
             <a:endParaRPr lang="da-DK" dirty="0"/>
           </a:p>
-        </p:txBody>
-      </p:sp>
-      <p:pic>
-        <p:nvPicPr>
-          <p:cNvPr id="4" name="Pladsholder til indhold 3"/>
-          <p:cNvPicPr>
-            <a:picLocks noGrp="1"/>
-          </p:cNvPicPr>
-          <p:nvPr>
-            <p:ph idx="1"/>
-          </p:nvPr>
-        </p:nvPicPr>
-        <p:blipFill>
-          <a:blip r:embed="rId2"/>
-          <a:stretch>
-            <a:fillRect/>
-          </a:stretch>
-        </p:blipFill>
-        <p:spPr>
-          <a:xfrm>
-            <a:off x="1719959" y="1806943"/>
-            <a:ext cx="8896002" cy="4839184"/>
-          </a:xfrm>
-          <a:prstGeom prst="rect">
-            <a:avLst/>
-          </a:prstGeom>
-        </p:spPr>
-      </p:pic>
+          <a:p>
+            <a:endParaRPr lang="da-DK" dirty="0" smtClean="0"/>
+          </a:p>
+          <a:p>
+            <a:r>
+              <a:rPr lang="da-DK" dirty="0" smtClean="0"/>
+              <a:t>Freja – 3 minutter</a:t>
+            </a:r>
+            <a:endParaRPr lang="da-DK" dirty="0"/>
+          </a:p>
+        </p:txBody>
+      </p:sp>
     </p:spTree>
     <p:extLst>
       <p:ext uri="{BB962C8B-B14F-4D97-AF65-F5344CB8AC3E}">
-        <p14:creationId xmlns:p14="http://schemas.microsoft.com/office/powerpoint/2010/main" val="3894341658"/>
+        <p14:creationId xmlns:p14="http://schemas.microsoft.com/office/powerpoint/2010/main" val="2141727839"/>
       </p:ext>
     </p:extLst>
   </p:cSld>
@@ -7053,7 +7114,7 @@
           <a:p>
             <a:r>
               <a:rPr lang="da-DK" dirty="0" smtClean="0"/>
-              <a:t>Sekvensdiagram og applikations model</a:t>
+              <a:t>Softwareudvikling</a:t>
             </a:r>
             <a:endParaRPr lang="da-DK" dirty="0"/>
           </a:p>
@@ -7077,30 +7138,8 @@
         </p:blipFill>
         <p:spPr>
           <a:xfrm>
-            <a:off x="504824" y="2057401"/>
-            <a:ext cx="5550287" cy="4098072"/>
-          </a:xfrm>
-          <a:prstGeom prst="rect">
-            <a:avLst/>
-          </a:prstGeom>
-        </p:spPr>
-      </p:pic>
-      <p:pic>
-        <p:nvPicPr>
-          <p:cNvPr id="5" name="Billede 4"/>
-          <p:cNvPicPr/>
-          <p:nvPr/>
-        </p:nvPicPr>
-        <p:blipFill>
-          <a:blip r:embed="rId3"/>
-          <a:stretch>
-            <a:fillRect/>
-          </a:stretch>
-        </p:blipFill>
-        <p:spPr>
-          <a:xfrm>
-            <a:off x="5966599" y="3156577"/>
-            <a:ext cx="6120130" cy="1637665"/>
+            <a:off x="1719959" y="1806943"/>
+            <a:ext cx="8896002" cy="4839184"/>
           </a:xfrm>
           <a:prstGeom prst="rect">
             <a:avLst/>
@@ -7110,7 +7149,7 @@
     </p:spTree>
     <p:extLst>
       <p:ext uri="{BB962C8B-B14F-4D97-AF65-F5344CB8AC3E}">
-        <p14:creationId xmlns:p14="http://schemas.microsoft.com/office/powerpoint/2010/main" val="3255700359"/>
+        <p14:creationId xmlns:p14="http://schemas.microsoft.com/office/powerpoint/2010/main" val="3894341658"/>
       </p:ext>
     </p:extLst>
   </p:cSld>
@@ -7163,7 +7202,7 @@
     </a:clrScheme>
     <a:fontScheme name="Vapor Trail">
       <a:majorFont>
-        <a:latin typeface="Century Gothic" panose="020B0502020202020204"/>
+        <a:latin typeface="Century Gothic"/>
         <a:ea typeface=""/>
         <a:cs typeface=""/>
         <a:font script="Jpan" typeface="ＭＳ Ｐゴシック"/>
@@ -7198,7 +7237,7 @@
         <a:font script="Geor" typeface="Sylfaen"/>
       </a:majorFont>
       <a:minorFont>
-        <a:latin typeface="Century Gothic" panose="020B0502020202020204"/>
+        <a:latin typeface="Century Gothic"/>
         <a:ea typeface=""/>
         <a:cs typeface=""/>
         <a:font script="Jpan" typeface="ＭＳ Ｐゴシック"/>
@@ -7384,7 +7423,7 @@
   <a:extraClrSchemeLst/>
   <a:extLst>
     <a:ext uri="{05A4C25C-085E-4340-85A3-A5531E510DB2}">
-      <thm15:themeFamily xmlns:thm15="http://schemas.microsoft.com/office/thememl/2012/main" name="Vapor Trail" id="{4FDF2955-7D9C-493C-B9F9-C205151B46CD}" vid="{8F31A783-2159-4870-BC29-2BA7D038EA44}"/>
+      <thm15:themeFamily xmlns:thm15="http://schemas.microsoft.com/office/thememl/2012/main" xmlns="" name="Vapor Trail" id="{4FDF2955-7D9C-493C-B9F9-C205151B46CD}" vid="{8F31A783-2159-4870-BC29-2BA7D038EA44}"/>
     </a:ext>
   </a:extLst>
 </a:theme>

--- a/Bifiler til projekt/Semesterprojekt 3.pptx
+++ b/Bifiler til projekt/Semesterprojekt 3.pptx
@@ -10,16 +10,17 @@
     <p:sldId id="272" r:id="rId4"/>
     <p:sldId id="262" r:id="rId5"/>
     <p:sldId id="261" r:id="rId6"/>
-    <p:sldId id="259" r:id="rId7"/>
-    <p:sldId id="271" r:id="rId8"/>
-    <p:sldId id="266" r:id="rId9"/>
-    <p:sldId id="260" r:id="rId10"/>
-    <p:sldId id="268" r:id="rId11"/>
-    <p:sldId id="269" r:id="rId12"/>
-    <p:sldId id="267" r:id="rId13"/>
-    <p:sldId id="263" r:id="rId14"/>
-    <p:sldId id="264" r:id="rId15"/>
-    <p:sldId id="265" r:id="rId16"/>
+    <p:sldId id="273" r:id="rId7"/>
+    <p:sldId id="274" r:id="rId8"/>
+    <p:sldId id="271" r:id="rId9"/>
+    <p:sldId id="266" r:id="rId10"/>
+    <p:sldId id="260" r:id="rId11"/>
+    <p:sldId id="268" r:id="rId12"/>
+    <p:sldId id="269" r:id="rId13"/>
+    <p:sldId id="267" r:id="rId14"/>
+    <p:sldId id="263" r:id="rId15"/>
+    <p:sldId id="264" r:id="rId16"/>
+    <p:sldId id="265" r:id="rId17"/>
   </p:sldIdLst>
   <p:sldSz cx="12192000" cy="6858000"/>
   <p:notesSz cx="6858000" cy="9144000"/>
@@ -120,7 +121,18 @@
   </p:defaultTextStyle>
   <p:extLst>
     <p:ext uri="{EFAFB233-063F-42B5-8137-9DF3F51BA10A}">
-      <p15:sldGuideLst xmlns:p15="http://schemas.microsoft.com/office/powerpoint/2012/main" xmlns=""/>
+      <p15:sldGuideLst xmlns:p15="http://schemas.microsoft.com/office/powerpoint/2012/main">
+        <p15:guide id="1" orient="horz" pos="2160">
+          <p15:clr>
+            <a:srgbClr val="A4A3A4"/>
+          </p15:clr>
+        </p15:guide>
+        <p15:guide id="2" pos="3840">
+          <p15:clr>
+            <a:srgbClr val="A4A3A4"/>
+          </p15:clr>
+        </p15:guide>
+      </p15:sldGuideLst>
     </p:ext>
   </p:extLst>
 </p:presentation>
@@ -296,7 +308,7 @@
           <a:p>
             <a:fld id="{48A87A34-81AB-432B-8DAE-1953F412C126}" type="datetimeFigureOut">
               <a:rPr lang="en-US" dirty="0"/>
-              <a:t>20/01/16</a:t>
+              <a:t>1/20/2016</a:t>
             </a:fld>
             <a:endParaRPr lang="en-US" dirty="0"/>
           </a:p>
@@ -348,7 +360,7 @@
           <a:p>
             <a:fld id="{6D22F896-40B5-4ADD-8801-0D06FADFA095}" type="slidenum">
               <a:rPr lang="en-US" dirty="0"/>
-              <a:t>‹#›</a:t>
+              <a:t>‹nr.›</a:t>
             </a:fld>
             <a:endParaRPr lang="en-US" dirty="0"/>
           </a:p>
@@ -558,7 +570,7 @@
           <a:p>
             <a:fld id="{48A87A34-81AB-432B-8DAE-1953F412C126}" type="datetimeFigureOut">
               <a:rPr lang="en-US" dirty="0"/>
-              <a:t>20/01/16</a:t>
+              <a:t>1/20/2016</a:t>
             </a:fld>
             <a:endParaRPr lang="en-US" dirty="0"/>
           </a:p>
@@ -600,7 +612,7 @@
           <a:p>
             <a:fld id="{6D22F896-40B5-4ADD-8801-0D06FADFA095}" type="slidenum">
               <a:rPr lang="en-US" dirty="0"/>
-              <a:t>‹#›</a:t>
+              <a:t>‹nr.›</a:t>
             </a:fld>
             <a:endParaRPr lang="en-US" dirty="0"/>
           </a:p>
@@ -785,7 +797,7 @@
             <a:fld id="{48A87A34-81AB-432B-8DAE-1953F412C126}" type="datetimeFigureOut">
               <a:rPr lang="en-US" dirty="0"/>
               <a:pPr/>
-              <a:t>20/01/16</a:t>
+              <a:t>1/20/2016</a:t>
             </a:fld>
             <a:endParaRPr lang="en-US" dirty="0"/>
           </a:p>
@@ -837,7 +849,7 @@
           <a:p>
             <a:fld id="{6D22F896-40B5-4ADD-8801-0D06FADFA095}" type="slidenum">
               <a:rPr lang="en-US" dirty="0"/>
-              <a:t>‹#›</a:t>
+              <a:t>‹nr.›</a:t>
             </a:fld>
             <a:endParaRPr lang="en-US" dirty="0"/>
           </a:p>
@@ -1091,7 +1103,7 @@
             <a:fld id="{48A87A34-81AB-432B-8DAE-1953F412C126}" type="datetimeFigureOut">
               <a:rPr lang="en-US" dirty="0"/>
               <a:pPr/>
-              <a:t>20/01/16</a:t>
+              <a:t>1/20/2016</a:t>
             </a:fld>
             <a:endParaRPr lang="en-US" dirty="0"/>
           </a:p>
@@ -1143,7 +1155,7 @@
           <a:p>
             <a:fld id="{6D22F896-40B5-4ADD-8801-0D06FADFA095}" type="slidenum">
               <a:rPr lang="en-US" dirty="0"/>
-              <a:t>‹#›</a:t>
+              <a:t>‹nr.›</a:t>
             </a:fld>
             <a:endParaRPr lang="en-US" dirty="0"/>
           </a:p>
@@ -1560,7 +1572,7 @@
             <a:fld id="{48A87A34-81AB-432B-8DAE-1953F412C126}" type="datetimeFigureOut">
               <a:rPr lang="en-US" dirty="0"/>
               <a:pPr/>
-              <a:t>20/01/16</a:t>
+              <a:t>1/20/2016</a:t>
             </a:fld>
             <a:endParaRPr lang="en-US" dirty="0"/>
           </a:p>
@@ -1612,7 +1624,7 @@
           <a:p>
             <a:fld id="{6D22F896-40B5-4ADD-8801-0D06FADFA095}" type="slidenum">
               <a:rPr lang="en-US" dirty="0"/>
-              <a:t>‹#›</a:t>
+              <a:t>‹nr.›</a:t>
             </a:fld>
             <a:endParaRPr lang="en-US" dirty="0"/>
           </a:p>
@@ -2102,7 +2114,7 @@
           <a:p>
             <a:fld id="{48A87A34-81AB-432B-8DAE-1953F412C126}" type="datetimeFigureOut">
               <a:rPr lang="en-US" dirty="0"/>
-              <a:t>20/01/16</a:t>
+              <a:t>1/20/2016</a:t>
             </a:fld>
             <a:endParaRPr lang="en-US" dirty="0"/>
           </a:p>
@@ -2144,7 +2156,7 @@
           <a:p>
             <a:fld id="{6D22F896-40B5-4ADD-8801-0D06FADFA095}" type="slidenum">
               <a:rPr lang="en-US" dirty="0"/>
-              <a:t>‹#›</a:t>
+              <a:t>‹nr.›</a:t>
             </a:fld>
             <a:endParaRPr lang="en-US" dirty="0"/>
           </a:p>
@@ -2871,7 +2883,7 @@
           <a:p>
             <a:fld id="{48A87A34-81AB-432B-8DAE-1953F412C126}" type="datetimeFigureOut">
               <a:rPr lang="en-US" dirty="0"/>
-              <a:t>20/01/16</a:t>
+              <a:t>1/20/2016</a:t>
             </a:fld>
             <a:endParaRPr lang="en-US" dirty="0"/>
           </a:p>
@@ -2913,7 +2925,7 @@
           <a:p>
             <a:fld id="{6D22F896-40B5-4ADD-8801-0D06FADFA095}" type="slidenum">
               <a:rPr lang="en-US" dirty="0"/>
-              <a:t>‹#›</a:t>
+              <a:t>‹nr.›</a:t>
             </a:fld>
             <a:endParaRPr lang="en-US" dirty="0"/>
           </a:p>
@@ -3041,7 +3053,7 @@
           <a:p>
             <a:fld id="{48A87A34-81AB-432B-8DAE-1953F412C126}" type="datetimeFigureOut">
               <a:rPr lang="en-US" dirty="0"/>
-              <a:t>20/01/16</a:t>
+              <a:t>1/20/2016</a:t>
             </a:fld>
             <a:endParaRPr lang="en-US" dirty="0"/>
           </a:p>
@@ -3083,7 +3095,7 @@
           <a:p>
             <a:fld id="{6D22F896-40B5-4ADD-8801-0D06FADFA095}" type="slidenum">
               <a:rPr lang="en-US" dirty="0"/>
-              <a:t>‹#›</a:t>
+              <a:t>‹nr.›</a:t>
             </a:fld>
             <a:endParaRPr lang="en-US" dirty="0"/>
           </a:p>
@@ -3260,7 +3272,7 @@
             <a:fld id="{48A87A34-81AB-432B-8DAE-1953F412C126}" type="datetimeFigureOut">
               <a:rPr lang="en-US" dirty="0"/>
               <a:pPr/>
-              <a:t>20/01/16</a:t>
+              <a:t>1/20/2016</a:t>
             </a:fld>
             <a:endParaRPr lang="en-US" dirty="0"/>
           </a:p>
@@ -3312,7 +3324,7 @@
           <a:p>
             <a:fld id="{6D22F896-40B5-4ADD-8801-0D06FADFA095}" type="slidenum">
               <a:rPr lang="en-US" dirty="0"/>
-              <a:t>‹#›</a:t>
+              <a:t>‹nr.›</a:t>
             </a:fld>
             <a:endParaRPr lang="en-US" dirty="0"/>
           </a:p>
@@ -3435,7 +3447,7 @@
           <a:p>
             <a:fld id="{48A87A34-81AB-432B-8DAE-1953F412C126}" type="datetimeFigureOut">
               <a:rPr lang="en-US" dirty="0"/>
-              <a:t>20/01/16</a:t>
+              <a:t>1/20/2016</a:t>
             </a:fld>
             <a:endParaRPr lang="en-US" dirty="0"/>
           </a:p>
@@ -3477,7 +3489,7 @@
           <a:p>
             <a:fld id="{6D22F896-40B5-4ADD-8801-0D06FADFA095}" type="slidenum">
               <a:rPr lang="en-US" dirty="0"/>
-              <a:t>‹#›</a:t>
+              <a:t>‹nr.›</a:t>
             </a:fld>
             <a:endParaRPr lang="en-US" dirty="0"/>
           </a:p>
@@ -3720,7 +3732,7 @@
             <a:fld id="{48A87A34-81AB-432B-8DAE-1953F412C126}" type="datetimeFigureOut">
               <a:rPr lang="en-US" dirty="0"/>
               <a:pPr/>
-              <a:t>20/01/16</a:t>
+              <a:t>1/20/2016</a:t>
             </a:fld>
             <a:endParaRPr lang="en-US" dirty="0"/>
           </a:p>
@@ -3772,7 +3784,7 @@
           <a:p>
             <a:fld id="{6D22F896-40B5-4ADD-8801-0D06FADFA095}" type="slidenum">
               <a:rPr lang="en-US" dirty="0"/>
-              <a:t>‹#›</a:t>
+              <a:t>‹nr.›</a:t>
             </a:fld>
             <a:endParaRPr lang="en-US" dirty="0"/>
           </a:p>
@@ -3957,7 +3969,7 @@
           <a:p>
             <a:fld id="{48A87A34-81AB-432B-8DAE-1953F412C126}" type="datetimeFigureOut">
               <a:rPr lang="en-US" dirty="0"/>
-              <a:t>20/01/16</a:t>
+              <a:t>1/20/2016</a:t>
             </a:fld>
             <a:endParaRPr lang="en-US" dirty="0"/>
           </a:p>
@@ -3999,7 +4011,7 @@
           <a:p>
             <a:fld id="{6D22F896-40B5-4ADD-8801-0D06FADFA095}" type="slidenum">
               <a:rPr lang="en-US" dirty="0"/>
-              <a:t>‹#›</a:t>
+              <a:t>‹nr.›</a:t>
             </a:fld>
             <a:endParaRPr lang="en-US" dirty="0"/>
           </a:p>
@@ -4331,7 +4343,7 @@
           <a:p>
             <a:fld id="{48A87A34-81AB-432B-8DAE-1953F412C126}" type="datetimeFigureOut">
               <a:rPr lang="en-US" dirty="0"/>
-              <a:t>20/01/16</a:t>
+              <a:t>1/20/2016</a:t>
             </a:fld>
             <a:endParaRPr lang="en-US" dirty="0"/>
           </a:p>
@@ -4373,7 +4385,7 @@
           <a:p>
             <a:fld id="{6D22F896-40B5-4ADD-8801-0D06FADFA095}" type="slidenum">
               <a:rPr lang="en-US" dirty="0"/>
-              <a:t>‹#›</a:t>
+              <a:t>‹nr.›</a:t>
             </a:fld>
             <a:endParaRPr lang="en-US" dirty="0"/>
           </a:p>
@@ -4444,7 +4456,7 @@
           <a:p>
             <a:fld id="{48A87A34-81AB-432B-8DAE-1953F412C126}" type="datetimeFigureOut">
               <a:rPr lang="en-US" dirty="0"/>
-              <a:t>20/01/16</a:t>
+              <a:t>1/20/2016</a:t>
             </a:fld>
             <a:endParaRPr lang="en-US" dirty="0"/>
           </a:p>
@@ -4486,7 +4498,7 @@
           <a:p>
             <a:fld id="{6D22F896-40B5-4ADD-8801-0D06FADFA095}" type="slidenum">
               <a:rPr lang="en-US" dirty="0"/>
-              <a:t>‹#›</a:t>
+              <a:t>‹nr.›</a:t>
             </a:fld>
             <a:endParaRPr lang="en-US" dirty="0"/>
           </a:p>
@@ -4534,7 +4546,7 @@
           <a:p>
             <a:fld id="{48A87A34-81AB-432B-8DAE-1953F412C126}" type="datetimeFigureOut">
               <a:rPr lang="en-US" dirty="0"/>
-              <a:t>20/01/16</a:t>
+              <a:t>1/20/2016</a:t>
             </a:fld>
             <a:endParaRPr lang="en-US" dirty="0"/>
           </a:p>
@@ -4576,7 +4588,7 @@
           <a:p>
             <a:fld id="{6D22F896-40B5-4ADD-8801-0D06FADFA095}" type="slidenum">
               <a:rPr lang="en-US" dirty="0"/>
-              <a:t>‹#›</a:t>
+              <a:t>‹nr.›</a:t>
             </a:fld>
             <a:endParaRPr lang="en-US" dirty="0"/>
           </a:p>
@@ -4778,7 +4790,7 @@
           <a:p>
             <a:fld id="{48A87A34-81AB-432B-8DAE-1953F412C126}" type="datetimeFigureOut">
               <a:rPr lang="en-US" dirty="0"/>
-              <a:t>20/01/16</a:t>
+              <a:t>1/20/2016</a:t>
             </a:fld>
             <a:endParaRPr lang="en-US" dirty="0"/>
           </a:p>
@@ -4820,7 +4832,7 @@
           <a:p>
             <a:fld id="{6D22F896-40B5-4ADD-8801-0D06FADFA095}" type="slidenum">
               <a:rPr lang="en-US" dirty="0"/>
-              <a:t>‹#›</a:t>
+              <a:t>‹nr.›</a:t>
             </a:fld>
             <a:endParaRPr lang="en-US" dirty="0"/>
           </a:p>
@@ -5030,7 +5042,7 @@
           <a:p>
             <a:fld id="{48A87A34-81AB-432B-8DAE-1953F412C126}" type="datetimeFigureOut">
               <a:rPr lang="en-US" dirty="0"/>
-              <a:t>20/01/16</a:t>
+              <a:t>1/20/2016</a:t>
             </a:fld>
             <a:endParaRPr lang="en-US" dirty="0"/>
           </a:p>
@@ -5072,7 +5084,7 @@
           <a:p>
             <a:fld id="{6D22F896-40B5-4ADD-8801-0D06FADFA095}" type="slidenum">
               <a:rPr lang="en-US" dirty="0"/>
-              <a:t>‹#›</a:t>
+              <a:t>‹nr.›</a:t>
             </a:fld>
             <a:endParaRPr lang="en-US" dirty="0"/>
           </a:p>
@@ -5269,7 +5281,7 @@
             <a:fld id="{48A87A34-81AB-432B-8DAE-1953F412C126}" type="datetimeFigureOut">
               <a:rPr lang="en-US" dirty="0"/>
               <a:pPr/>
-              <a:t>20/01/16</a:t>
+              <a:t>1/20/2016</a:t>
             </a:fld>
             <a:endParaRPr lang="en-US" dirty="0"/>
           </a:p>
@@ -5348,7 +5360,7 @@
             <a:fld id="{6D22F896-40B5-4ADD-8801-0D06FADFA095}" type="slidenum">
               <a:rPr lang="en-US" dirty="0"/>
               <a:pPr/>
-              <a:t>‹#›</a:t>
+              <a:t>‹nr.›</a:t>
             </a:fld>
             <a:endParaRPr lang="en-US" dirty="0"/>
           </a:p>
@@ -5775,7 +5787,7 @@
           <a:p>
             <a:r>
               <a:rPr lang="da-DK" dirty="0" smtClean="0"/>
-              <a:t>Sekvensdiagram og applikations model</a:t>
+              <a:t>Softwareudvikling</a:t>
             </a:r>
             <a:endParaRPr lang="da-DK" dirty="0"/>
           </a:p>
@@ -5799,30 +5811,8 @@
         </p:blipFill>
         <p:spPr>
           <a:xfrm>
-            <a:off x="504824" y="2057401"/>
-            <a:ext cx="5550287" cy="4098072"/>
-          </a:xfrm>
-          <a:prstGeom prst="rect">
-            <a:avLst/>
-          </a:prstGeom>
-        </p:spPr>
-      </p:pic>
-      <p:pic>
-        <p:nvPicPr>
-          <p:cNvPr id="5" name="Billede 4"/>
-          <p:cNvPicPr/>
-          <p:nvPr/>
-        </p:nvPicPr>
-        <p:blipFill>
-          <a:blip r:embed="rId3"/>
-          <a:stretch>
-            <a:fillRect/>
-          </a:stretch>
-        </p:blipFill>
-        <p:spPr>
-          <a:xfrm>
-            <a:off x="5966599" y="3156577"/>
-            <a:ext cx="6120130" cy="1637665"/>
+            <a:off x="1719959" y="1806943"/>
+            <a:ext cx="8896002" cy="4839184"/>
           </a:xfrm>
           <a:prstGeom prst="rect">
             <a:avLst/>
@@ -5832,7 +5822,7 @@
     </p:spTree>
     <p:extLst>
       <p:ext uri="{BB962C8B-B14F-4D97-AF65-F5344CB8AC3E}">
-        <p14:creationId xmlns:p14="http://schemas.microsoft.com/office/powerpoint/2010/main" val="3255700359"/>
+        <p14:creationId xmlns:p14="http://schemas.microsoft.com/office/powerpoint/2010/main" val="3894341658"/>
       </p:ext>
     </p:extLst>
   </p:cSld>
@@ -5876,7 +5866,7 @@
           <a:p>
             <a:r>
               <a:rPr lang="da-DK" dirty="0" smtClean="0"/>
-              <a:t>Klassediagram</a:t>
+              <a:t>Sekvensdiagram og applikations model</a:t>
             </a:r>
             <a:endParaRPr lang="da-DK" dirty="0"/>
           </a:p>
@@ -5900,8 +5890,30 @@
         </p:blipFill>
         <p:spPr>
           <a:xfrm>
-            <a:off x="2081676" y="1725748"/>
-            <a:ext cx="7954422" cy="4931530"/>
+            <a:off x="504824" y="2057401"/>
+            <a:ext cx="5550287" cy="4098072"/>
+          </a:xfrm>
+          <a:prstGeom prst="rect">
+            <a:avLst/>
+          </a:prstGeom>
+        </p:spPr>
+      </p:pic>
+      <p:pic>
+        <p:nvPicPr>
+          <p:cNvPr id="5" name="Billede 4"/>
+          <p:cNvPicPr/>
+          <p:nvPr/>
+        </p:nvPicPr>
+        <p:blipFill>
+          <a:blip r:embed="rId3"/>
+          <a:stretch>
+            <a:fillRect/>
+          </a:stretch>
+        </p:blipFill>
+        <p:spPr>
+          <a:xfrm>
+            <a:off x="5966599" y="3156577"/>
+            <a:ext cx="6120130" cy="1637665"/>
           </a:xfrm>
           <a:prstGeom prst="rect">
             <a:avLst/>
@@ -5911,7 +5923,7 @@
     </p:spTree>
     <p:extLst>
       <p:ext uri="{BB962C8B-B14F-4D97-AF65-F5344CB8AC3E}">
-        <p14:creationId xmlns:p14="http://schemas.microsoft.com/office/powerpoint/2010/main" val="924065255"/>
+        <p14:creationId xmlns:p14="http://schemas.microsoft.com/office/powerpoint/2010/main" val="3255700359"/>
       </p:ext>
     </p:extLst>
   </p:cSld>
@@ -5955,57 +5967,42 @@
           <a:p>
             <a:r>
               <a:rPr lang="da-DK" dirty="0" smtClean="0"/>
-              <a:t>Softwareimplementering</a:t>
+              <a:t>Klassediagram</a:t>
             </a:r>
             <a:endParaRPr lang="da-DK" dirty="0"/>
           </a:p>
         </p:txBody>
       </p:sp>
-      <p:sp>
-        <p:nvSpPr>
-          <p:cNvPr id="3" name="Pladsholder til indhold 2"/>
-          <p:cNvSpPr>
-            <a:spLocks noGrp="1"/>
-          </p:cNvSpPr>
+      <p:pic>
+        <p:nvPicPr>
+          <p:cNvPr id="4" name="Pladsholder til indhold 3"/>
+          <p:cNvPicPr>
+            <a:picLocks noGrp="1"/>
+          </p:cNvPicPr>
           <p:nvPr>
             <p:ph idx="1"/>
           </p:nvPr>
-        </p:nvSpPr>
-        <p:spPr/>
-        <p:txBody>
-          <a:bodyPr/>
-          <a:lstStyle/>
-          <a:p>
-            <a:r>
-              <a:rPr lang="da-DK" dirty="0" smtClean="0"/>
-              <a:t>Observer mønstre</a:t>
-            </a:r>
-          </a:p>
-          <a:p>
-            <a:r>
-              <a:rPr lang="da-DK" dirty="0" smtClean="0"/>
-              <a:t>Tråde </a:t>
-            </a:r>
-          </a:p>
-          <a:p>
-            <a:endParaRPr lang="da-DK" dirty="0" smtClean="0"/>
-          </a:p>
-          <a:p>
-            <a:endParaRPr lang="da-DK" dirty="0"/>
-          </a:p>
-          <a:p>
-            <a:r>
-              <a:rPr lang="da-DK" dirty="0" smtClean="0"/>
-              <a:t>Jeppe – 3 minutter</a:t>
-            </a:r>
-            <a:endParaRPr lang="da-DK" dirty="0"/>
-          </a:p>
-        </p:txBody>
-      </p:sp>
+        </p:nvPicPr>
+        <p:blipFill>
+          <a:blip r:embed="rId2"/>
+          <a:stretch>
+            <a:fillRect/>
+          </a:stretch>
+        </p:blipFill>
+        <p:spPr>
+          <a:xfrm>
+            <a:off x="2081676" y="1725748"/>
+            <a:ext cx="7954422" cy="4931530"/>
+          </a:xfrm>
+          <a:prstGeom prst="rect">
+            <a:avLst/>
+          </a:prstGeom>
+        </p:spPr>
+      </p:pic>
     </p:spTree>
     <p:extLst>
       <p:ext uri="{BB962C8B-B14F-4D97-AF65-F5344CB8AC3E}">
-        <p14:creationId xmlns:p14="http://schemas.microsoft.com/office/powerpoint/2010/main" val="242933708"/>
+        <p14:creationId xmlns:p14="http://schemas.microsoft.com/office/powerpoint/2010/main" val="924065255"/>
       </p:ext>
     </p:extLst>
   </p:cSld>
@@ -6049,7 +6046,7 @@
           <a:p>
             <a:r>
               <a:rPr lang="da-DK" dirty="0" smtClean="0"/>
-              <a:t>Test</a:t>
+              <a:t>Softwareimplementering</a:t>
             </a:r>
             <a:endParaRPr lang="da-DK" dirty="0"/>
           </a:p>
@@ -6072,45 +6069,34 @@
           <a:p>
             <a:r>
               <a:rPr lang="da-DK" dirty="0" smtClean="0"/>
-              <a:t>Software test – Mads - ½ minut</a:t>
-            </a:r>
+              <a:t>Observer mønstre</a:t>
+            </a:r>
+          </a:p>
+          <a:p>
+            <a:r>
+              <a:rPr lang="da-DK" dirty="0" smtClean="0"/>
+              <a:t>Tråde </a:t>
+            </a:r>
+          </a:p>
+          <a:p>
+            <a:endParaRPr lang="da-DK" dirty="0" smtClean="0"/>
           </a:p>
           <a:p>
             <a:endParaRPr lang="da-DK" dirty="0"/>
           </a:p>
           <a:p>
-            <a:pPr marL="0" indent="0">
-              <a:buNone/>
-            </a:pPr>
             <a:r>
               <a:rPr lang="da-DK" dirty="0" smtClean="0"/>
-              <a:t> </a:t>
-            </a:r>
-          </a:p>
-          <a:p>
-            <a:r>
-              <a:rPr lang="da-DK" dirty="0" smtClean="0"/>
-              <a:t>Hardware test – Nicoline 1½ minut</a:t>
-            </a:r>
-          </a:p>
-          <a:p>
+              <a:t>Jeppe – 3 minutter</a:t>
+            </a:r>
             <a:endParaRPr lang="da-DK" dirty="0"/>
-          </a:p>
-          <a:p>
-            <a:endParaRPr lang="da-DK" dirty="0" smtClean="0"/>
-          </a:p>
-          <a:p>
-            <a:r>
-              <a:rPr lang="da-DK" dirty="0" smtClean="0"/>
-              <a:t>Samlet test – Nicoline – 1 minut</a:t>
-            </a:r>
           </a:p>
         </p:txBody>
       </p:sp>
     </p:spTree>
     <p:extLst>
       <p:ext uri="{BB962C8B-B14F-4D97-AF65-F5344CB8AC3E}">
-        <p14:creationId xmlns:p14="http://schemas.microsoft.com/office/powerpoint/2010/main" val="2467907742"/>
+        <p14:creationId xmlns:p14="http://schemas.microsoft.com/office/powerpoint/2010/main" val="242933708"/>
       </p:ext>
     </p:extLst>
   </p:cSld>
@@ -6147,6 +6133,111 @@
             <p:ph type="title"/>
           </p:nvPr>
         </p:nvSpPr>
+        <p:spPr/>
+        <p:txBody>
+          <a:bodyPr/>
+          <a:lstStyle/>
+          <a:p>
+            <a:r>
+              <a:rPr lang="da-DK" dirty="0" smtClean="0"/>
+              <a:t>Test</a:t>
+            </a:r>
+            <a:endParaRPr lang="da-DK" dirty="0"/>
+          </a:p>
+        </p:txBody>
+      </p:sp>
+      <p:sp>
+        <p:nvSpPr>
+          <p:cNvPr id="3" name="Pladsholder til indhold 2"/>
+          <p:cNvSpPr>
+            <a:spLocks noGrp="1"/>
+          </p:cNvSpPr>
+          <p:nvPr>
+            <p:ph idx="1"/>
+          </p:nvPr>
+        </p:nvSpPr>
+        <p:spPr/>
+        <p:txBody>
+          <a:bodyPr/>
+          <a:lstStyle/>
+          <a:p>
+            <a:r>
+              <a:rPr lang="da-DK" dirty="0" smtClean="0"/>
+              <a:t>Software test – Mads - ½ minut</a:t>
+            </a:r>
+          </a:p>
+          <a:p>
+            <a:endParaRPr lang="da-DK" dirty="0"/>
+          </a:p>
+          <a:p>
+            <a:pPr marL="0" indent="0">
+              <a:buNone/>
+            </a:pPr>
+            <a:r>
+              <a:rPr lang="da-DK" dirty="0" smtClean="0"/>
+              <a:t> </a:t>
+            </a:r>
+          </a:p>
+          <a:p>
+            <a:r>
+              <a:rPr lang="da-DK" dirty="0" smtClean="0"/>
+              <a:t>Hardware test – Nicoline 1½ minut</a:t>
+            </a:r>
+          </a:p>
+          <a:p>
+            <a:endParaRPr lang="da-DK" dirty="0"/>
+          </a:p>
+          <a:p>
+            <a:endParaRPr lang="da-DK" dirty="0" smtClean="0"/>
+          </a:p>
+          <a:p>
+            <a:r>
+              <a:rPr lang="da-DK" dirty="0" smtClean="0"/>
+              <a:t>Samlet test – Nicoline – 1 minut</a:t>
+            </a:r>
+          </a:p>
+        </p:txBody>
+      </p:sp>
+    </p:spTree>
+    <p:extLst>
+      <p:ext uri="{BB962C8B-B14F-4D97-AF65-F5344CB8AC3E}">
+        <p14:creationId xmlns:p14="http://schemas.microsoft.com/office/powerpoint/2010/main" val="2467907742"/>
+      </p:ext>
+    </p:extLst>
+  </p:cSld>
+  <p:clrMapOvr>
+    <a:masterClrMapping/>
+  </p:clrMapOvr>
+</p:sld>
+</file>
+
+<file path=ppt/slides/slide15.xml><?xml version="1.0" encoding="utf-8"?>
+<p:sld xmlns:a="http://schemas.openxmlformats.org/drawingml/2006/main" xmlns:r="http://schemas.openxmlformats.org/officeDocument/2006/relationships" xmlns:p="http://schemas.openxmlformats.org/presentationml/2006/main">
+  <p:cSld>
+    <p:spTree>
+      <p:nvGrpSpPr>
+        <p:cNvPr id="1" name=""/>
+        <p:cNvGrpSpPr/>
+        <p:nvPr/>
+      </p:nvGrpSpPr>
+      <p:grpSpPr>
+        <a:xfrm>
+          <a:off x="0" y="0"/>
+          <a:ext cx="0" cy="0"/>
+          <a:chOff x="0" y="0"/>
+          <a:chExt cx="0" cy="0"/>
+        </a:xfrm>
+      </p:grpSpPr>
+      <p:sp>
+        <p:nvSpPr>
+          <p:cNvPr id="2" name="Titel 1"/>
+          <p:cNvSpPr>
+            <a:spLocks noGrp="1"/>
+          </p:cNvSpPr>
+          <p:nvPr>
+            <p:ph type="title"/>
+          </p:nvPr>
+        </p:nvSpPr>
         <p:spPr>
           <a:xfrm>
             <a:off x="1700011" y="764373"/>
@@ -6243,7 +6334,7 @@
 </p:sld>
 </file>
 
-<file path=ppt/slides/slide15.xml><?xml version="1.0" encoding="utf-8"?>
+<file path=ppt/slides/slide16.xml><?xml version="1.0" encoding="utf-8"?>
 <p:sld xmlns:a="http://schemas.openxmlformats.org/drawingml/2006/main" xmlns:r="http://schemas.openxmlformats.org/officeDocument/2006/relationships" xmlns:p="http://schemas.openxmlformats.org/presentationml/2006/main">
   <p:cSld>
     <p:spTree>
@@ -6746,70 +6837,80 @@
         </p:nvSpPr>
         <p:spPr/>
         <p:txBody>
-          <a:bodyPr>
-            <a:normAutofit lnSpcReduction="10000"/>
-          </a:bodyPr>
-          <a:lstStyle/>
+          <a:bodyPr/>
+          <a:lstStyle/>
+          <a:p>
+            <a:r>
+              <a:rPr lang="da-DK" dirty="0" smtClean="0"/>
+              <a:t>Operationsforstærker kontra </a:t>
+            </a:r>
+            <a:r>
+              <a:rPr lang="da-DK" dirty="0" err="1" smtClean="0"/>
+              <a:t>instrimentationsforstærker</a:t>
+            </a:r>
+            <a:r>
+              <a:rPr lang="da-DK" dirty="0" smtClean="0"/>
+              <a:t>.</a:t>
+            </a:r>
+          </a:p>
+          <a:p>
+            <a:pPr lvl="1"/>
+            <a:r>
+              <a:rPr lang="da-DK" dirty="0"/>
+              <a:t>Indgangsimpedans</a:t>
+            </a:r>
+          </a:p>
+          <a:p>
+            <a:pPr lvl="1"/>
+            <a:r>
+              <a:rPr lang="da-DK" dirty="0"/>
+              <a:t>Common mode </a:t>
+            </a:r>
+            <a:r>
+              <a:rPr lang="da-DK" dirty="0" err="1" smtClean="0"/>
+              <a:t>rejection</a:t>
+            </a:r>
+            <a:endParaRPr lang="da-DK" dirty="0"/>
+          </a:p>
           <a:p>
             <a:endParaRPr lang="da-DK" dirty="0" smtClean="0"/>
           </a:p>
           <a:p>
+            <a:r>
+              <a:rPr lang="da-DK" dirty="0" smtClean="0"/>
+              <a:t>Dynamikområde</a:t>
+            </a:r>
+          </a:p>
+          <a:p>
             <a:endParaRPr lang="da-DK" dirty="0"/>
           </a:p>
           <a:p>
             <a:r>
+              <a:rPr lang="da-DK" dirty="0" err="1" smtClean="0"/>
+              <a:t>Analogdiscovery</a:t>
+            </a:r>
+            <a:r>
               <a:rPr lang="da-DK" dirty="0" smtClean="0"/>
-              <a:t>En forstærker og et filter</a:t>
-            </a:r>
-          </a:p>
-          <a:p>
+              <a:t> frem for batteri</a:t>
+            </a:r>
+          </a:p>
+          <a:p>
+            <a:pPr lvl="1"/>
             <a:r>
               <a:rPr lang="da-DK" dirty="0" smtClean="0"/>
-              <a:t>Teoretisk udvikling før fysisk. </a:t>
-            </a:r>
-          </a:p>
-          <a:p>
-            <a:r>
-              <a:rPr lang="da-DK" dirty="0" smtClean="0"/>
-              <a:t>Små spændinger – og de problemer de medfører!</a:t>
-            </a:r>
-          </a:p>
-          <a:p>
-            <a:r>
-              <a:rPr lang="da-DK" dirty="0" smtClean="0"/>
-              <a:t>Analog </a:t>
-            </a:r>
-            <a:r>
-              <a:rPr lang="da-DK" dirty="0" err="1" smtClean="0"/>
-              <a:t>Discovery</a:t>
-            </a:r>
-            <a:r>
-              <a:rPr lang="da-DK" dirty="0" smtClean="0"/>
-              <a:t> – Det lille bæst</a:t>
-            </a:r>
+              <a:t>Stabilitet </a:t>
+            </a:r>
+          </a:p>
+          <a:p>
+            <a:endParaRPr lang="da-DK" dirty="0"/>
           </a:p>
           <a:p>
             <a:endParaRPr lang="da-DK" dirty="0" smtClean="0"/>
           </a:p>
           <a:p>
-            <a:endParaRPr lang="da-DK" dirty="0" smtClean="0"/>
-          </a:p>
-          <a:p>
             <a:endParaRPr lang="da-DK" dirty="0"/>
           </a:p>
           <a:p>
-            <a:r>
-              <a:rPr lang="da-DK" dirty="0" smtClean="0"/>
-              <a:t>Sara</a:t>
-            </a:r>
-            <a:r>
-              <a:rPr lang="da-DK" dirty="0"/>
-              <a:t> </a:t>
-            </a:r>
-            <a:r>
-              <a:rPr lang="da-DK" dirty="0" smtClean="0"/>
-              <a:t>– 3 minutter</a:t>
-            </a:r>
             <a:endParaRPr lang="da-DK" dirty="0"/>
           </a:p>
         </p:txBody>
@@ -6817,7 +6918,7 @@
     </p:spTree>
     <p:extLst>
       <p:ext uri="{BB962C8B-B14F-4D97-AF65-F5344CB8AC3E}">
-        <p14:creationId xmlns:p14="http://schemas.microsoft.com/office/powerpoint/2010/main" val="638884148"/>
+        <p14:creationId xmlns:p14="http://schemas.microsoft.com/office/powerpoint/2010/main" val="207758745"/>
       </p:ext>
     </p:extLst>
   </p:cSld>
@@ -6877,91 +6978,306 @@
             <p:ph idx="1"/>
           </p:nvPr>
         </p:nvSpPr>
-        <p:spPr/>
-        <p:txBody>
-          <a:bodyPr/>
+        <p:spPr>
+          <a:xfrm>
+            <a:off x="685800" y="2194560"/>
+            <a:ext cx="4983480" cy="4024125"/>
+          </a:xfrm>
+        </p:spPr>
+        <p:txBody>
+          <a:bodyPr>
+            <a:normAutofit/>
+          </a:bodyPr>
           <a:lstStyle/>
           <a:p>
             <a:r>
               <a:rPr lang="da-DK" dirty="0" smtClean="0"/>
-              <a:t>Operationsforstærker kontra </a:t>
-            </a:r>
-            <a:r>
-              <a:rPr lang="da-DK" dirty="0" err="1" smtClean="0"/>
-              <a:t>instrimentationsforstærker</a:t>
-            </a:r>
+              <a:t>Forstærker</a:t>
+            </a:r>
+          </a:p>
+          <a:p>
+            <a:endParaRPr lang="da-DK" dirty="0"/>
+          </a:p>
+          <a:p>
+            <a:endParaRPr lang="da-DK" dirty="0" smtClean="0"/>
+          </a:p>
+          <a:p>
+            <a:endParaRPr lang="da-DK" dirty="0" smtClean="0"/>
+          </a:p>
+          <a:p>
+            <a:pPr marL="0" indent="0">
+              <a:buNone/>
+            </a:pPr>
+            <a:endParaRPr lang="da-DK" dirty="0"/>
+          </a:p>
+        </p:txBody>
+      </p:sp>
+      <p:pic>
+        <p:nvPicPr>
+          <p:cNvPr id="4" name="Billede 3"/>
+          <p:cNvPicPr>
+            <a:picLocks noChangeAspect="1"/>
+          </p:cNvPicPr>
+          <p:nvPr/>
+        </p:nvPicPr>
+        <p:blipFill>
+          <a:blip r:embed="rId2"/>
+          <a:stretch>
+            <a:fillRect/>
+          </a:stretch>
+        </p:blipFill>
+        <p:spPr>
+          <a:xfrm>
+            <a:off x="5911215" y="2050544"/>
+            <a:ext cx="4970145" cy="2407156"/>
+          </a:xfrm>
+          <a:prstGeom prst="rect">
+            <a:avLst/>
+          </a:prstGeom>
+        </p:spPr>
+      </p:pic>
+      <p:sp>
+        <p:nvSpPr>
+          <p:cNvPr id="5" name="Pladsholder til indhold 2"/>
+          <p:cNvSpPr txBox="1">
+            <a:spLocks/>
+          </p:cNvSpPr>
+          <p:nvPr/>
+        </p:nvSpPr>
+        <p:spPr>
+          <a:xfrm>
+            <a:off x="6149340" y="2194561"/>
+            <a:ext cx="5692140" cy="4024124"/>
+          </a:xfrm>
+          <a:prstGeom prst="rect">
+            <a:avLst/>
+          </a:prstGeom>
+        </p:spPr>
+        <p:txBody>
+          <a:bodyPr vert="horz" lIns="91440" tIns="45720" rIns="91440" bIns="45720" rtlCol="0">
+            <a:normAutofit/>
+          </a:bodyPr>
+          <a:lstStyle>
+            <a:lvl1pPr marL="228600" indent="-228600" algn="l" defTabSz="914400" rtl="0" eaLnBrk="1" latinLnBrk="0" hangingPunct="1">
+              <a:lnSpc>
+                <a:spcPct val="90000"/>
+              </a:lnSpc>
+              <a:spcBef>
+                <a:spcPts val="1000"/>
+              </a:spcBef>
+              <a:buFont typeface="Arial" panose="020B0604020202020204" pitchFamily="34" charset="0"/>
+              <a:buChar char="•"/>
+              <a:defRPr sz="2200" kern="1200">
+                <a:solidFill>
+                  <a:schemeClr val="tx1"/>
+                </a:solidFill>
+                <a:latin typeface="+mn-lt"/>
+                <a:ea typeface="+mn-ea"/>
+                <a:cs typeface="+mn-cs"/>
+              </a:defRPr>
+            </a:lvl1pPr>
+            <a:lvl2pPr marL="685800" indent="-228600" algn="l" defTabSz="914400" rtl="0" eaLnBrk="1" latinLnBrk="0" hangingPunct="1">
+              <a:lnSpc>
+                <a:spcPct val="90000"/>
+              </a:lnSpc>
+              <a:spcBef>
+                <a:spcPts val="500"/>
+              </a:spcBef>
+              <a:buFont typeface="Arial" panose="020B0604020202020204" pitchFamily="34" charset="0"/>
+              <a:buChar char="•"/>
+              <a:defRPr sz="2000" kern="1200">
+                <a:solidFill>
+                  <a:schemeClr val="tx1"/>
+                </a:solidFill>
+                <a:latin typeface="+mn-lt"/>
+                <a:ea typeface="+mn-ea"/>
+                <a:cs typeface="+mn-cs"/>
+              </a:defRPr>
+            </a:lvl2pPr>
+            <a:lvl3pPr marL="1143000" indent="-228600" algn="l" defTabSz="914400" rtl="0" eaLnBrk="1" latinLnBrk="0" hangingPunct="1">
+              <a:lnSpc>
+                <a:spcPct val="90000"/>
+              </a:lnSpc>
+              <a:spcBef>
+                <a:spcPts val="500"/>
+              </a:spcBef>
+              <a:buFont typeface="Arial" panose="020B0604020202020204" pitchFamily="34" charset="0"/>
+              <a:buChar char="•"/>
+              <a:defRPr sz="1800" kern="1200">
+                <a:solidFill>
+                  <a:schemeClr val="tx1"/>
+                </a:solidFill>
+                <a:latin typeface="+mn-lt"/>
+                <a:ea typeface="+mn-ea"/>
+                <a:cs typeface="+mn-cs"/>
+              </a:defRPr>
+            </a:lvl3pPr>
+            <a:lvl4pPr marL="1600200" indent="-228600" algn="l" defTabSz="914400" rtl="0" eaLnBrk="1" latinLnBrk="0" hangingPunct="1">
+              <a:lnSpc>
+                <a:spcPct val="90000"/>
+              </a:lnSpc>
+              <a:spcBef>
+                <a:spcPts val="500"/>
+              </a:spcBef>
+              <a:buFont typeface="Arial" panose="020B0604020202020204" pitchFamily="34" charset="0"/>
+              <a:buChar char="•"/>
+              <a:defRPr sz="1600" kern="1200">
+                <a:solidFill>
+                  <a:schemeClr val="tx1"/>
+                </a:solidFill>
+                <a:latin typeface="+mn-lt"/>
+                <a:ea typeface="+mn-ea"/>
+                <a:cs typeface="+mn-cs"/>
+              </a:defRPr>
+            </a:lvl4pPr>
+            <a:lvl5pPr marL="2057400" indent="-228600" algn="l" defTabSz="914400" rtl="0" eaLnBrk="1" latinLnBrk="0" hangingPunct="1">
+              <a:lnSpc>
+                <a:spcPct val="90000"/>
+              </a:lnSpc>
+              <a:spcBef>
+                <a:spcPts val="500"/>
+              </a:spcBef>
+              <a:buFont typeface="Arial" panose="020B0604020202020204" pitchFamily="34" charset="0"/>
+              <a:buChar char="•"/>
+              <a:defRPr sz="1600" kern="1200">
+                <a:solidFill>
+                  <a:schemeClr val="tx1"/>
+                </a:solidFill>
+                <a:latin typeface="+mn-lt"/>
+                <a:ea typeface="+mn-ea"/>
+                <a:cs typeface="+mn-cs"/>
+              </a:defRPr>
+            </a:lvl5pPr>
+            <a:lvl6pPr marL="2514600" indent="-228600" algn="l" defTabSz="914400" rtl="0" eaLnBrk="1" latinLnBrk="0" hangingPunct="1">
+              <a:lnSpc>
+                <a:spcPct val="90000"/>
+              </a:lnSpc>
+              <a:spcBef>
+                <a:spcPts val="500"/>
+              </a:spcBef>
+              <a:buFont typeface="Arial" panose="020B0604020202020204" pitchFamily="34" charset="0"/>
+              <a:buChar char="•"/>
+              <a:defRPr sz="1600" kern="1200">
+                <a:solidFill>
+                  <a:schemeClr val="tx1"/>
+                </a:solidFill>
+                <a:latin typeface="+mn-lt"/>
+                <a:ea typeface="+mn-ea"/>
+                <a:cs typeface="+mn-cs"/>
+              </a:defRPr>
+            </a:lvl6pPr>
+            <a:lvl7pPr marL="2971800" indent="-228600" algn="l" defTabSz="914400" rtl="0" eaLnBrk="1" latinLnBrk="0" hangingPunct="1">
+              <a:lnSpc>
+                <a:spcPct val="90000"/>
+              </a:lnSpc>
+              <a:spcBef>
+                <a:spcPts val="500"/>
+              </a:spcBef>
+              <a:buFont typeface="Arial" panose="020B0604020202020204" pitchFamily="34" charset="0"/>
+              <a:buChar char="•"/>
+              <a:defRPr sz="1600" kern="1200">
+                <a:solidFill>
+                  <a:schemeClr val="tx1"/>
+                </a:solidFill>
+                <a:latin typeface="+mn-lt"/>
+                <a:ea typeface="+mn-ea"/>
+                <a:cs typeface="+mn-cs"/>
+              </a:defRPr>
+            </a:lvl7pPr>
+            <a:lvl8pPr marL="3429000" indent="-228600" algn="l" defTabSz="914400" rtl="0" eaLnBrk="1" latinLnBrk="0" hangingPunct="1">
+              <a:lnSpc>
+                <a:spcPct val="90000"/>
+              </a:lnSpc>
+              <a:spcBef>
+                <a:spcPts val="500"/>
+              </a:spcBef>
+              <a:buFont typeface="Arial" panose="020B0604020202020204" pitchFamily="34" charset="0"/>
+              <a:buChar char="•"/>
+              <a:defRPr sz="1600" kern="1200">
+                <a:solidFill>
+                  <a:schemeClr val="tx1"/>
+                </a:solidFill>
+                <a:latin typeface="+mn-lt"/>
+                <a:ea typeface="+mn-ea"/>
+                <a:cs typeface="+mn-cs"/>
+              </a:defRPr>
+            </a:lvl8pPr>
+            <a:lvl9pPr marL="3886200" indent="-228600" algn="l" defTabSz="914400" rtl="0" eaLnBrk="1" latinLnBrk="0" hangingPunct="1">
+              <a:lnSpc>
+                <a:spcPct val="90000"/>
+              </a:lnSpc>
+              <a:spcBef>
+                <a:spcPts val="500"/>
+              </a:spcBef>
+              <a:buFont typeface="Arial" panose="020B0604020202020204" pitchFamily="34" charset="0"/>
+              <a:buChar char="•"/>
+              <a:defRPr sz="1600" kern="1200">
+                <a:solidFill>
+                  <a:schemeClr val="tx1"/>
+                </a:solidFill>
+                <a:latin typeface="+mn-lt"/>
+                <a:ea typeface="+mn-ea"/>
+                <a:cs typeface="+mn-cs"/>
+              </a:defRPr>
+            </a:lvl9pPr>
+          </a:lstStyle>
+          <a:p>
+            <a:pPr marL="0" indent="0">
+              <a:buNone/>
+            </a:pPr>
+            <a:endParaRPr lang="da-DK" dirty="0" smtClean="0"/>
+          </a:p>
+          <a:p>
+            <a:endParaRPr lang="da-DK" dirty="0" smtClean="0"/>
+          </a:p>
+          <a:p>
+            <a:endParaRPr lang="da-DK" dirty="0" smtClean="0"/>
+          </a:p>
+          <a:p>
+            <a:endParaRPr lang="da-DK" dirty="0" smtClean="0"/>
+          </a:p>
+          <a:p>
+            <a:endParaRPr lang="da-DK" dirty="0" smtClean="0"/>
+          </a:p>
+          <a:p>
+            <a:endParaRPr lang="da-DK" dirty="0" smtClean="0"/>
+          </a:p>
+          <a:p>
             <a:r>
               <a:rPr lang="da-DK" dirty="0" smtClean="0"/>
-              <a:t>.</a:t>
-            </a:r>
-          </a:p>
-          <a:p>
-            <a:pPr lvl="1"/>
-            <a:r>
-              <a:rPr lang="da-DK" dirty="0"/>
-              <a:t>Indgangsimpedans</a:t>
-            </a:r>
-          </a:p>
-          <a:p>
-            <a:pPr lvl="1"/>
-            <a:r>
-              <a:rPr lang="da-DK" dirty="0"/>
-              <a:t>Common mode </a:t>
-            </a:r>
-            <a:r>
-              <a:rPr lang="da-DK" dirty="0" err="1" smtClean="0"/>
-              <a:t>rejection</a:t>
-            </a:r>
-            <a:endParaRPr lang="da-DK" dirty="0"/>
-          </a:p>
-          <a:p>
-            <a:endParaRPr lang="da-DK" dirty="0" smtClean="0"/>
-          </a:p>
-          <a:p>
-            <a:r>
-              <a:rPr lang="da-DK" dirty="0" smtClean="0"/>
-              <a:t>Dynamikområde</a:t>
-            </a:r>
-          </a:p>
-          <a:p>
-            <a:endParaRPr lang="da-DK" dirty="0"/>
-          </a:p>
-          <a:p>
-            <a:r>
-              <a:rPr lang="da-DK" dirty="0" err="1" smtClean="0"/>
-              <a:t>Analogdiscovery</a:t>
-            </a:r>
-            <a:r>
-              <a:rPr lang="da-DK" dirty="0" smtClean="0"/>
-              <a:t> frem for batteri</a:t>
-            </a:r>
-          </a:p>
-          <a:p>
-            <a:pPr lvl="1"/>
-            <a:r>
-              <a:rPr lang="da-DK" smtClean="0"/>
-              <a:t>Stabilitet </a:t>
-            </a:r>
-            <a:endParaRPr lang="da-DK" dirty="0" smtClean="0"/>
-          </a:p>
-          <a:p>
-            <a:endParaRPr lang="da-DK" dirty="0"/>
-          </a:p>
-          <a:p>
-            <a:endParaRPr lang="da-DK" dirty="0" smtClean="0"/>
-          </a:p>
-          <a:p>
-            <a:endParaRPr lang="da-DK" dirty="0"/>
-          </a:p>
-          <a:p>
-            <a:endParaRPr lang="da-DK" dirty="0"/>
-          </a:p>
-        </p:txBody>
-      </p:sp>
+              <a:t>Filter</a:t>
+            </a:r>
+          </a:p>
+        </p:txBody>
+      </p:sp>
+      <p:pic>
+        <p:nvPicPr>
+          <p:cNvPr id="6" name="Billede 5"/>
+          <p:cNvPicPr>
+            <a:picLocks noChangeAspect="1"/>
+          </p:cNvPicPr>
+          <p:nvPr/>
+        </p:nvPicPr>
+        <p:blipFill>
+          <a:blip r:embed="rId3"/>
+          <a:stretch>
+            <a:fillRect/>
+          </a:stretch>
+        </p:blipFill>
+        <p:spPr>
+          <a:xfrm>
+            <a:off x="443865" y="4155569"/>
+            <a:ext cx="4857750" cy="2200275"/>
+          </a:xfrm>
+          <a:prstGeom prst="rect">
+            <a:avLst/>
+          </a:prstGeom>
+        </p:spPr>
+      </p:pic>
     </p:spTree>
     <p:extLst>
       <p:ext uri="{BB962C8B-B14F-4D97-AF65-F5344CB8AC3E}">
-        <p14:creationId xmlns:p14="http://schemas.microsoft.com/office/powerpoint/2010/main" val="1977555632"/>
+        <p14:creationId xmlns:p14="http://schemas.microsoft.com/office/powerpoint/2010/main" val="540321874"/>
       </p:ext>
     </p:extLst>
   </p:cSld>
@@ -7004,53 +7320,89 @@
           <a:lstStyle/>
           <a:p>
             <a:r>
+              <a:rPr lang="da-DK" dirty="0" smtClean="0"/>
+              <a:t>Hardwareudvikling</a:t>
+            </a:r>
+            <a:endParaRPr lang="da-DK" dirty="0"/>
+          </a:p>
+        </p:txBody>
+      </p:sp>
+      <p:sp>
+        <p:nvSpPr>
+          <p:cNvPr id="3" name="Pladsholder til indhold 2"/>
+          <p:cNvSpPr>
+            <a:spLocks noGrp="1"/>
+          </p:cNvSpPr>
+          <p:nvPr>
+            <p:ph idx="1"/>
+          </p:nvPr>
+        </p:nvSpPr>
+        <p:spPr/>
+        <p:txBody>
+          <a:bodyPr/>
+          <a:lstStyle/>
+          <a:p>
+            <a:r>
+              <a:rPr lang="da-DK" dirty="0" smtClean="0"/>
+              <a:t>Operationsforstærker kontra </a:t>
+            </a:r>
+            <a:r>
               <a:rPr lang="da-DK" dirty="0" err="1" smtClean="0"/>
-              <a:t>HardwareImplementering</a:t>
+              <a:t>instrimentationsforstærker</a:t>
+            </a:r>
+            <a:r>
+              <a:rPr lang="da-DK" dirty="0" smtClean="0"/>
+              <a:t>.</a:t>
+            </a:r>
+          </a:p>
+          <a:p>
+            <a:pPr lvl="1"/>
+            <a:r>
+              <a:rPr lang="da-DK" dirty="0"/>
+              <a:t>Indgangsimpedans</a:t>
+            </a:r>
+          </a:p>
+          <a:p>
+            <a:pPr lvl="1"/>
+            <a:r>
+              <a:rPr lang="da-DK" dirty="0"/>
+              <a:t>Common mode </a:t>
+            </a:r>
+            <a:r>
+              <a:rPr lang="da-DK" dirty="0" err="1" smtClean="0"/>
+              <a:t>rejection</a:t>
             </a:r>
             <a:endParaRPr lang="da-DK" dirty="0"/>
           </a:p>
-        </p:txBody>
-      </p:sp>
-      <p:sp>
-        <p:nvSpPr>
-          <p:cNvPr id="3" name="Pladsholder til indhold 2"/>
-          <p:cNvSpPr>
-            <a:spLocks noGrp="1"/>
-          </p:cNvSpPr>
-          <p:nvPr>
-            <p:ph idx="1"/>
-          </p:nvPr>
-        </p:nvSpPr>
-        <p:spPr/>
-        <p:txBody>
-          <a:bodyPr/>
-          <a:lstStyle/>
-          <a:p>
-            <a:r>
-              <a:rPr lang="da-DK" dirty="0"/>
-              <a:t>Billede af begges kredsløbstegninger </a:t>
-            </a:r>
-          </a:p>
-          <a:p>
-            <a:r>
-              <a:rPr lang="da-DK" dirty="0"/>
-              <a:t>Instrumenteringsforstærkeren – og hvorfor den er fantastisk! </a:t>
-            </a:r>
+          <a:p>
             <a:endParaRPr lang="da-DK" dirty="0" smtClean="0"/>
           </a:p>
           <a:p>
             <a:r>
               <a:rPr lang="da-DK" dirty="0" smtClean="0"/>
-              <a:t>Reelle teorier kontra de teoretiske – </a:t>
-            </a:r>
+              <a:t>Dynamikområde</a:t>
+            </a:r>
+          </a:p>
+          <a:p>
+            <a:endParaRPr lang="da-DK" dirty="0"/>
+          </a:p>
+          <a:p>
             <a:r>
               <a:rPr lang="da-DK" dirty="0" err="1" smtClean="0"/>
-              <a:t>f.eks</a:t>
+              <a:t>Analogdiscovery</a:t>
             </a:r>
             <a:r>
               <a:rPr lang="da-DK" dirty="0" smtClean="0"/>
-              <a:t> knækfrekvenser. </a:t>
-            </a:r>
+              <a:t> frem for batteri</a:t>
+            </a:r>
+          </a:p>
+          <a:p>
+            <a:pPr lvl="1"/>
+            <a:r>
+              <a:rPr lang="da-DK" smtClean="0"/>
+              <a:t>Stabilitet </a:t>
+            </a:r>
+            <a:endParaRPr lang="da-DK" dirty="0" smtClean="0"/>
           </a:p>
           <a:p>
             <a:endParaRPr lang="da-DK" dirty="0"/>
@@ -7059,10 +7411,9 @@
             <a:endParaRPr lang="da-DK" dirty="0" smtClean="0"/>
           </a:p>
           <a:p>
-            <a:r>
-              <a:rPr lang="da-DK" dirty="0" smtClean="0"/>
-              <a:t>Freja – 3 minutter</a:t>
-            </a:r>
+            <a:endParaRPr lang="da-DK" dirty="0"/>
+          </a:p>
+          <a:p>
             <a:endParaRPr lang="da-DK" dirty="0"/>
           </a:p>
         </p:txBody>
@@ -7070,7 +7421,7 @@
     </p:spTree>
     <p:extLst>
       <p:ext uri="{BB962C8B-B14F-4D97-AF65-F5344CB8AC3E}">
-        <p14:creationId xmlns:p14="http://schemas.microsoft.com/office/powerpoint/2010/main" val="2141727839"/>
+        <p14:creationId xmlns:p14="http://schemas.microsoft.com/office/powerpoint/2010/main" val="1977555632"/>
       </p:ext>
     </p:extLst>
   </p:cSld>
@@ -7113,43 +7464,73 @@
           <a:lstStyle/>
           <a:p>
             <a:r>
+              <a:rPr lang="da-DK" dirty="0" err="1" smtClean="0"/>
+              <a:t>HardwareImplementering</a:t>
+            </a:r>
+            <a:endParaRPr lang="da-DK" dirty="0"/>
+          </a:p>
+        </p:txBody>
+      </p:sp>
+      <p:sp>
+        <p:nvSpPr>
+          <p:cNvPr id="3" name="Pladsholder til indhold 2"/>
+          <p:cNvSpPr>
+            <a:spLocks noGrp="1"/>
+          </p:cNvSpPr>
+          <p:nvPr>
+            <p:ph idx="1"/>
+          </p:nvPr>
+        </p:nvSpPr>
+        <p:spPr/>
+        <p:txBody>
+          <a:bodyPr/>
+          <a:lstStyle/>
+          <a:p>
+            <a:r>
+              <a:rPr lang="da-DK" dirty="0"/>
+              <a:t>Billede af begges kredsløbstegninger </a:t>
+            </a:r>
+          </a:p>
+          <a:p>
+            <a:r>
+              <a:rPr lang="da-DK" dirty="0"/>
+              <a:t>Instrumenteringsforstærkeren – og hvorfor den er fantastisk! </a:t>
+            </a:r>
+            <a:endParaRPr lang="da-DK" dirty="0" smtClean="0"/>
+          </a:p>
+          <a:p>
+            <a:r>
               <a:rPr lang="da-DK" dirty="0" smtClean="0"/>
-              <a:t>Softwareudvikling</a:t>
-            </a:r>
+              <a:t>Reelle teorier kontra de teoretiske – </a:t>
+            </a:r>
+            <a:r>
+              <a:rPr lang="da-DK" dirty="0" err="1" smtClean="0"/>
+              <a:t>f.eks</a:t>
+            </a:r>
+            <a:r>
+              <a:rPr lang="da-DK" dirty="0" smtClean="0"/>
+              <a:t> knækfrekvenser. </a:t>
+            </a:r>
+          </a:p>
+          <a:p>
             <a:endParaRPr lang="da-DK" dirty="0"/>
           </a:p>
-        </p:txBody>
-      </p:sp>
-      <p:pic>
-        <p:nvPicPr>
-          <p:cNvPr id="4" name="Pladsholder til indhold 3"/>
-          <p:cNvPicPr>
-            <a:picLocks noGrp="1"/>
-          </p:cNvPicPr>
-          <p:nvPr>
-            <p:ph idx="1"/>
-          </p:nvPr>
-        </p:nvPicPr>
-        <p:blipFill>
-          <a:blip r:embed="rId2"/>
-          <a:stretch>
-            <a:fillRect/>
-          </a:stretch>
-        </p:blipFill>
-        <p:spPr>
-          <a:xfrm>
-            <a:off x="1719959" y="1806943"/>
-            <a:ext cx="8896002" cy="4839184"/>
-          </a:xfrm>
-          <a:prstGeom prst="rect">
-            <a:avLst/>
-          </a:prstGeom>
-        </p:spPr>
-      </p:pic>
+          <a:p>
+            <a:endParaRPr lang="da-DK" dirty="0" smtClean="0"/>
+          </a:p>
+          <a:p>
+            <a:r>
+              <a:rPr lang="da-DK" dirty="0" smtClean="0"/>
+              <a:t>Freja – 3 minutter</a:t>
+            </a:r>
+            <a:endParaRPr lang="da-DK" dirty="0"/>
+          </a:p>
+        </p:txBody>
+      </p:sp>
     </p:spTree>
     <p:extLst>
       <p:ext uri="{BB962C8B-B14F-4D97-AF65-F5344CB8AC3E}">
-        <p14:creationId xmlns:p14="http://schemas.microsoft.com/office/powerpoint/2010/main" val="3894341658"/>
+        <p14:creationId xmlns:p14="http://schemas.microsoft.com/office/powerpoint/2010/main" val="2141727839"/>
       </p:ext>
     </p:extLst>
   </p:cSld>
@@ -7423,7 +7804,7 @@
   <a:extraClrSchemeLst/>
   <a:extLst>
     <a:ext uri="{05A4C25C-085E-4340-85A3-A5531E510DB2}">
-      <thm15:themeFamily xmlns:thm15="http://schemas.microsoft.com/office/thememl/2012/main" xmlns="" name="Vapor Trail" id="{4FDF2955-7D9C-493C-B9F9-C205151B46CD}" vid="{8F31A783-2159-4870-BC29-2BA7D038EA44}"/>
+      <thm15:themeFamily xmlns:thm15="http://schemas.microsoft.com/office/thememl/2012/main" name="Vapor Trail" id="{4FDF2955-7D9C-493C-B9F9-C205151B46CD}" vid="{8F31A783-2159-4870-BC29-2BA7D038EA44}"/>
     </a:ext>
   </a:extLst>
 </a:theme>

--- a/Bifiler til projekt/Semesterprojekt 3.pptx
+++ b/Bifiler til projekt/Semesterprojekt 3.pptx
@@ -6,8 +6,8 @@
   </p:sldMasterIdLst>
   <p:sldIdLst>
     <p:sldId id="256" r:id="rId2"/>
-    <p:sldId id="257" r:id="rId3"/>
-    <p:sldId id="272" r:id="rId4"/>
+    <p:sldId id="273" r:id="rId3"/>
+    <p:sldId id="257" r:id="rId4"/>
     <p:sldId id="262" r:id="rId5"/>
     <p:sldId id="261" r:id="rId6"/>
     <p:sldId id="259" r:id="rId7"/>
@@ -120,7 +120,7 @@
   </p:defaultTextStyle>
   <p:extLst>
     <p:ext uri="{EFAFB233-063F-42B5-8137-9DF3F51BA10A}">
-      <p15:sldGuideLst xmlns:p15="http://schemas.microsoft.com/office/powerpoint/2012/main" xmlns=""/>
+      <p15:sldGuideLst xmlns="" xmlns:p15="http://schemas.microsoft.com/office/powerpoint/2012/main"/>
     </p:ext>
   </p:extLst>
 </p:presentation>
@@ -6334,7 +6334,7 @@
       </p:grpSpPr>
       <p:sp>
         <p:nvSpPr>
-          <p:cNvPr id="2" name="Titel 1"/>
+          <p:cNvPr id="2" name="Title 1"/>
           <p:cNvSpPr>
             <a:spLocks noGrp="1"/>
           </p:cNvSpPr>
@@ -6348,52 +6348,88 @@
           <a:lstStyle/>
           <a:p>
             <a:r>
+              <a:rPr lang="en-US" dirty="0" smtClean="0"/>
+              <a:t>Agenda</a:t>
+            </a:r>
+            <a:endParaRPr lang="en-US" dirty="0"/>
+          </a:p>
+        </p:txBody>
+      </p:sp>
+      <p:sp>
+        <p:nvSpPr>
+          <p:cNvPr id="3" name="Content Placeholder 2"/>
+          <p:cNvSpPr>
+            <a:spLocks noGrp="1"/>
+          </p:cNvSpPr>
+          <p:nvPr>
+            <p:ph idx="1"/>
+          </p:nvPr>
+        </p:nvSpPr>
+        <p:spPr/>
+        <p:txBody>
+          <a:bodyPr/>
+          <a:lstStyle/>
+          <a:p>
+            <a:r>
               <a:rPr lang="da-DK" dirty="0" smtClean="0"/>
-              <a:t>Problemstilling &amp; baggrund</a:t>
-            </a:r>
-            <a:endParaRPr lang="da-DK" dirty="0"/>
-          </a:p>
-        </p:txBody>
-      </p:sp>
-      <p:sp>
-        <p:nvSpPr>
-          <p:cNvPr id="3" name="Pladsholder til indhold 2"/>
-          <p:cNvSpPr>
-            <a:spLocks noGrp="1"/>
-          </p:cNvSpPr>
-          <p:nvPr>
-            <p:ph idx="1"/>
-          </p:nvPr>
-        </p:nvSpPr>
-        <p:spPr/>
-        <p:txBody>
-          <a:bodyPr/>
-          <a:lstStyle/>
+              <a:t>Problemstilling</a:t>
+            </a:r>
+          </a:p>
           <a:p>
             <a:r>
               <a:rPr lang="da-DK" dirty="0" smtClean="0"/>
-              <a:t>Udvikle et blodtrykssystem til brug i operationsstuer.</a:t>
-            </a:r>
-            <a:endParaRPr lang="da-DK" dirty="0"/>
+              <a:t>Video demonstration</a:t>
+            </a:r>
           </a:p>
           <a:p>
             <a:r>
               <a:rPr lang="da-DK" dirty="0" smtClean="0"/>
-              <a:t>Vigtigt at kunne se kontinuerligt blodtryk</a:t>
-            </a:r>
-          </a:p>
-          <a:p>
-            <a:pPr marL="0" indent="0">
-              <a:buNone/>
-            </a:pPr>
-            <a:endParaRPr lang="da-DK" dirty="0"/>
+              <a:t>Metoder</a:t>
+            </a:r>
+          </a:p>
+          <a:p>
+            <a:r>
+              <a:rPr lang="da-DK" dirty="0" smtClean="0"/>
+              <a:t>Udvikling</a:t>
+            </a:r>
+            <a:endParaRPr lang="da-DK" dirty="0" smtClean="0"/>
+          </a:p>
+          <a:p>
+            <a:r>
+              <a:rPr lang="da-DK" dirty="0" smtClean="0"/>
+              <a:t>Implementering</a:t>
+            </a:r>
+          </a:p>
+          <a:p>
+            <a:r>
+              <a:rPr lang="da-DK" dirty="0" smtClean="0"/>
+              <a:t>Test</a:t>
+            </a:r>
+          </a:p>
+          <a:p>
+            <a:r>
+              <a:rPr lang="da-DK" dirty="0" smtClean="0"/>
+              <a:t>Videreudvikling</a:t>
+            </a:r>
+          </a:p>
+          <a:p>
+            <a:r>
+              <a:rPr lang="da-DK" dirty="0" smtClean="0"/>
+              <a:t>Konklusion </a:t>
+            </a:r>
+          </a:p>
+          <a:p>
+            <a:endParaRPr lang="en-US" dirty="0" smtClean="0"/>
+          </a:p>
+          <a:p>
+            <a:endParaRPr lang="en-US" dirty="0"/>
           </a:p>
         </p:txBody>
       </p:sp>
     </p:spTree>
     <p:extLst>
       <p:ext uri="{BB962C8B-B14F-4D97-AF65-F5344CB8AC3E}">
-        <p14:creationId xmlns:p14="http://schemas.microsoft.com/office/powerpoint/2010/main" val="1342996665"/>
+        <p14:creationId xmlns:p14="http://schemas.microsoft.com/office/powerpoint/2010/main" val="1812990479"/>
       </p:ext>
     </p:extLst>
   </p:cSld>
@@ -6422,7 +6458,7 @@
       </p:grpSpPr>
       <p:sp>
         <p:nvSpPr>
-          <p:cNvPr id="2" name="Title 1"/>
+          <p:cNvPr id="2" name="Titel 1"/>
           <p:cNvSpPr>
             <a:spLocks noGrp="1"/>
           </p:cNvSpPr>
@@ -6436,10 +6472,49 @@
           <a:lstStyle/>
           <a:p>
             <a:r>
-              <a:rPr lang="en-US" dirty="0" err="1" smtClean="0"/>
-              <a:t>Blodtryksapperat</a:t>
-            </a:r>
-            <a:endParaRPr lang="en-US" dirty="0"/>
+              <a:rPr lang="da-DK" dirty="0" smtClean="0"/>
+              <a:t>Problemstilling</a:t>
+            </a:r>
+            <a:endParaRPr lang="da-DK" dirty="0"/>
+          </a:p>
+        </p:txBody>
+      </p:sp>
+      <p:sp>
+        <p:nvSpPr>
+          <p:cNvPr id="3" name="Pladsholder til indhold 2"/>
+          <p:cNvSpPr>
+            <a:spLocks noGrp="1"/>
+          </p:cNvSpPr>
+          <p:nvPr>
+            <p:ph idx="1"/>
+          </p:nvPr>
+        </p:nvSpPr>
+        <p:spPr/>
+        <p:txBody>
+          <a:bodyPr/>
+          <a:lstStyle/>
+          <a:p>
+            <a:r>
+              <a:rPr lang="da-DK" dirty="0" err="1" smtClean="0"/>
+              <a:t>Invasiv</a:t>
+            </a:r>
+            <a:r>
+              <a:rPr lang="da-DK" dirty="0" smtClean="0"/>
+              <a:t> blodtryksmåling</a:t>
+            </a:r>
+          </a:p>
+          <a:p>
+            <a:r>
+              <a:rPr lang="da-DK" dirty="0" smtClean="0"/>
+              <a:t>Krav</a:t>
+            </a:r>
+          </a:p>
+          <a:p>
+            <a:r>
+              <a:rPr lang="da-DK" dirty="0" smtClean="0"/>
+              <a:t>Vinkel</a:t>
+            </a:r>
+            <a:endParaRPr lang="da-DK" dirty="0"/>
           </a:p>
         </p:txBody>
       </p:sp>
@@ -6447,11 +6522,9 @@
         <p:nvPicPr>
           <p:cNvPr id="4" name="Content Placeholder 3" descr="Opstilling.png"/>
           <p:cNvPicPr>
-            <a:picLocks noGrp="1" noChangeAspect="1"/>
+            <a:picLocks noChangeAspect="1"/>
           </p:cNvPicPr>
-          <p:nvPr>
-            <p:ph idx="1"/>
-          </p:nvPr>
+          <p:nvPr/>
         </p:nvPicPr>
         <p:blipFill rotWithShape="1">
           <a:blip r:embed="rId2">
@@ -6464,12 +6537,20 @@
           <a:srcRect l="-17892" r="-17892"/>
           <a:stretch/>
         </p:blipFill>
-        <p:spPr/>
+        <p:spPr>
+          <a:xfrm>
+            <a:off x="2963333" y="2897293"/>
+            <a:ext cx="8031799" cy="2987039"/>
+          </a:xfrm>
+          <a:prstGeom prst="rect">
+            <a:avLst/>
+          </a:prstGeom>
+        </p:spPr>
       </p:pic>
     </p:spTree>
     <p:extLst>
       <p:ext uri="{BB962C8B-B14F-4D97-AF65-F5344CB8AC3E}">
-        <p14:creationId xmlns:p14="http://schemas.microsoft.com/office/powerpoint/2010/main" val="452002910"/>
+        <p14:creationId xmlns:p14="http://schemas.microsoft.com/office/powerpoint/2010/main" val="1342996665"/>
       </p:ext>
     </p:extLst>
   </p:cSld>
@@ -6539,31 +6620,6 @@
           <a:bodyPr/>
           <a:lstStyle/>
           <a:p>
-            <a:r>
-              <a:rPr lang="da-DK" dirty="0" smtClean="0"/>
-              <a:t>Mads – 2 minutter</a:t>
-            </a:r>
-          </a:p>
-          <a:p>
-            <a:endParaRPr lang="da-DK" dirty="0"/>
-          </a:p>
-          <a:p>
-            <a:r>
-              <a:rPr lang="da-DK" dirty="0" smtClean="0"/>
-              <a:t>Demonstrere alarmen </a:t>
-            </a:r>
-          </a:p>
-          <a:p>
-            <a:r>
-              <a:rPr lang="da-DK" dirty="0" smtClean="0"/>
-              <a:t>Gem</a:t>
-            </a:r>
-          </a:p>
-          <a:p>
-            <a:r>
-              <a:rPr lang="da-DK" dirty="0" smtClean="0"/>
-              <a:t>Lokaldatabase </a:t>
-            </a:r>
             <a:endParaRPr lang="da-DK" dirty="0"/>
           </a:p>
         </p:txBody>
@@ -6615,7 +6671,7 @@
           <a:p>
             <a:r>
               <a:rPr lang="da-DK" dirty="0" smtClean="0"/>
-              <a:t>Arbejdsformer</a:t>
+              <a:t>Metoder</a:t>
             </a:r>
             <a:endParaRPr lang="da-DK" dirty="0"/>
           </a:p>
@@ -6636,51 +6692,37 @@
           <a:bodyPr/>
           <a:lstStyle/>
           <a:p>
-            <a:r>
-              <a:rPr lang="da-DK" dirty="0" smtClean="0"/>
-              <a:t>En dejlig blanding af; </a:t>
-            </a:r>
+            <a:endParaRPr lang="en-US" dirty="0"/>
+          </a:p>
+          <a:p>
             <a:endParaRPr lang="da-DK" dirty="0"/>
           </a:p>
-          <a:p>
-            <a:r>
-              <a:rPr lang="da-DK" dirty="0" smtClean="0"/>
-              <a:t>ASE-modellen</a:t>
-            </a:r>
-          </a:p>
-          <a:p>
-            <a:r>
-              <a:rPr lang="da-DK" dirty="0" smtClean="0"/>
-              <a:t>V modellen</a:t>
-            </a:r>
-          </a:p>
-          <a:p>
-            <a:r>
-              <a:rPr lang="da-DK" dirty="0" smtClean="0"/>
-              <a:t>Vandfaldsmodellen</a:t>
-            </a:r>
-          </a:p>
-          <a:p>
-            <a:endParaRPr lang="da-DK" dirty="0"/>
-          </a:p>
-          <a:p>
-            <a:r>
-              <a:rPr lang="da-DK" dirty="0" smtClean="0"/>
-              <a:t>ASE-MODELLEN PRIMÆRT!!</a:t>
-            </a:r>
-          </a:p>
-          <a:p>
-            <a:endParaRPr lang="da-DK" dirty="0"/>
-          </a:p>
-          <a:p>
-            <a:r>
-              <a:rPr lang="da-DK" dirty="0" smtClean="0"/>
-              <a:t>Mads – 1½ minut</a:t>
-            </a:r>
-            <a:endParaRPr lang="da-DK" dirty="0"/>
-          </a:p>
-        </p:txBody>
-      </p:sp>
+        </p:txBody>
+      </p:sp>
+      <p:pic>
+        <p:nvPicPr>
+          <p:cNvPr id="4" name="Picture 3"/>
+          <p:cNvPicPr>
+            <a:picLocks noChangeAspect="1"/>
+          </p:cNvPicPr>
+          <p:nvPr/>
+        </p:nvPicPr>
+        <p:blipFill>
+          <a:blip r:embed="rId2"/>
+          <a:stretch>
+            <a:fillRect/>
+          </a:stretch>
+        </p:blipFill>
+        <p:spPr>
+          <a:xfrm>
+            <a:off x="1960033" y="2010829"/>
+            <a:ext cx="7020432" cy="4423833"/>
+          </a:xfrm>
+          <a:prstGeom prst="rect">
+            <a:avLst/>
+          </a:prstGeom>
+        </p:spPr>
+      </p:pic>
     </p:spTree>
     <p:extLst>
       <p:ext uri="{BB962C8B-B14F-4D97-AF65-F5344CB8AC3E}">
@@ -7423,7 +7465,7 @@
   <a:extraClrSchemeLst/>
   <a:extLst>
     <a:ext uri="{05A4C25C-085E-4340-85A3-A5531E510DB2}">
-      <thm15:themeFamily xmlns:thm15="http://schemas.microsoft.com/office/thememl/2012/main" xmlns="" name="Vapor Trail" id="{4FDF2955-7D9C-493C-B9F9-C205151B46CD}" vid="{8F31A783-2159-4870-BC29-2BA7D038EA44}"/>
+      <thm15:themeFamily xmlns="" xmlns:thm15="http://schemas.microsoft.com/office/thememl/2012/main" name="Vapor Trail" id="{4FDF2955-7D9C-493C-B9F9-C205151B46CD}" vid="{8F31A783-2159-4870-BC29-2BA7D038EA44}"/>
     </a:ext>
   </a:extLst>
 </a:theme>

--- a/Bifiler til projekt/Semesterprojekt 3.pptx
+++ b/Bifiler til projekt/Semesterprojekt 3.pptx
@@ -10,8 +10,8 @@
     <p:sldId id="257" r:id="rId4"/>
     <p:sldId id="262" r:id="rId5"/>
     <p:sldId id="261" r:id="rId6"/>
-    <p:sldId id="259" r:id="rId7"/>
-    <p:sldId id="271" r:id="rId8"/>
+    <p:sldId id="271" r:id="rId7"/>
+    <p:sldId id="274" r:id="rId8"/>
     <p:sldId id="266" r:id="rId9"/>
     <p:sldId id="260" r:id="rId10"/>
     <p:sldId id="268" r:id="rId11"/>
@@ -120,7 +120,18 @@
   </p:defaultTextStyle>
   <p:extLst>
     <p:ext uri="{EFAFB233-063F-42B5-8137-9DF3F51BA10A}">
-      <p15:sldGuideLst xmlns="" xmlns:p15="http://schemas.microsoft.com/office/powerpoint/2012/main"/>
+      <p15:sldGuideLst xmlns:p15="http://schemas.microsoft.com/office/powerpoint/2012/main">
+        <p15:guide id="1" orient="horz" pos="2160">
+          <p15:clr>
+            <a:srgbClr val="A4A3A4"/>
+          </p15:clr>
+        </p15:guide>
+        <p15:guide id="2" pos="3840">
+          <p15:clr>
+            <a:srgbClr val="A4A3A4"/>
+          </p15:clr>
+        </p15:guide>
+      </p15:sldGuideLst>
     </p:ext>
   </p:extLst>
 </p:presentation>
@@ -296,7 +307,7 @@
           <a:p>
             <a:fld id="{48A87A34-81AB-432B-8DAE-1953F412C126}" type="datetimeFigureOut">
               <a:rPr lang="en-US" dirty="0"/>
-              <a:t>20/01/16</a:t>
+              <a:t>1/20/2016</a:t>
             </a:fld>
             <a:endParaRPr lang="en-US" dirty="0"/>
           </a:p>
@@ -348,7 +359,7 @@
           <a:p>
             <a:fld id="{6D22F896-40B5-4ADD-8801-0D06FADFA095}" type="slidenum">
               <a:rPr lang="en-US" dirty="0"/>
-              <a:t>‹#›</a:t>
+              <a:t>‹nr.›</a:t>
             </a:fld>
             <a:endParaRPr lang="en-US" dirty="0"/>
           </a:p>
@@ -558,7 +569,7 @@
           <a:p>
             <a:fld id="{48A87A34-81AB-432B-8DAE-1953F412C126}" type="datetimeFigureOut">
               <a:rPr lang="en-US" dirty="0"/>
-              <a:t>20/01/16</a:t>
+              <a:t>1/20/2016</a:t>
             </a:fld>
             <a:endParaRPr lang="en-US" dirty="0"/>
           </a:p>
@@ -600,7 +611,7 @@
           <a:p>
             <a:fld id="{6D22F896-40B5-4ADD-8801-0D06FADFA095}" type="slidenum">
               <a:rPr lang="en-US" dirty="0"/>
-              <a:t>‹#›</a:t>
+              <a:t>‹nr.›</a:t>
             </a:fld>
             <a:endParaRPr lang="en-US" dirty="0"/>
           </a:p>
@@ -785,7 +796,7 @@
             <a:fld id="{48A87A34-81AB-432B-8DAE-1953F412C126}" type="datetimeFigureOut">
               <a:rPr lang="en-US" dirty="0"/>
               <a:pPr/>
-              <a:t>20/01/16</a:t>
+              <a:t>1/20/2016</a:t>
             </a:fld>
             <a:endParaRPr lang="en-US" dirty="0"/>
           </a:p>
@@ -837,7 +848,7 @@
           <a:p>
             <a:fld id="{6D22F896-40B5-4ADD-8801-0D06FADFA095}" type="slidenum">
               <a:rPr lang="en-US" dirty="0"/>
-              <a:t>‹#›</a:t>
+              <a:t>‹nr.›</a:t>
             </a:fld>
             <a:endParaRPr lang="en-US" dirty="0"/>
           </a:p>
@@ -1091,7 +1102,7 @@
             <a:fld id="{48A87A34-81AB-432B-8DAE-1953F412C126}" type="datetimeFigureOut">
               <a:rPr lang="en-US" dirty="0"/>
               <a:pPr/>
-              <a:t>20/01/16</a:t>
+              <a:t>1/20/2016</a:t>
             </a:fld>
             <a:endParaRPr lang="en-US" dirty="0"/>
           </a:p>
@@ -1143,7 +1154,7 @@
           <a:p>
             <a:fld id="{6D22F896-40B5-4ADD-8801-0D06FADFA095}" type="slidenum">
               <a:rPr lang="en-US" dirty="0"/>
-              <a:t>‹#›</a:t>
+              <a:t>‹nr.›</a:t>
             </a:fld>
             <a:endParaRPr lang="en-US" dirty="0"/>
           </a:p>
@@ -1560,7 +1571,7 @@
             <a:fld id="{48A87A34-81AB-432B-8DAE-1953F412C126}" type="datetimeFigureOut">
               <a:rPr lang="en-US" dirty="0"/>
               <a:pPr/>
-              <a:t>20/01/16</a:t>
+              <a:t>1/20/2016</a:t>
             </a:fld>
             <a:endParaRPr lang="en-US" dirty="0"/>
           </a:p>
@@ -1612,7 +1623,7 @@
           <a:p>
             <a:fld id="{6D22F896-40B5-4ADD-8801-0D06FADFA095}" type="slidenum">
               <a:rPr lang="en-US" dirty="0"/>
-              <a:t>‹#›</a:t>
+              <a:t>‹nr.›</a:t>
             </a:fld>
             <a:endParaRPr lang="en-US" dirty="0"/>
           </a:p>
@@ -2102,7 +2113,7 @@
           <a:p>
             <a:fld id="{48A87A34-81AB-432B-8DAE-1953F412C126}" type="datetimeFigureOut">
               <a:rPr lang="en-US" dirty="0"/>
-              <a:t>20/01/16</a:t>
+              <a:t>1/20/2016</a:t>
             </a:fld>
             <a:endParaRPr lang="en-US" dirty="0"/>
           </a:p>
@@ -2144,7 +2155,7 @@
           <a:p>
             <a:fld id="{6D22F896-40B5-4ADD-8801-0D06FADFA095}" type="slidenum">
               <a:rPr lang="en-US" dirty="0"/>
-              <a:t>‹#›</a:t>
+              <a:t>‹nr.›</a:t>
             </a:fld>
             <a:endParaRPr lang="en-US" dirty="0"/>
           </a:p>
@@ -2871,7 +2882,7 @@
           <a:p>
             <a:fld id="{48A87A34-81AB-432B-8DAE-1953F412C126}" type="datetimeFigureOut">
               <a:rPr lang="en-US" dirty="0"/>
-              <a:t>20/01/16</a:t>
+              <a:t>1/20/2016</a:t>
             </a:fld>
             <a:endParaRPr lang="en-US" dirty="0"/>
           </a:p>
@@ -2913,7 +2924,7 @@
           <a:p>
             <a:fld id="{6D22F896-40B5-4ADD-8801-0D06FADFA095}" type="slidenum">
               <a:rPr lang="en-US" dirty="0"/>
-              <a:t>‹#›</a:t>
+              <a:t>‹nr.›</a:t>
             </a:fld>
             <a:endParaRPr lang="en-US" dirty="0"/>
           </a:p>
@@ -3041,7 +3052,7 @@
           <a:p>
             <a:fld id="{48A87A34-81AB-432B-8DAE-1953F412C126}" type="datetimeFigureOut">
               <a:rPr lang="en-US" dirty="0"/>
-              <a:t>20/01/16</a:t>
+              <a:t>1/20/2016</a:t>
             </a:fld>
             <a:endParaRPr lang="en-US" dirty="0"/>
           </a:p>
@@ -3083,7 +3094,7 @@
           <a:p>
             <a:fld id="{6D22F896-40B5-4ADD-8801-0D06FADFA095}" type="slidenum">
               <a:rPr lang="en-US" dirty="0"/>
-              <a:t>‹#›</a:t>
+              <a:t>‹nr.›</a:t>
             </a:fld>
             <a:endParaRPr lang="en-US" dirty="0"/>
           </a:p>
@@ -3260,7 +3271,7 @@
             <a:fld id="{48A87A34-81AB-432B-8DAE-1953F412C126}" type="datetimeFigureOut">
               <a:rPr lang="en-US" dirty="0"/>
               <a:pPr/>
-              <a:t>20/01/16</a:t>
+              <a:t>1/20/2016</a:t>
             </a:fld>
             <a:endParaRPr lang="en-US" dirty="0"/>
           </a:p>
@@ -3312,7 +3323,7 @@
           <a:p>
             <a:fld id="{6D22F896-40B5-4ADD-8801-0D06FADFA095}" type="slidenum">
               <a:rPr lang="en-US" dirty="0"/>
-              <a:t>‹#›</a:t>
+              <a:t>‹nr.›</a:t>
             </a:fld>
             <a:endParaRPr lang="en-US" dirty="0"/>
           </a:p>
@@ -3435,7 +3446,7 @@
           <a:p>
             <a:fld id="{48A87A34-81AB-432B-8DAE-1953F412C126}" type="datetimeFigureOut">
               <a:rPr lang="en-US" dirty="0"/>
-              <a:t>20/01/16</a:t>
+              <a:t>1/20/2016</a:t>
             </a:fld>
             <a:endParaRPr lang="en-US" dirty="0"/>
           </a:p>
@@ -3477,7 +3488,7 @@
           <a:p>
             <a:fld id="{6D22F896-40B5-4ADD-8801-0D06FADFA095}" type="slidenum">
               <a:rPr lang="en-US" dirty="0"/>
-              <a:t>‹#›</a:t>
+              <a:t>‹nr.›</a:t>
             </a:fld>
             <a:endParaRPr lang="en-US" dirty="0"/>
           </a:p>
@@ -3720,7 +3731,7 @@
             <a:fld id="{48A87A34-81AB-432B-8DAE-1953F412C126}" type="datetimeFigureOut">
               <a:rPr lang="en-US" dirty="0"/>
               <a:pPr/>
-              <a:t>20/01/16</a:t>
+              <a:t>1/20/2016</a:t>
             </a:fld>
             <a:endParaRPr lang="en-US" dirty="0"/>
           </a:p>
@@ -3772,7 +3783,7 @@
           <a:p>
             <a:fld id="{6D22F896-40B5-4ADD-8801-0D06FADFA095}" type="slidenum">
               <a:rPr lang="en-US" dirty="0"/>
-              <a:t>‹#›</a:t>
+              <a:t>‹nr.›</a:t>
             </a:fld>
             <a:endParaRPr lang="en-US" dirty="0"/>
           </a:p>
@@ -3957,7 +3968,7 @@
           <a:p>
             <a:fld id="{48A87A34-81AB-432B-8DAE-1953F412C126}" type="datetimeFigureOut">
               <a:rPr lang="en-US" dirty="0"/>
-              <a:t>20/01/16</a:t>
+              <a:t>1/20/2016</a:t>
             </a:fld>
             <a:endParaRPr lang="en-US" dirty="0"/>
           </a:p>
@@ -3999,7 +4010,7 @@
           <a:p>
             <a:fld id="{6D22F896-40B5-4ADD-8801-0D06FADFA095}" type="slidenum">
               <a:rPr lang="en-US" dirty="0"/>
-              <a:t>‹#›</a:t>
+              <a:t>‹nr.›</a:t>
             </a:fld>
             <a:endParaRPr lang="en-US" dirty="0"/>
           </a:p>
@@ -4331,7 +4342,7 @@
           <a:p>
             <a:fld id="{48A87A34-81AB-432B-8DAE-1953F412C126}" type="datetimeFigureOut">
               <a:rPr lang="en-US" dirty="0"/>
-              <a:t>20/01/16</a:t>
+              <a:t>1/20/2016</a:t>
             </a:fld>
             <a:endParaRPr lang="en-US" dirty="0"/>
           </a:p>
@@ -4373,7 +4384,7 @@
           <a:p>
             <a:fld id="{6D22F896-40B5-4ADD-8801-0D06FADFA095}" type="slidenum">
               <a:rPr lang="en-US" dirty="0"/>
-              <a:t>‹#›</a:t>
+              <a:t>‹nr.›</a:t>
             </a:fld>
             <a:endParaRPr lang="en-US" dirty="0"/>
           </a:p>
@@ -4444,7 +4455,7 @@
           <a:p>
             <a:fld id="{48A87A34-81AB-432B-8DAE-1953F412C126}" type="datetimeFigureOut">
               <a:rPr lang="en-US" dirty="0"/>
-              <a:t>20/01/16</a:t>
+              <a:t>1/20/2016</a:t>
             </a:fld>
             <a:endParaRPr lang="en-US" dirty="0"/>
           </a:p>
@@ -4486,7 +4497,7 @@
           <a:p>
             <a:fld id="{6D22F896-40B5-4ADD-8801-0D06FADFA095}" type="slidenum">
               <a:rPr lang="en-US" dirty="0"/>
-              <a:t>‹#›</a:t>
+              <a:t>‹nr.›</a:t>
             </a:fld>
             <a:endParaRPr lang="en-US" dirty="0"/>
           </a:p>
@@ -4534,7 +4545,7 @@
           <a:p>
             <a:fld id="{48A87A34-81AB-432B-8DAE-1953F412C126}" type="datetimeFigureOut">
               <a:rPr lang="en-US" dirty="0"/>
-              <a:t>20/01/16</a:t>
+              <a:t>1/20/2016</a:t>
             </a:fld>
             <a:endParaRPr lang="en-US" dirty="0"/>
           </a:p>
@@ -4576,7 +4587,7 @@
           <a:p>
             <a:fld id="{6D22F896-40B5-4ADD-8801-0D06FADFA095}" type="slidenum">
               <a:rPr lang="en-US" dirty="0"/>
-              <a:t>‹#›</a:t>
+              <a:t>‹nr.›</a:t>
             </a:fld>
             <a:endParaRPr lang="en-US" dirty="0"/>
           </a:p>
@@ -4778,7 +4789,7 @@
           <a:p>
             <a:fld id="{48A87A34-81AB-432B-8DAE-1953F412C126}" type="datetimeFigureOut">
               <a:rPr lang="en-US" dirty="0"/>
-              <a:t>20/01/16</a:t>
+              <a:t>1/20/2016</a:t>
             </a:fld>
             <a:endParaRPr lang="en-US" dirty="0"/>
           </a:p>
@@ -4820,7 +4831,7 @@
           <a:p>
             <a:fld id="{6D22F896-40B5-4ADD-8801-0D06FADFA095}" type="slidenum">
               <a:rPr lang="en-US" dirty="0"/>
-              <a:t>‹#›</a:t>
+              <a:t>‹nr.›</a:t>
             </a:fld>
             <a:endParaRPr lang="en-US" dirty="0"/>
           </a:p>
@@ -5030,7 +5041,7 @@
           <a:p>
             <a:fld id="{48A87A34-81AB-432B-8DAE-1953F412C126}" type="datetimeFigureOut">
               <a:rPr lang="en-US" dirty="0"/>
-              <a:t>20/01/16</a:t>
+              <a:t>1/20/2016</a:t>
             </a:fld>
             <a:endParaRPr lang="en-US" dirty="0"/>
           </a:p>
@@ -5072,7 +5083,7 @@
           <a:p>
             <a:fld id="{6D22F896-40B5-4ADD-8801-0D06FADFA095}" type="slidenum">
               <a:rPr lang="en-US" dirty="0"/>
-              <a:t>‹#›</a:t>
+              <a:t>‹nr.›</a:t>
             </a:fld>
             <a:endParaRPr lang="en-US" dirty="0"/>
           </a:p>
@@ -5269,7 +5280,7 @@
             <a:fld id="{48A87A34-81AB-432B-8DAE-1953F412C126}" type="datetimeFigureOut">
               <a:rPr lang="en-US" dirty="0"/>
               <a:pPr/>
-              <a:t>20/01/16</a:t>
+              <a:t>1/20/2016</a:t>
             </a:fld>
             <a:endParaRPr lang="en-US" dirty="0"/>
           </a:p>
@@ -5348,7 +5359,7 @@
             <a:fld id="{6D22F896-40B5-4ADD-8801-0D06FADFA095}" type="slidenum">
               <a:rPr lang="en-US" dirty="0"/>
               <a:pPr/>
-              <a:t>‹#›</a:t>
+              <a:t>‹nr.›</a:t>
             </a:fld>
             <a:endParaRPr lang="en-US" dirty="0"/>
           </a:p>
@@ -6392,7 +6403,6 @@
               <a:rPr lang="da-DK" dirty="0" smtClean="0"/>
               <a:t>Udvikling</a:t>
             </a:r>
-            <a:endParaRPr lang="da-DK" dirty="0" smtClean="0"/>
           </a:p>
           <a:p>
             <a:r>
@@ -6788,70 +6798,81 @@
         </p:nvSpPr>
         <p:spPr/>
         <p:txBody>
-          <a:bodyPr>
-            <a:normAutofit lnSpcReduction="10000"/>
-          </a:bodyPr>
-          <a:lstStyle/>
+          <a:bodyPr/>
+          <a:lstStyle/>
+          <a:p>
+            <a:r>
+              <a:rPr lang="da-DK" dirty="0" smtClean="0"/>
+              <a:t>Operationsforstærker kontra </a:t>
+            </a:r>
+            <a:r>
+              <a:rPr lang="da-DK" dirty="0" err="1" smtClean="0"/>
+              <a:t>instrimentationsforstærker</a:t>
+            </a:r>
+            <a:r>
+              <a:rPr lang="da-DK" dirty="0" smtClean="0"/>
+              <a:t>.</a:t>
+            </a:r>
+          </a:p>
+          <a:p>
+            <a:pPr lvl="1"/>
+            <a:r>
+              <a:rPr lang="da-DK" dirty="0"/>
+              <a:t>Indgangsimpedans</a:t>
+            </a:r>
+          </a:p>
+          <a:p>
+            <a:pPr lvl="1"/>
+            <a:r>
+              <a:rPr lang="da-DK" dirty="0"/>
+              <a:t>Common mode </a:t>
+            </a:r>
+            <a:r>
+              <a:rPr lang="da-DK" dirty="0" err="1" smtClean="0"/>
+              <a:t>rejection</a:t>
+            </a:r>
+            <a:endParaRPr lang="da-DK" dirty="0"/>
+          </a:p>
           <a:p>
             <a:endParaRPr lang="da-DK" dirty="0" smtClean="0"/>
           </a:p>
           <a:p>
+            <a:r>
+              <a:rPr lang="da-DK" dirty="0" smtClean="0"/>
+              <a:t>Dynamikområde</a:t>
+            </a:r>
+          </a:p>
+          <a:p>
             <a:endParaRPr lang="da-DK" dirty="0"/>
           </a:p>
           <a:p>
             <a:r>
+              <a:rPr lang="da-DK" dirty="0" err="1" smtClean="0"/>
+              <a:t>Analogdiscovery</a:t>
+            </a:r>
+            <a:r>
               <a:rPr lang="da-DK" dirty="0" smtClean="0"/>
-              <a:t>En forstærker og et filter</a:t>
-            </a:r>
-          </a:p>
-          <a:p>
-            <a:r>
-              <a:rPr lang="da-DK" dirty="0" smtClean="0"/>
-              <a:t>Teoretisk udvikling før fysisk. </a:t>
-            </a:r>
-          </a:p>
-          <a:p>
-            <a:r>
-              <a:rPr lang="da-DK" dirty="0" smtClean="0"/>
-              <a:t>Små spændinger – og de problemer de medfører!</a:t>
-            </a:r>
-          </a:p>
-          <a:p>
-            <a:r>
-              <a:rPr lang="da-DK" dirty="0" smtClean="0"/>
-              <a:t>Analog </a:t>
-            </a:r>
-            <a:r>
-              <a:rPr lang="da-DK" dirty="0" err="1" smtClean="0"/>
-              <a:t>Discovery</a:t>
-            </a:r>
-            <a:r>
-              <a:rPr lang="da-DK" dirty="0" smtClean="0"/>
-              <a:t> – Det lille bæst</a:t>
-            </a:r>
-          </a:p>
-          <a:p>
+              <a:t> frem for batteri</a:t>
+            </a:r>
+          </a:p>
+          <a:p>
+            <a:pPr lvl="1"/>
+            <a:r>
+              <a:rPr lang="da-DK" smtClean="0"/>
+              <a:t>Stabilitet </a:t>
+            </a:r>
             <a:endParaRPr lang="da-DK" dirty="0" smtClean="0"/>
           </a:p>
           <a:p>
+            <a:endParaRPr lang="da-DK" dirty="0"/>
+          </a:p>
+          <a:p>
             <a:endParaRPr lang="da-DK" dirty="0" smtClean="0"/>
           </a:p>
           <a:p>
             <a:endParaRPr lang="da-DK" dirty="0"/>
           </a:p>
           <a:p>
-            <a:r>
-              <a:rPr lang="da-DK" dirty="0" smtClean="0"/>
-              <a:t>Sara</a:t>
-            </a:r>
-            <a:r>
-              <a:rPr lang="da-DK" dirty="0"/>
-              <a:t> </a:t>
-            </a:r>
-            <a:r>
-              <a:rPr lang="da-DK" dirty="0" smtClean="0"/>
-              <a:t>– 3 minutter</a:t>
-            </a:r>
             <a:endParaRPr lang="da-DK" dirty="0"/>
           </a:p>
         </p:txBody>
@@ -6859,7 +6880,7 @@
     </p:spTree>
     <p:extLst>
       <p:ext uri="{BB962C8B-B14F-4D97-AF65-F5344CB8AC3E}">
-        <p14:creationId xmlns:p14="http://schemas.microsoft.com/office/powerpoint/2010/main" val="638884148"/>
+        <p14:creationId xmlns:p14="http://schemas.microsoft.com/office/powerpoint/2010/main" val="1977555632"/>
       </p:ext>
     </p:extLst>
   </p:cSld>
@@ -6919,91 +6940,306 @@
             <p:ph idx="1"/>
           </p:nvPr>
         </p:nvSpPr>
-        <p:spPr/>
-        <p:txBody>
-          <a:bodyPr/>
+        <p:spPr>
+          <a:xfrm>
+            <a:off x="685800" y="2194560"/>
+            <a:ext cx="4983480" cy="4024125"/>
+          </a:xfrm>
+        </p:spPr>
+        <p:txBody>
+          <a:bodyPr>
+            <a:normAutofit/>
+          </a:bodyPr>
           <a:lstStyle/>
           <a:p>
             <a:r>
               <a:rPr lang="da-DK" dirty="0" smtClean="0"/>
-              <a:t>Operationsforstærker kontra </a:t>
-            </a:r>
-            <a:r>
-              <a:rPr lang="da-DK" dirty="0" err="1" smtClean="0"/>
-              <a:t>instrimentationsforstærker</a:t>
-            </a:r>
+              <a:t>Forstærker</a:t>
+            </a:r>
+          </a:p>
+          <a:p>
+            <a:endParaRPr lang="da-DK" dirty="0"/>
+          </a:p>
+          <a:p>
+            <a:endParaRPr lang="da-DK" dirty="0" smtClean="0"/>
+          </a:p>
+          <a:p>
+            <a:endParaRPr lang="da-DK" dirty="0" smtClean="0"/>
+          </a:p>
+          <a:p>
+            <a:pPr marL="0" indent="0">
+              <a:buNone/>
+            </a:pPr>
+            <a:endParaRPr lang="da-DK" dirty="0"/>
+          </a:p>
+        </p:txBody>
+      </p:sp>
+      <p:pic>
+        <p:nvPicPr>
+          <p:cNvPr id="4" name="Billede 3"/>
+          <p:cNvPicPr>
+            <a:picLocks noChangeAspect="1"/>
+          </p:cNvPicPr>
+          <p:nvPr/>
+        </p:nvPicPr>
+        <p:blipFill>
+          <a:blip r:embed="rId2"/>
+          <a:stretch>
+            <a:fillRect/>
+          </a:stretch>
+        </p:blipFill>
+        <p:spPr>
+          <a:xfrm>
+            <a:off x="5911215" y="2050544"/>
+            <a:ext cx="4970145" cy="2407156"/>
+          </a:xfrm>
+          <a:prstGeom prst="rect">
+            <a:avLst/>
+          </a:prstGeom>
+        </p:spPr>
+      </p:pic>
+      <p:sp>
+        <p:nvSpPr>
+          <p:cNvPr id="5" name="Pladsholder til indhold 2"/>
+          <p:cNvSpPr txBox="1">
+            <a:spLocks/>
+          </p:cNvSpPr>
+          <p:nvPr/>
+        </p:nvSpPr>
+        <p:spPr>
+          <a:xfrm>
+            <a:off x="6149340" y="2194561"/>
+            <a:ext cx="5692140" cy="4024124"/>
+          </a:xfrm>
+          <a:prstGeom prst="rect">
+            <a:avLst/>
+          </a:prstGeom>
+        </p:spPr>
+        <p:txBody>
+          <a:bodyPr vert="horz" lIns="91440" tIns="45720" rIns="91440" bIns="45720" rtlCol="0">
+            <a:normAutofit/>
+          </a:bodyPr>
+          <a:lstStyle>
+            <a:lvl1pPr marL="228600" indent="-228600" algn="l" defTabSz="914400" rtl="0" eaLnBrk="1" latinLnBrk="0" hangingPunct="1">
+              <a:lnSpc>
+                <a:spcPct val="90000"/>
+              </a:lnSpc>
+              <a:spcBef>
+                <a:spcPts val="1000"/>
+              </a:spcBef>
+              <a:buFont typeface="Arial" panose="020B0604020202020204" pitchFamily="34" charset="0"/>
+              <a:buChar char="•"/>
+              <a:defRPr sz="2200" kern="1200">
+                <a:solidFill>
+                  <a:schemeClr val="tx1"/>
+                </a:solidFill>
+                <a:latin typeface="+mn-lt"/>
+                <a:ea typeface="+mn-ea"/>
+                <a:cs typeface="+mn-cs"/>
+              </a:defRPr>
+            </a:lvl1pPr>
+            <a:lvl2pPr marL="685800" indent="-228600" algn="l" defTabSz="914400" rtl="0" eaLnBrk="1" latinLnBrk="0" hangingPunct="1">
+              <a:lnSpc>
+                <a:spcPct val="90000"/>
+              </a:lnSpc>
+              <a:spcBef>
+                <a:spcPts val="500"/>
+              </a:spcBef>
+              <a:buFont typeface="Arial" panose="020B0604020202020204" pitchFamily="34" charset="0"/>
+              <a:buChar char="•"/>
+              <a:defRPr sz="2000" kern="1200">
+                <a:solidFill>
+                  <a:schemeClr val="tx1"/>
+                </a:solidFill>
+                <a:latin typeface="+mn-lt"/>
+                <a:ea typeface="+mn-ea"/>
+                <a:cs typeface="+mn-cs"/>
+              </a:defRPr>
+            </a:lvl2pPr>
+            <a:lvl3pPr marL="1143000" indent="-228600" algn="l" defTabSz="914400" rtl="0" eaLnBrk="1" latinLnBrk="0" hangingPunct="1">
+              <a:lnSpc>
+                <a:spcPct val="90000"/>
+              </a:lnSpc>
+              <a:spcBef>
+                <a:spcPts val="500"/>
+              </a:spcBef>
+              <a:buFont typeface="Arial" panose="020B0604020202020204" pitchFamily="34" charset="0"/>
+              <a:buChar char="•"/>
+              <a:defRPr sz="1800" kern="1200">
+                <a:solidFill>
+                  <a:schemeClr val="tx1"/>
+                </a:solidFill>
+                <a:latin typeface="+mn-lt"/>
+                <a:ea typeface="+mn-ea"/>
+                <a:cs typeface="+mn-cs"/>
+              </a:defRPr>
+            </a:lvl3pPr>
+            <a:lvl4pPr marL="1600200" indent="-228600" algn="l" defTabSz="914400" rtl="0" eaLnBrk="1" latinLnBrk="0" hangingPunct="1">
+              <a:lnSpc>
+                <a:spcPct val="90000"/>
+              </a:lnSpc>
+              <a:spcBef>
+                <a:spcPts val="500"/>
+              </a:spcBef>
+              <a:buFont typeface="Arial" panose="020B0604020202020204" pitchFamily="34" charset="0"/>
+              <a:buChar char="•"/>
+              <a:defRPr sz="1600" kern="1200">
+                <a:solidFill>
+                  <a:schemeClr val="tx1"/>
+                </a:solidFill>
+                <a:latin typeface="+mn-lt"/>
+                <a:ea typeface="+mn-ea"/>
+                <a:cs typeface="+mn-cs"/>
+              </a:defRPr>
+            </a:lvl4pPr>
+            <a:lvl5pPr marL="2057400" indent="-228600" algn="l" defTabSz="914400" rtl="0" eaLnBrk="1" latinLnBrk="0" hangingPunct="1">
+              <a:lnSpc>
+                <a:spcPct val="90000"/>
+              </a:lnSpc>
+              <a:spcBef>
+                <a:spcPts val="500"/>
+              </a:spcBef>
+              <a:buFont typeface="Arial" panose="020B0604020202020204" pitchFamily="34" charset="0"/>
+              <a:buChar char="•"/>
+              <a:defRPr sz="1600" kern="1200">
+                <a:solidFill>
+                  <a:schemeClr val="tx1"/>
+                </a:solidFill>
+                <a:latin typeface="+mn-lt"/>
+                <a:ea typeface="+mn-ea"/>
+                <a:cs typeface="+mn-cs"/>
+              </a:defRPr>
+            </a:lvl5pPr>
+            <a:lvl6pPr marL="2514600" indent="-228600" algn="l" defTabSz="914400" rtl="0" eaLnBrk="1" latinLnBrk="0" hangingPunct="1">
+              <a:lnSpc>
+                <a:spcPct val="90000"/>
+              </a:lnSpc>
+              <a:spcBef>
+                <a:spcPts val="500"/>
+              </a:spcBef>
+              <a:buFont typeface="Arial" panose="020B0604020202020204" pitchFamily="34" charset="0"/>
+              <a:buChar char="•"/>
+              <a:defRPr sz="1600" kern="1200">
+                <a:solidFill>
+                  <a:schemeClr val="tx1"/>
+                </a:solidFill>
+                <a:latin typeface="+mn-lt"/>
+                <a:ea typeface="+mn-ea"/>
+                <a:cs typeface="+mn-cs"/>
+              </a:defRPr>
+            </a:lvl6pPr>
+            <a:lvl7pPr marL="2971800" indent="-228600" algn="l" defTabSz="914400" rtl="0" eaLnBrk="1" latinLnBrk="0" hangingPunct="1">
+              <a:lnSpc>
+                <a:spcPct val="90000"/>
+              </a:lnSpc>
+              <a:spcBef>
+                <a:spcPts val="500"/>
+              </a:spcBef>
+              <a:buFont typeface="Arial" panose="020B0604020202020204" pitchFamily="34" charset="0"/>
+              <a:buChar char="•"/>
+              <a:defRPr sz="1600" kern="1200">
+                <a:solidFill>
+                  <a:schemeClr val="tx1"/>
+                </a:solidFill>
+                <a:latin typeface="+mn-lt"/>
+                <a:ea typeface="+mn-ea"/>
+                <a:cs typeface="+mn-cs"/>
+              </a:defRPr>
+            </a:lvl7pPr>
+            <a:lvl8pPr marL="3429000" indent="-228600" algn="l" defTabSz="914400" rtl="0" eaLnBrk="1" latinLnBrk="0" hangingPunct="1">
+              <a:lnSpc>
+                <a:spcPct val="90000"/>
+              </a:lnSpc>
+              <a:spcBef>
+                <a:spcPts val="500"/>
+              </a:spcBef>
+              <a:buFont typeface="Arial" panose="020B0604020202020204" pitchFamily="34" charset="0"/>
+              <a:buChar char="•"/>
+              <a:defRPr sz="1600" kern="1200">
+                <a:solidFill>
+                  <a:schemeClr val="tx1"/>
+                </a:solidFill>
+                <a:latin typeface="+mn-lt"/>
+                <a:ea typeface="+mn-ea"/>
+                <a:cs typeface="+mn-cs"/>
+              </a:defRPr>
+            </a:lvl8pPr>
+            <a:lvl9pPr marL="3886200" indent="-228600" algn="l" defTabSz="914400" rtl="0" eaLnBrk="1" latinLnBrk="0" hangingPunct="1">
+              <a:lnSpc>
+                <a:spcPct val="90000"/>
+              </a:lnSpc>
+              <a:spcBef>
+                <a:spcPts val="500"/>
+              </a:spcBef>
+              <a:buFont typeface="Arial" panose="020B0604020202020204" pitchFamily="34" charset="0"/>
+              <a:buChar char="•"/>
+              <a:defRPr sz="1600" kern="1200">
+                <a:solidFill>
+                  <a:schemeClr val="tx1"/>
+                </a:solidFill>
+                <a:latin typeface="+mn-lt"/>
+                <a:ea typeface="+mn-ea"/>
+                <a:cs typeface="+mn-cs"/>
+              </a:defRPr>
+            </a:lvl9pPr>
+          </a:lstStyle>
+          <a:p>
+            <a:pPr marL="0" indent="0">
+              <a:buNone/>
+            </a:pPr>
+            <a:endParaRPr lang="da-DK" dirty="0" smtClean="0"/>
+          </a:p>
+          <a:p>
+            <a:endParaRPr lang="da-DK" dirty="0" smtClean="0"/>
+          </a:p>
+          <a:p>
+            <a:endParaRPr lang="da-DK" dirty="0" smtClean="0"/>
+          </a:p>
+          <a:p>
+            <a:endParaRPr lang="da-DK" dirty="0" smtClean="0"/>
+          </a:p>
+          <a:p>
+            <a:endParaRPr lang="da-DK" dirty="0" smtClean="0"/>
+          </a:p>
+          <a:p>
+            <a:endParaRPr lang="da-DK" dirty="0" smtClean="0"/>
+          </a:p>
+          <a:p>
             <a:r>
               <a:rPr lang="da-DK" dirty="0" smtClean="0"/>
-              <a:t>.</a:t>
-            </a:r>
-          </a:p>
-          <a:p>
-            <a:pPr lvl="1"/>
-            <a:r>
-              <a:rPr lang="da-DK" dirty="0"/>
-              <a:t>Indgangsimpedans</a:t>
-            </a:r>
-          </a:p>
-          <a:p>
-            <a:pPr lvl="1"/>
-            <a:r>
-              <a:rPr lang="da-DK" dirty="0"/>
-              <a:t>Common mode </a:t>
-            </a:r>
-            <a:r>
-              <a:rPr lang="da-DK" dirty="0" err="1" smtClean="0"/>
-              <a:t>rejection</a:t>
-            </a:r>
-            <a:endParaRPr lang="da-DK" dirty="0"/>
-          </a:p>
-          <a:p>
-            <a:endParaRPr lang="da-DK" dirty="0" smtClean="0"/>
-          </a:p>
-          <a:p>
-            <a:r>
-              <a:rPr lang="da-DK" dirty="0" smtClean="0"/>
-              <a:t>Dynamikområde</a:t>
-            </a:r>
-          </a:p>
-          <a:p>
-            <a:endParaRPr lang="da-DK" dirty="0"/>
-          </a:p>
-          <a:p>
-            <a:r>
-              <a:rPr lang="da-DK" dirty="0" err="1" smtClean="0"/>
-              <a:t>Analogdiscovery</a:t>
-            </a:r>
-            <a:r>
-              <a:rPr lang="da-DK" dirty="0" smtClean="0"/>
-              <a:t> frem for batteri</a:t>
-            </a:r>
-          </a:p>
-          <a:p>
-            <a:pPr lvl="1"/>
-            <a:r>
-              <a:rPr lang="da-DK" smtClean="0"/>
-              <a:t>Stabilitet </a:t>
-            </a:r>
-            <a:endParaRPr lang="da-DK" dirty="0" smtClean="0"/>
-          </a:p>
-          <a:p>
-            <a:endParaRPr lang="da-DK" dirty="0"/>
-          </a:p>
-          <a:p>
-            <a:endParaRPr lang="da-DK" dirty="0" smtClean="0"/>
-          </a:p>
-          <a:p>
-            <a:endParaRPr lang="da-DK" dirty="0"/>
-          </a:p>
-          <a:p>
-            <a:endParaRPr lang="da-DK" dirty="0"/>
-          </a:p>
-        </p:txBody>
-      </p:sp>
+              <a:t>Filter</a:t>
+            </a:r>
+          </a:p>
+        </p:txBody>
+      </p:sp>
+      <p:pic>
+        <p:nvPicPr>
+          <p:cNvPr id="6" name="Billede 5"/>
+          <p:cNvPicPr>
+            <a:picLocks noChangeAspect="1"/>
+          </p:cNvPicPr>
+          <p:nvPr/>
+        </p:nvPicPr>
+        <p:blipFill>
+          <a:blip r:embed="rId3"/>
+          <a:stretch>
+            <a:fillRect/>
+          </a:stretch>
+        </p:blipFill>
+        <p:spPr>
+          <a:xfrm>
+            <a:off x="443865" y="4155569"/>
+            <a:ext cx="4857750" cy="2200275"/>
+          </a:xfrm>
+          <a:prstGeom prst="rect">
+            <a:avLst/>
+          </a:prstGeom>
+        </p:spPr>
+      </p:pic>
     </p:spTree>
     <p:extLst>
       <p:ext uri="{BB962C8B-B14F-4D97-AF65-F5344CB8AC3E}">
-        <p14:creationId xmlns:p14="http://schemas.microsoft.com/office/powerpoint/2010/main" val="1977555632"/>
+        <p14:creationId xmlns:p14="http://schemas.microsoft.com/office/powerpoint/2010/main" val="1490474087"/>
       </p:ext>
     </p:extLst>
   </p:cSld>
@@ -7465,7 +7701,7 @@
   <a:extraClrSchemeLst/>
   <a:extLst>
     <a:ext uri="{05A4C25C-085E-4340-85A3-A5531E510DB2}">
-      <thm15:themeFamily xmlns="" xmlns:thm15="http://schemas.microsoft.com/office/thememl/2012/main" name="Vapor Trail" id="{4FDF2955-7D9C-493C-B9F9-C205151B46CD}" vid="{8F31A783-2159-4870-BC29-2BA7D038EA44}"/>
+      <thm15:themeFamily xmlns:thm15="http://schemas.microsoft.com/office/thememl/2012/main" name="Vapor Trail" id="{4FDF2955-7D9C-493C-B9F9-C205151B46CD}" vid="{8F31A783-2159-4870-BC29-2BA7D038EA44}"/>
     </a:ext>
   </a:extLst>
 </a:theme>

--- a/Bifiler til projekt/Semesterprojekt 3.pptx
+++ b/Bifiler til projekt/Semesterprojekt 3.pptx
@@ -7305,46 +7305,64 @@
           <a:lstStyle/>
           <a:p>
             <a:r>
-              <a:rPr lang="da-DK" dirty="0"/>
-              <a:t>Billede af begges kredsløbstegninger </a:t>
-            </a:r>
-          </a:p>
-          <a:p>
-            <a:r>
-              <a:rPr lang="da-DK" dirty="0"/>
-              <a:t>Instrumenteringsforstærkeren – og hvorfor den er fantastisk! </a:t>
-            </a:r>
+              <a:rPr lang="da-DK" dirty="0" smtClean="0"/>
+              <a:t>To fumlebræt</a:t>
+            </a:r>
+          </a:p>
+          <a:p>
             <a:endParaRPr lang="da-DK" dirty="0" smtClean="0"/>
           </a:p>
           <a:p>
             <a:r>
               <a:rPr lang="da-DK" dirty="0" smtClean="0"/>
-              <a:t>Reelle teorier kontra de teoretiske – </a:t>
-            </a:r>
-            <a:r>
-              <a:rPr lang="da-DK" dirty="0" err="1" smtClean="0"/>
-              <a:t>f.eks</a:t>
-            </a:r>
+              <a:t>Ideelle kontra reelle værdier</a:t>
+            </a:r>
+          </a:p>
+          <a:p>
+            <a:pPr lvl="1"/>
             <a:r>
               <a:rPr lang="da-DK" dirty="0" smtClean="0"/>
-              <a:t> knækfrekvenser. </a:t>
-            </a:r>
+              <a:t>Knækfrekvens </a:t>
+            </a:r>
+          </a:p>
+          <a:p>
+            <a:endParaRPr lang="da-DK" dirty="0" smtClean="0"/>
           </a:p>
           <a:p>
             <a:endParaRPr lang="da-DK" dirty="0"/>
           </a:p>
-          <a:p>
-            <a:endParaRPr lang="da-DK" dirty="0" smtClean="0"/>
-          </a:p>
-          <a:p>
-            <a:r>
-              <a:rPr lang="da-DK" dirty="0" smtClean="0"/>
-              <a:t>Freja – 3 minutter</a:t>
-            </a:r>
-            <a:endParaRPr lang="da-DK" dirty="0"/>
-          </a:p>
-        </p:txBody>
-      </p:sp>
+        </p:txBody>
+      </p:sp>
+      <p:pic>
+        <p:nvPicPr>
+          <p:cNvPr id="4" name="Billede 3"/>
+          <p:cNvPicPr>
+            <a:picLocks noChangeAspect="1"/>
+          </p:cNvPicPr>
+          <p:nvPr/>
+        </p:nvPicPr>
+        <p:blipFill>
+          <a:blip r:embed="rId2">
+            <a:extLst>
+              <a:ext uri="{28A0092B-C50C-407E-A947-70E740481C1C}">
+                <a14:useLocalDpi xmlns:a14="http://schemas.microsoft.com/office/drawing/2010/main" val="0"/>
+              </a:ext>
+            </a:extLst>
+          </a:blip>
+          <a:stretch>
+            <a:fillRect/>
+          </a:stretch>
+        </p:blipFill>
+        <p:spPr>
+          <a:xfrm>
+            <a:off x="5229765" y="1867908"/>
+            <a:ext cx="6677957" cy="4677428"/>
+          </a:xfrm>
+          <a:prstGeom prst="rect">
+            <a:avLst/>
+          </a:prstGeom>
+        </p:spPr>
+      </p:pic>
     </p:spTree>
     <p:extLst>
       <p:ext uri="{BB962C8B-B14F-4D97-AF65-F5344CB8AC3E}">

--- a/Bifiler til projekt/Semesterprojekt 3.pptx
+++ b/Bifiler til projekt/Semesterprojekt 3.pptx
@@ -6078,15 +6078,19 @@
         </p:nvSpPr>
         <p:spPr/>
         <p:txBody>
-          <a:bodyPr/>
+          <a:bodyPr>
+            <a:normAutofit lnSpcReduction="10000"/>
+          </a:bodyPr>
           <a:lstStyle/>
           <a:p>
             <a:r>
               <a:rPr lang="da-DK" dirty="0" smtClean="0"/>
-              <a:t>Software test – Mads - ½ minut</a:t>
-            </a:r>
-          </a:p>
-          <a:p>
+              <a:t>Software </a:t>
+            </a:r>
+            <a:r>
+              <a:rPr lang="da-DK" dirty="0" smtClean="0"/>
+              <a:t>test</a:t>
+            </a:r>
             <a:endParaRPr lang="da-DK" dirty="0"/>
           </a:p>
           <a:p>
@@ -6097,27 +6101,77 @@
               <a:rPr lang="da-DK" dirty="0" smtClean="0"/>
               <a:t> </a:t>
             </a:r>
+            <a:endParaRPr lang="da-DK" dirty="0" smtClean="0"/>
+          </a:p>
+          <a:p>
+            <a:pPr marL="0" indent="0">
+              <a:buNone/>
+            </a:pPr>
+            <a:endParaRPr lang="da-DK" dirty="0" smtClean="0"/>
           </a:p>
           <a:p>
             <a:r>
               <a:rPr lang="da-DK" dirty="0" smtClean="0"/>
-              <a:t>Hardware test – Nicoline 1½ minut</a:t>
-            </a:r>
+              <a:t>Hardware </a:t>
+            </a:r>
+            <a:r>
+              <a:rPr lang="da-DK" dirty="0" smtClean="0"/>
+              <a:t>test</a:t>
+            </a:r>
+          </a:p>
+          <a:p>
+            <a:endParaRPr lang="da-DK" dirty="0" smtClean="0"/>
           </a:p>
           <a:p>
             <a:endParaRPr lang="da-DK" dirty="0"/>
           </a:p>
           <a:p>
+            <a:r>
+              <a:rPr lang="da-DK" dirty="0"/>
+              <a:t>CAVE-Lab</a:t>
+            </a:r>
+          </a:p>
+          <a:p>
             <a:endParaRPr lang="da-DK" dirty="0" smtClean="0"/>
           </a:p>
           <a:p>
-            <a:r>
-              <a:rPr lang="da-DK" dirty="0" smtClean="0"/>
-              <a:t>Samlet test – Nicoline – 1 minut</a:t>
-            </a:r>
-          </a:p>
-        </p:txBody>
-      </p:sp>
+            <a:endParaRPr lang="da-DK" dirty="0"/>
+          </a:p>
+          <a:p>
+            <a:r>
+              <a:rPr lang="da-DK" dirty="0"/>
+              <a:t>Samlet system</a:t>
+            </a:r>
+          </a:p>
+          <a:p>
+            <a:endParaRPr lang="da-DK" dirty="0" smtClean="0"/>
+          </a:p>
+        </p:txBody>
+      </p:sp>
+      <p:pic>
+        <p:nvPicPr>
+          <p:cNvPr id="4" name="Billede 3"/>
+          <p:cNvPicPr>
+            <a:picLocks noChangeAspect="1"/>
+          </p:cNvPicPr>
+          <p:nvPr/>
+        </p:nvPicPr>
+        <p:blipFill>
+          <a:blip r:embed="rId2"/>
+          <a:stretch>
+            <a:fillRect/>
+          </a:stretch>
+        </p:blipFill>
+        <p:spPr>
+          <a:xfrm>
+            <a:off x="5966829" y="2194560"/>
+            <a:ext cx="5675935" cy="3832753"/>
+          </a:xfrm>
+          <a:prstGeom prst="rect">
+            <a:avLst/>
+          </a:prstGeom>
+        </p:spPr>
+      </p:pic>
     </p:spTree>
     <p:extLst>
       <p:ext uri="{BB962C8B-B14F-4D97-AF65-F5344CB8AC3E}">
@@ -6188,59 +6242,148 @@
         </p:nvSpPr>
         <p:spPr/>
         <p:txBody>
-          <a:bodyPr/>
-          <a:lstStyle/>
-          <a:p>
+          <a:bodyPr>
+            <a:normAutofit lnSpcReduction="10000"/>
+          </a:bodyPr>
+          <a:lstStyle/>
+          <a:p>
+            <a:pPr marL="0" indent="0">
+              <a:buNone/>
+            </a:pPr>
             <a:r>
               <a:rPr lang="da-DK" dirty="0" smtClean="0"/>
-              <a:t>Hulprint – Helst skal alt samles på et print. </a:t>
-            </a:r>
-          </a:p>
-          <a:p>
-            <a:endParaRPr lang="da-DK" dirty="0"/>
-          </a:p>
-          <a:p>
+              <a:t>Efter aflevering</a:t>
+            </a:r>
+          </a:p>
+          <a:p>
+            <a:pPr marL="0" indent="0">
+              <a:buNone/>
+            </a:pPr>
             <a:r>
               <a:rPr lang="da-DK" dirty="0" smtClean="0"/>
-              <a:t>EPJ kompatibilitet </a:t>
-            </a:r>
-          </a:p>
-          <a:p>
-            <a:endParaRPr lang="da-DK" dirty="0"/>
-          </a:p>
-          <a:p>
+              <a:t>        - </a:t>
+            </a:r>
             <a:r>
               <a:rPr lang="da-DK" dirty="0" err="1" smtClean="0"/>
-              <a:t>Bib</a:t>
-            </a:r>
+              <a:t>Veroboard</a:t>
+            </a:r>
+            <a:endParaRPr lang="da-DK" dirty="0" smtClean="0"/>
+          </a:p>
+          <a:p>
+            <a:pPr marL="0" indent="0">
+              <a:buNone/>
+            </a:pPr>
             <a:r>
               <a:rPr lang="da-DK" dirty="0" smtClean="0"/>
-              <a:t>-lyd til puls </a:t>
-            </a:r>
-          </a:p>
-          <a:p>
-            <a:endParaRPr lang="da-DK" dirty="0"/>
-          </a:p>
-          <a:p>
+              <a:t>        - Lyd ved puls</a:t>
+            </a:r>
+          </a:p>
+          <a:p>
+            <a:pPr marL="0" indent="0">
+              <a:buNone/>
+            </a:pPr>
+            <a:endParaRPr lang="da-DK" dirty="0" smtClean="0"/>
+          </a:p>
+          <a:p>
+            <a:pPr marL="0" indent="0">
+              <a:buNone/>
+            </a:pPr>
             <a:r>
               <a:rPr lang="da-DK" dirty="0" smtClean="0"/>
-              <a:t>Tidsakse </a:t>
-            </a:r>
-          </a:p>
-          <a:p>
-            <a:endParaRPr lang="da-DK" dirty="0"/>
-          </a:p>
-          <a:p>
+              <a:t>Næste skridt</a:t>
+            </a:r>
+          </a:p>
+          <a:p>
+            <a:pPr marL="0" indent="0">
+              <a:buNone/>
+            </a:pPr>
             <a:r>
               <a:rPr lang="da-DK" dirty="0" smtClean="0"/>
-              <a:t>Nicoline – 1 minut</a:t>
-            </a:r>
-          </a:p>
-          <a:p>
-            <a:endParaRPr lang="da-DK" dirty="0"/>
-          </a:p>
-        </p:txBody>
-      </p:sp>
+              <a:t>        - </a:t>
+            </a:r>
+            <a:r>
+              <a:rPr lang="da-DK" dirty="0" err="1" smtClean="0"/>
+              <a:t>Delay</a:t>
+            </a:r>
+            <a:r>
+              <a:rPr lang="da-DK" dirty="0" smtClean="0"/>
+              <a:t> på tidsakse</a:t>
+            </a:r>
+          </a:p>
+          <a:p>
+            <a:pPr marL="0" indent="0">
+              <a:buNone/>
+            </a:pPr>
+            <a:r>
+              <a:rPr lang="da-DK" dirty="0"/>
+              <a:t> </a:t>
+            </a:r>
+            <a:r>
+              <a:rPr lang="da-DK" dirty="0" smtClean="0"/>
+              <a:t>       - Automatisk kalibrering</a:t>
+            </a:r>
+          </a:p>
+          <a:p>
+            <a:pPr marL="0" indent="0">
+              <a:buNone/>
+            </a:pPr>
+            <a:endParaRPr lang="da-DK" dirty="0" smtClean="0"/>
+          </a:p>
+          <a:p>
+            <a:pPr marL="0" indent="0">
+              <a:buNone/>
+            </a:pPr>
+            <a:r>
+              <a:rPr lang="da-DK" dirty="0" smtClean="0"/>
+              <a:t> På længere sigt</a:t>
+            </a:r>
+          </a:p>
+          <a:p>
+            <a:pPr marL="0" indent="0">
+              <a:buNone/>
+            </a:pPr>
+            <a:r>
+              <a:rPr lang="da-DK" dirty="0"/>
+              <a:t> </a:t>
+            </a:r>
+            <a:r>
+              <a:rPr lang="da-DK" dirty="0" smtClean="0"/>
+              <a:t>       - EPJ kompatibilitet</a:t>
+            </a:r>
+            <a:endParaRPr lang="da-DK" dirty="0" smtClean="0"/>
+          </a:p>
+        </p:txBody>
+      </p:sp>
+      <p:pic>
+        <p:nvPicPr>
+          <p:cNvPr id="4" name="Billede 3"/>
+          <p:cNvPicPr>
+            <a:picLocks noChangeAspect="1"/>
+          </p:cNvPicPr>
+          <p:nvPr/>
+        </p:nvPicPr>
+        <p:blipFill>
+          <a:blip r:embed="rId2">
+            <a:extLst>
+              <a:ext uri="{28A0092B-C50C-407E-A947-70E740481C1C}">
+                <a14:useLocalDpi xmlns:a14="http://schemas.microsoft.com/office/drawing/2010/main" val="0"/>
+              </a:ext>
+            </a:extLst>
+          </a:blip>
+          <a:stretch>
+            <a:fillRect/>
+          </a:stretch>
+        </p:blipFill>
+        <p:spPr>
+          <a:xfrm>
+            <a:off x="7632878" y="2194560"/>
+            <a:ext cx="3404315" cy="3769063"/>
+          </a:xfrm>
+          <a:prstGeom prst="rect">
+            <a:avLst/>
+          </a:prstGeom>
+        </p:spPr>
+      </p:pic>
     </p:spTree>
     <p:extLst>
       <p:ext uri="{BB962C8B-B14F-4D97-AF65-F5344CB8AC3E}">

--- a/Bifiler til projekt/Semesterprojekt 3.pptx
+++ b/Bifiler til projekt/Semesterprojekt 3.pptx
@@ -5785,8 +5785,8 @@
           <a:lstStyle/>
           <a:p>
             <a:r>
-              <a:rPr lang="da-DK" dirty="0" smtClean="0"/>
-              <a:t>Sekvensdiagram og applikations model</a:t>
+              <a:rPr lang="da-DK" dirty="0" err="1" smtClean="0"/>
+              <a:t>SOftwareudvikling</a:t>
             </a:r>
             <a:endParaRPr lang="da-DK" dirty="0"/>
           </a:p>
@@ -5810,7 +5810,7 @@
         </p:blipFill>
         <p:spPr>
           <a:xfrm>
-            <a:off x="504824" y="2057401"/>
+            <a:off x="416312" y="2469996"/>
             <a:ext cx="5550287" cy="4098072"/>
           </a:xfrm>
           <a:prstGeom prst="rect">
@@ -5832,7 +5832,7 @@
         </p:blipFill>
         <p:spPr>
           <a:xfrm>
-            <a:off x="5966599" y="3156577"/>
+            <a:off x="5966599" y="3491114"/>
             <a:ext cx="6120130" cy="1637665"/>
           </a:xfrm>
           <a:prstGeom prst="rect">
@@ -5840,6 +5840,74 @@
           </a:prstGeom>
         </p:spPr>
       </p:pic>
+      <p:sp>
+        <p:nvSpPr>
+          <p:cNvPr id="3" name="Tekstfelt 2"/>
+          <p:cNvSpPr txBox="1"/>
+          <p:nvPr/>
+        </p:nvSpPr>
+        <p:spPr>
+          <a:xfrm>
+            <a:off x="416312" y="2057401"/>
+            <a:ext cx="2479288" cy="369332"/>
+          </a:xfrm>
+          <a:prstGeom prst="rect">
+            <a:avLst/>
+          </a:prstGeom>
+          <a:noFill/>
+        </p:spPr>
+        <p:txBody>
+          <a:bodyPr wrap="square" rtlCol="0">
+            <a:spAutoFit/>
+          </a:bodyPr>
+          <a:lstStyle/>
+          <a:p>
+            <a:pPr marL="285750" indent="-285750">
+              <a:buFont typeface="Arial" panose="020B0604020202020204" pitchFamily="34" charset="0"/>
+              <a:buChar char="•"/>
+            </a:pPr>
+            <a:r>
+              <a:rPr lang="da-DK" dirty="0" smtClean="0"/>
+              <a:t>Sekvensdiagram</a:t>
+            </a:r>
+            <a:endParaRPr lang="da-DK" dirty="0"/>
+          </a:p>
+        </p:txBody>
+      </p:sp>
+      <p:sp>
+        <p:nvSpPr>
+          <p:cNvPr id="6" name="Tekstfelt 5"/>
+          <p:cNvSpPr txBox="1"/>
+          <p:nvPr/>
+        </p:nvSpPr>
+        <p:spPr>
+          <a:xfrm>
+            <a:off x="6122020" y="2977376"/>
+            <a:ext cx="2598234" cy="369332"/>
+          </a:xfrm>
+          <a:prstGeom prst="rect">
+            <a:avLst/>
+          </a:prstGeom>
+          <a:noFill/>
+        </p:spPr>
+        <p:txBody>
+          <a:bodyPr wrap="square" rtlCol="0">
+            <a:spAutoFit/>
+          </a:bodyPr>
+          <a:lstStyle/>
+          <a:p>
+            <a:pPr marL="285750" indent="-285750">
+              <a:buFont typeface="Arial" panose="020B0604020202020204" pitchFamily="34" charset="0"/>
+              <a:buChar char="•"/>
+            </a:pPr>
+            <a:r>
+              <a:rPr lang="da-DK" dirty="0" smtClean="0"/>
+              <a:t>Applikationsmodel</a:t>
+            </a:r>
+            <a:endParaRPr lang="da-DK" dirty="0"/>
+          </a:p>
+        </p:txBody>
+      </p:sp>
     </p:spTree>
     <p:extLst>
       <p:ext uri="{BB962C8B-B14F-4D97-AF65-F5344CB8AC3E}">
@@ -5887,7 +5955,7 @@
           <a:p>
             <a:r>
               <a:rPr lang="da-DK" dirty="0" smtClean="0"/>
-              <a:t>Klassediagram</a:t>
+              <a:t>Softwareudvikling</a:t>
             </a:r>
             <a:endParaRPr lang="da-DK" dirty="0"/>
           </a:p>
@@ -5911,14 +5979,48 @@
         </p:blipFill>
         <p:spPr>
           <a:xfrm>
-            <a:off x="2081676" y="1725748"/>
-            <a:ext cx="7954422" cy="4931530"/>
+            <a:off x="3389969" y="2174488"/>
+            <a:ext cx="7337503" cy="4393580"/>
           </a:xfrm>
           <a:prstGeom prst="rect">
             <a:avLst/>
           </a:prstGeom>
         </p:spPr>
       </p:pic>
+      <p:sp>
+        <p:nvSpPr>
+          <p:cNvPr id="5" name="Tekstfelt 4"/>
+          <p:cNvSpPr txBox="1"/>
+          <p:nvPr/>
+        </p:nvSpPr>
+        <p:spPr>
+          <a:xfrm>
+            <a:off x="390293" y="2174488"/>
+            <a:ext cx="2196790" cy="369332"/>
+          </a:xfrm>
+          <a:prstGeom prst="rect">
+            <a:avLst/>
+          </a:prstGeom>
+          <a:noFill/>
+        </p:spPr>
+        <p:txBody>
+          <a:bodyPr wrap="square" rtlCol="0">
+            <a:spAutoFit/>
+          </a:bodyPr>
+          <a:lstStyle/>
+          <a:p>
+            <a:pPr marL="285750" indent="-285750">
+              <a:buFont typeface="Arial" panose="020B0604020202020204" pitchFamily="34" charset="0"/>
+              <a:buChar char="•"/>
+            </a:pPr>
+            <a:r>
+              <a:rPr lang="da-DK" dirty="0" smtClean="0"/>
+              <a:t>Klassediagram</a:t>
+            </a:r>
+            <a:endParaRPr lang="da-DK" dirty="0"/>
+          </a:p>
+        </p:txBody>
+      </p:sp>
     </p:spTree>
     <p:extLst>
       <p:ext uri="{BB962C8B-B14F-4D97-AF65-F5344CB8AC3E}">
@@ -6085,11 +6187,7 @@
           <a:p>
             <a:r>
               <a:rPr lang="da-DK" dirty="0" smtClean="0"/>
-              <a:t>Software </a:t>
-            </a:r>
-            <a:r>
-              <a:rPr lang="da-DK" dirty="0" smtClean="0"/>
-              <a:t>test</a:t>
+              <a:t>Software test</a:t>
             </a:r>
             <a:endParaRPr lang="da-DK" dirty="0"/>
           </a:p>
@@ -6101,7 +6199,6 @@
               <a:rPr lang="da-DK" dirty="0" smtClean="0"/>
               <a:t> </a:t>
             </a:r>
-            <a:endParaRPr lang="da-DK" dirty="0" smtClean="0"/>
           </a:p>
           <a:p>
             <a:pPr marL="0" indent="0">
@@ -6112,11 +6209,7 @@
           <a:p>
             <a:r>
               <a:rPr lang="da-DK" dirty="0" smtClean="0"/>
-              <a:t>Hardware </a:t>
-            </a:r>
-            <a:r>
-              <a:rPr lang="da-DK" dirty="0" smtClean="0"/>
-              <a:t>test</a:t>
+              <a:t>Hardware test</a:t>
             </a:r>
           </a:p>
           <a:p>
@@ -6350,7 +6443,6 @@
               <a:rPr lang="da-DK" dirty="0" smtClean="0"/>
               <a:t>       - EPJ kompatibilitet</a:t>
             </a:r>
-            <a:endParaRPr lang="da-DK" dirty="0" smtClean="0"/>
           </a:p>
         </p:txBody>
       </p:sp>
@@ -7577,14 +7669,48 @@
         </p:blipFill>
         <p:spPr>
           <a:xfrm>
-            <a:off x="1719959" y="1806943"/>
-            <a:ext cx="8896002" cy="4839184"/>
+            <a:off x="3064728" y="1912434"/>
+            <a:ext cx="8441472" cy="4510667"/>
           </a:xfrm>
           <a:prstGeom prst="rect">
             <a:avLst/>
           </a:prstGeom>
         </p:spPr>
       </p:pic>
+      <p:sp>
+        <p:nvSpPr>
+          <p:cNvPr id="3" name="Tekstfelt 2"/>
+          <p:cNvSpPr txBox="1"/>
+          <p:nvPr/>
+        </p:nvSpPr>
+        <p:spPr>
+          <a:xfrm>
+            <a:off x="289932" y="2057401"/>
+            <a:ext cx="2397512" cy="369332"/>
+          </a:xfrm>
+          <a:prstGeom prst="rect">
+            <a:avLst/>
+          </a:prstGeom>
+          <a:noFill/>
+        </p:spPr>
+        <p:txBody>
+          <a:bodyPr wrap="square" rtlCol="0">
+            <a:spAutoFit/>
+          </a:bodyPr>
+          <a:lstStyle/>
+          <a:p>
+            <a:pPr marL="285750" indent="-285750">
+              <a:buFont typeface="Arial" panose="020B0604020202020204" pitchFamily="34" charset="0"/>
+              <a:buChar char="•"/>
+            </a:pPr>
+            <a:r>
+              <a:rPr lang="da-DK" dirty="0" smtClean="0"/>
+              <a:t>Domænemodel</a:t>
+            </a:r>
+            <a:endParaRPr lang="da-DK" dirty="0"/>
+          </a:p>
+        </p:txBody>
+      </p:sp>
     </p:spTree>
     <p:extLst>
       <p:ext uri="{BB962C8B-B14F-4D97-AF65-F5344CB8AC3E}">

--- a/Bifiler til projekt/Semesterprojekt 3.pptx
+++ b/Bifiler til projekt/Semesterprojekt 3.pptx
@@ -10,8 +10,8 @@
     <p:sldId id="257" r:id="rId4"/>
     <p:sldId id="262" r:id="rId5"/>
     <p:sldId id="261" r:id="rId6"/>
-    <p:sldId id="271" r:id="rId7"/>
-    <p:sldId id="274" r:id="rId8"/>
+    <p:sldId id="274" r:id="rId7"/>
+    <p:sldId id="271" r:id="rId8"/>
     <p:sldId id="266" r:id="rId9"/>
     <p:sldId id="260" r:id="rId10"/>
     <p:sldId id="268" r:id="rId11"/>
@@ -7031,150 +7031,6 @@
             <p:ph idx="1"/>
           </p:nvPr>
         </p:nvSpPr>
-        <p:spPr/>
-        <p:txBody>
-          <a:bodyPr/>
-          <a:lstStyle/>
-          <a:p>
-            <a:r>
-              <a:rPr lang="da-DK" dirty="0" smtClean="0"/>
-              <a:t>Operationsforstærker kontra </a:t>
-            </a:r>
-            <a:r>
-              <a:rPr lang="da-DK" dirty="0" err="1" smtClean="0"/>
-              <a:t>instrimentationsforstærker</a:t>
-            </a:r>
-            <a:r>
-              <a:rPr lang="da-DK" dirty="0" smtClean="0"/>
-              <a:t>.</a:t>
-            </a:r>
-          </a:p>
-          <a:p>
-            <a:pPr lvl="1"/>
-            <a:r>
-              <a:rPr lang="da-DK" dirty="0"/>
-              <a:t>Indgangsimpedans</a:t>
-            </a:r>
-          </a:p>
-          <a:p>
-            <a:pPr lvl="1"/>
-            <a:r>
-              <a:rPr lang="da-DK" dirty="0"/>
-              <a:t>Common mode </a:t>
-            </a:r>
-            <a:r>
-              <a:rPr lang="da-DK" dirty="0" err="1" smtClean="0"/>
-              <a:t>rejection</a:t>
-            </a:r>
-            <a:endParaRPr lang="da-DK" dirty="0"/>
-          </a:p>
-          <a:p>
-            <a:endParaRPr lang="da-DK" dirty="0" smtClean="0"/>
-          </a:p>
-          <a:p>
-            <a:r>
-              <a:rPr lang="da-DK" dirty="0" smtClean="0"/>
-              <a:t>Dynamikområde</a:t>
-            </a:r>
-          </a:p>
-          <a:p>
-            <a:endParaRPr lang="da-DK" dirty="0"/>
-          </a:p>
-          <a:p>
-            <a:r>
-              <a:rPr lang="da-DK" dirty="0" err="1" smtClean="0"/>
-              <a:t>Analogdiscovery</a:t>
-            </a:r>
-            <a:r>
-              <a:rPr lang="da-DK" dirty="0" smtClean="0"/>
-              <a:t> frem for batteri</a:t>
-            </a:r>
-          </a:p>
-          <a:p>
-            <a:pPr lvl="1"/>
-            <a:r>
-              <a:rPr lang="da-DK" smtClean="0"/>
-              <a:t>Stabilitet </a:t>
-            </a:r>
-            <a:endParaRPr lang="da-DK" dirty="0" smtClean="0"/>
-          </a:p>
-          <a:p>
-            <a:endParaRPr lang="da-DK" dirty="0"/>
-          </a:p>
-          <a:p>
-            <a:endParaRPr lang="da-DK" dirty="0" smtClean="0"/>
-          </a:p>
-          <a:p>
-            <a:endParaRPr lang="da-DK" dirty="0"/>
-          </a:p>
-          <a:p>
-            <a:endParaRPr lang="da-DK" dirty="0"/>
-          </a:p>
-        </p:txBody>
-      </p:sp>
-    </p:spTree>
-    <p:extLst>
-      <p:ext uri="{BB962C8B-B14F-4D97-AF65-F5344CB8AC3E}">
-        <p14:creationId xmlns:p14="http://schemas.microsoft.com/office/powerpoint/2010/main" val="1977555632"/>
-      </p:ext>
-    </p:extLst>
-  </p:cSld>
-  <p:clrMapOvr>
-    <a:masterClrMapping/>
-  </p:clrMapOvr>
-</p:sld>
-</file>
-
-<file path=ppt/slides/slide7.xml><?xml version="1.0" encoding="utf-8"?>
-<p:sld xmlns:a="http://schemas.openxmlformats.org/drawingml/2006/main" xmlns:r="http://schemas.openxmlformats.org/officeDocument/2006/relationships" xmlns:p="http://schemas.openxmlformats.org/presentationml/2006/main">
-  <p:cSld>
-    <p:spTree>
-      <p:nvGrpSpPr>
-        <p:cNvPr id="1" name=""/>
-        <p:cNvGrpSpPr/>
-        <p:nvPr/>
-      </p:nvGrpSpPr>
-      <p:grpSpPr>
-        <a:xfrm>
-          <a:off x="0" y="0"/>
-          <a:ext cx="0" cy="0"/>
-          <a:chOff x="0" y="0"/>
-          <a:chExt cx="0" cy="0"/>
-        </a:xfrm>
-      </p:grpSpPr>
-      <p:sp>
-        <p:nvSpPr>
-          <p:cNvPr id="2" name="Titel 1"/>
-          <p:cNvSpPr>
-            <a:spLocks noGrp="1"/>
-          </p:cNvSpPr>
-          <p:nvPr>
-            <p:ph type="title"/>
-          </p:nvPr>
-        </p:nvSpPr>
-        <p:spPr/>
-        <p:txBody>
-          <a:bodyPr/>
-          <a:lstStyle/>
-          <a:p>
-            <a:r>
-              <a:rPr lang="da-DK" dirty="0" smtClean="0"/>
-              <a:t>Hardwareudvikling</a:t>
-            </a:r>
-            <a:endParaRPr lang="da-DK" dirty="0"/>
-          </a:p>
-        </p:txBody>
-      </p:sp>
-      <p:sp>
-        <p:nvSpPr>
-          <p:cNvPr id="3" name="Pladsholder til indhold 2"/>
-          <p:cNvSpPr>
-            <a:spLocks noGrp="1"/>
-          </p:cNvSpPr>
-          <p:nvPr>
-            <p:ph idx="1"/>
-          </p:nvPr>
-        </p:nvSpPr>
         <p:spPr>
           <a:xfrm>
             <a:off x="685800" y="2194560"/>
@@ -7475,6 +7331,150 @@
     <p:extLst>
       <p:ext uri="{BB962C8B-B14F-4D97-AF65-F5344CB8AC3E}">
         <p14:creationId xmlns:p14="http://schemas.microsoft.com/office/powerpoint/2010/main" val="1490474087"/>
+      </p:ext>
+    </p:extLst>
+  </p:cSld>
+  <p:clrMapOvr>
+    <a:masterClrMapping/>
+  </p:clrMapOvr>
+</p:sld>
+</file>
+
+<file path=ppt/slides/slide7.xml><?xml version="1.0" encoding="utf-8"?>
+<p:sld xmlns:a="http://schemas.openxmlformats.org/drawingml/2006/main" xmlns:r="http://schemas.openxmlformats.org/officeDocument/2006/relationships" xmlns:p="http://schemas.openxmlformats.org/presentationml/2006/main">
+  <p:cSld>
+    <p:spTree>
+      <p:nvGrpSpPr>
+        <p:cNvPr id="1" name=""/>
+        <p:cNvGrpSpPr/>
+        <p:nvPr/>
+      </p:nvGrpSpPr>
+      <p:grpSpPr>
+        <a:xfrm>
+          <a:off x="0" y="0"/>
+          <a:ext cx="0" cy="0"/>
+          <a:chOff x="0" y="0"/>
+          <a:chExt cx="0" cy="0"/>
+        </a:xfrm>
+      </p:grpSpPr>
+      <p:sp>
+        <p:nvSpPr>
+          <p:cNvPr id="2" name="Titel 1"/>
+          <p:cNvSpPr>
+            <a:spLocks noGrp="1"/>
+          </p:cNvSpPr>
+          <p:nvPr>
+            <p:ph type="title"/>
+          </p:nvPr>
+        </p:nvSpPr>
+        <p:spPr/>
+        <p:txBody>
+          <a:bodyPr/>
+          <a:lstStyle/>
+          <a:p>
+            <a:r>
+              <a:rPr lang="da-DK" dirty="0" smtClean="0"/>
+              <a:t>Hardwareudvikling</a:t>
+            </a:r>
+            <a:endParaRPr lang="da-DK" dirty="0"/>
+          </a:p>
+        </p:txBody>
+      </p:sp>
+      <p:sp>
+        <p:nvSpPr>
+          <p:cNvPr id="3" name="Pladsholder til indhold 2"/>
+          <p:cNvSpPr>
+            <a:spLocks noGrp="1"/>
+          </p:cNvSpPr>
+          <p:nvPr>
+            <p:ph idx="1"/>
+          </p:nvPr>
+        </p:nvSpPr>
+        <p:spPr/>
+        <p:txBody>
+          <a:bodyPr/>
+          <a:lstStyle/>
+          <a:p>
+            <a:r>
+              <a:rPr lang="da-DK" dirty="0" smtClean="0"/>
+              <a:t>Operationsforstærker kontra </a:t>
+            </a:r>
+            <a:r>
+              <a:rPr lang="da-DK" dirty="0" err="1" smtClean="0"/>
+              <a:t>instrimentationsforstærker</a:t>
+            </a:r>
+            <a:r>
+              <a:rPr lang="da-DK" dirty="0" smtClean="0"/>
+              <a:t>.</a:t>
+            </a:r>
+          </a:p>
+          <a:p>
+            <a:pPr lvl="1"/>
+            <a:r>
+              <a:rPr lang="da-DK" dirty="0"/>
+              <a:t>Indgangsimpedans</a:t>
+            </a:r>
+          </a:p>
+          <a:p>
+            <a:pPr lvl="1"/>
+            <a:r>
+              <a:rPr lang="da-DK" dirty="0"/>
+              <a:t>Common mode </a:t>
+            </a:r>
+            <a:r>
+              <a:rPr lang="da-DK" dirty="0" err="1" smtClean="0"/>
+              <a:t>rejection</a:t>
+            </a:r>
+            <a:endParaRPr lang="da-DK" dirty="0"/>
+          </a:p>
+          <a:p>
+            <a:endParaRPr lang="da-DK" dirty="0" smtClean="0"/>
+          </a:p>
+          <a:p>
+            <a:r>
+              <a:rPr lang="da-DK" dirty="0" smtClean="0"/>
+              <a:t>Dynamikområde</a:t>
+            </a:r>
+          </a:p>
+          <a:p>
+            <a:endParaRPr lang="da-DK" dirty="0"/>
+          </a:p>
+          <a:p>
+            <a:r>
+              <a:rPr lang="da-DK" dirty="0" err="1" smtClean="0"/>
+              <a:t>Analogdiscovery</a:t>
+            </a:r>
+            <a:r>
+              <a:rPr lang="da-DK" dirty="0" smtClean="0"/>
+              <a:t> frem for batteri</a:t>
+            </a:r>
+          </a:p>
+          <a:p>
+            <a:pPr lvl="1"/>
+            <a:r>
+              <a:rPr lang="da-DK" smtClean="0"/>
+              <a:t>Stabilitet </a:t>
+            </a:r>
+            <a:endParaRPr lang="da-DK" dirty="0" smtClean="0"/>
+          </a:p>
+          <a:p>
+            <a:endParaRPr lang="da-DK" dirty="0"/>
+          </a:p>
+          <a:p>
+            <a:endParaRPr lang="da-DK" dirty="0" smtClean="0"/>
+          </a:p>
+          <a:p>
+            <a:endParaRPr lang="da-DK" dirty="0"/>
+          </a:p>
+          <a:p>
+            <a:endParaRPr lang="da-DK" dirty="0"/>
+          </a:p>
+        </p:txBody>
+      </p:sp>
+    </p:spTree>
+    <p:extLst>
+      <p:ext uri="{BB962C8B-B14F-4D97-AF65-F5344CB8AC3E}">
+        <p14:creationId xmlns:p14="http://schemas.microsoft.com/office/powerpoint/2010/main" val="1977555632"/>
       </p:ext>
     </p:extLst>
   </p:cSld>

--- a/Bifiler til projekt/Semesterprojekt 3.pptx
+++ b/Bifiler til projekt/Semesterprojekt 3.pptx
@@ -5732,8 +5732,8 @@
               <a:t>Udvikling af et </a:t>
             </a:r>
             <a:r>
-              <a:rPr lang="da-DK" smtClean="0"/>
-              <a:t>blodtryksmålesysteme</a:t>
+              <a:rPr lang="da-DK" dirty="0" smtClean="0"/>
+              <a:t>blodtryksmålesystem</a:t>
             </a:r>
             <a:endParaRPr lang="da-DK" dirty="0"/>
           </a:p>
@@ -5996,7 +5996,7 @@
         <p:spPr>
           <a:xfrm>
             <a:off x="390293" y="2174488"/>
-            <a:ext cx="2196790" cy="369332"/>
+            <a:ext cx="2196790" cy="646331"/>
           </a:xfrm>
           <a:prstGeom prst="rect">
             <a:avLst/>
@@ -6016,6 +6016,17 @@
             <a:r>
               <a:rPr lang="da-DK" dirty="0" smtClean="0"/>
               <a:t>Klassediagram</a:t>
+            </a:r>
+            <a:endParaRPr lang="da-DK" dirty="0"/>
+          </a:p>
+          <a:p>
+            <a:pPr marL="285750" indent="-285750">
+              <a:buFont typeface="Arial" panose="020B0604020202020204" pitchFamily="34" charset="0"/>
+              <a:buChar char="•"/>
+            </a:pPr>
+            <a:r>
+              <a:rPr lang="da-DK" dirty="0" smtClean="0"/>
+              <a:t>Tråde</a:t>
             </a:r>
             <a:endParaRPr lang="da-DK" dirty="0"/>
           </a:p>
@@ -6091,30 +6102,41 @@
           <a:p>
             <a:r>
               <a:rPr lang="da-DK" dirty="0" smtClean="0"/>
-              <a:t>Observer mønstre</a:t>
-            </a:r>
-          </a:p>
-          <a:p>
-            <a:r>
-              <a:rPr lang="da-DK" dirty="0" smtClean="0"/>
-              <a:t>Tråde </a:t>
-            </a:r>
-          </a:p>
-          <a:p>
+              <a:t>Observer-mønster</a:t>
+            </a:r>
+          </a:p>
+          <a:p>
+            <a:pPr marL="0" indent="0">
+              <a:buNone/>
+            </a:pPr>
             <a:endParaRPr lang="da-DK" dirty="0" smtClean="0"/>
           </a:p>
-          <a:p>
-            <a:endParaRPr lang="da-DK" dirty="0"/>
-          </a:p>
-          <a:p>
-            <a:r>
-              <a:rPr lang="da-DK" dirty="0" smtClean="0"/>
-              <a:t>Jeppe – 3 minutter</a:t>
-            </a:r>
-            <a:endParaRPr lang="da-DK" dirty="0"/>
-          </a:p>
-        </p:txBody>
-      </p:sp>
+        </p:txBody>
+      </p:sp>
+      <p:pic>
+        <p:nvPicPr>
+          <p:cNvPr id="4" name="Billede 3"/>
+          <p:cNvPicPr>
+            <a:picLocks noChangeAspect="1"/>
+          </p:cNvPicPr>
+          <p:nvPr/>
+        </p:nvPicPr>
+        <p:blipFill>
+          <a:blip r:embed="rId2"/>
+          <a:stretch>
+            <a:fillRect/>
+          </a:stretch>
+        </p:blipFill>
+        <p:spPr>
+          <a:xfrm>
+            <a:off x="4952885" y="1946917"/>
+            <a:ext cx="5462354" cy="4642618"/>
+          </a:xfrm>
+          <a:prstGeom prst="rect">
+            <a:avLst/>
+          </a:prstGeom>
+        </p:spPr>
+      </p:pic>
     </p:spTree>
     <p:extLst>
       <p:ext uri="{BB962C8B-B14F-4D97-AF65-F5344CB8AC3E}">
@@ -6187,7 +6209,7 @@
           <a:p>
             <a:r>
               <a:rPr lang="da-DK" dirty="0" smtClean="0"/>
-              <a:t>Software test</a:t>
+              <a:t>Softwaretest</a:t>
             </a:r>
             <a:endParaRPr lang="da-DK" dirty="0"/>
           </a:p>
@@ -6209,8 +6231,9 @@
           <a:p>
             <a:r>
               <a:rPr lang="da-DK" dirty="0" smtClean="0"/>
-              <a:t>Hardware test</a:t>
-            </a:r>
+              <a:t>Hardwaretest</a:t>
+            </a:r>
+            <a:endParaRPr lang="da-DK" dirty="0" smtClean="0"/>
           </a:p>
           <a:p>
             <a:endParaRPr lang="da-DK" dirty="0" smtClean="0"/>
@@ -6624,8 +6647,9 @@
           <a:p>
             <a:r>
               <a:rPr lang="da-DK" dirty="0" smtClean="0"/>
-              <a:t>Video demonstration</a:t>
-            </a:r>
+              <a:t>Videodemonstration</a:t>
+            </a:r>
+            <a:endParaRPr lang="da-DK" dirty="0" smtClean="0"/>
           </a:p>
           <a:p>
             <a:r>
@@ -7400,13 +7424,10 @@
               <a:t>Operationsforstærker kontra </a:t>
             </a:r>
             <a:r>
-              <a:rPr lang="da-DK" dirty="0" err="1" smtClean="0"/>
-              <a:t>instrimentationsforstærker</a:t>
-            </a:r>
-            <a:r>
               <a:rPr lang="da-DK" dirty="0" smtClean="0"/>
-              <a:t>.</a:t>
-            </a:r>
+              <a:t>instrumentationsforstærker</a:t>
+            </a:r>
+            <a:endParaRPr lang="da-DK" dirty="0" smtClean="0"/>
           </a:p>
           <a:p>
             <a:pPr lvl="1"/>
@@ -7441,21 +7462,32 @@
           </a:p>
           <a:p>
             <a:r>
+              <a:rPr lang="da-DK" dirty="0" smtClean="0"/>
+              <a:t>Analog </a:t>
+            </a:r>
+            <a:r>
+              <a:rPr lang="da-DK" dirty="0" err="1"/>
+              <a:t>D</a:t>
+            </a:r>
+            <a:r>
               <a:rPr lang="da-DK" dirty="0" err="1" smtClean="0"/>
-              <a:t>Analogdiscovery</a:t>
+              <a:t>iscovery</a:t>
             </a:r>
             <a:r>
               <a:rPr lang="da-DK" dirty="0" smtClean="0"/>
-              <a:t> frem for batteri</a:t>
+              <a:t> </a:t>
+            </a:r>
+            <a:r>
+              <a:rPr lang="da-DK" dirty="0" smtClean="0"/>
+              <a:t>frem for batteri</a:t>
             </a:r>
           </a:p>
           <a:p>
             <a:pPr lvl="1"/>
             <a:r>
-              <a:rPr lang="da-DK" smtClean="0"/>
+              <a:rPr lang="da-DK" dirty="0" smtClean="0"/>
               <a:t>Stabilitet </a:t>
             </a:r>
-            <a:endParaRPr lang="da-DK" dirty="0" smtClean="0"/>
           </a:p>
           <a:p>
             <a:endParaRPr lang="da-DK" dirty="0"/>

--- a/Bifiler til projekt/Semesterprojekt 3.pptx
+++ b/Bifiler til projekt/Semesterprojekt 3.pptx
@@ -5729,11 +5729,7 @@
           <a:p>
             <a:r>
               <a:rPr lang="da-DK" dirty="0" smtClean="0"/>
-              <a:t>Udvikling af et </a:t>
-            </a:r>
-            <a:r>
-              <a:rPr lang="da-DK" dirty="0" smtClean="0"/>
-              <a:t>blodtryksmålesystem</a:t>
+              <a:t>Udvikling af et blodtryksmålesystem</a:t>
             </a:r>
             <a:endParaRPr lang="da-DK" dirty="0"/>
           </a:p>
@@ -6233,7 +6229,6 @@
               <a:rPr lang="da-DK" dirty="0" smtClean="0"/>
               <a:t>Hardwaretest</a:t>
             </a:r>
-            <a:endParaRPr lang="da-DK" dirty="0" smtClean="0"/>
           </a:p>
           <a:p>
             <a:endParaRPr lang="da-DK" dirty="0" smtClean="0"/>
@@ -6567,7 +6562,29 @@
           <a:bodyPr/>
           <a:lstStyle/>
           <a:p>
-            <a:endParaRPr lang="da-DK"/>
+            <a:r>
+              <a:rPr lang="da-DK" dirty="0" smtClean="0"/>
+              <a:t>Blodtryksmålesystem </a:t>
+            </a:r>
+          </a:p>
+          <a:p>
+            <a:endParaRPr lang="da-DK" dirty="0"/>
+          </a:p>
+          <a:p>
+            <a:r>
+              <a:rPr lang="da-DK" dirty="0" smtClean="0"/>
+              <a:t>Hardware og software</a:t>
+            </a:r>
+          </a:p>
+          <a:p>
+            <a:endParaRPr lang="da-DK" dirty="0"/>
+          </a:p>
+          <a:p>
+            <a:r>
+              <a:rPr lang="da-DK" smtClean="0"/>
+              <a:t>Videreudvikling</a:t>
+            </a:r>
+            <a:endParaRPr lang="da-DK" dirty="0" smtClean="0"/>
           </a:p>
         </p:txBody>
       </p:sp>
@@ -6649,7 +6666,6 @@
               <a:rPr lang="da-DK" dirty="0" smtClean="0"/>
               <a:t>Videodemonstration</a:t>
             </a:r>
-            <a:endParaRPr lang="da-DK" dirty="0" smtClean="0"/>
           </a:p>
           <a:p>
             <a:r>
@@ -7421,13 +7437,8 @@
           <a:p>
             <a:r>
               <a:rPr lang="da-DK" dirty="0" smtClean="0"/>
-              <a:t>Operationsforstærker kontra </a:t>
-            </a:r>
-            <a:r>
-              <a:rPr lang="da-DK" dirty="0" smtClean="0"/>
-              <a:t>instrumentationsforstærker</a:t>
-            </a:r>
-            <a:endParaRPr lang="da-DK" dirty="0" smtClean="0"/>
+              <a:t>Operationsforstærker kontra instrumentationsforstærker</a:t>
+            </a:r>
           </a:p>
           <a:p>
             <a:pPr lvl="1"/>
@@ -7475,11 +7486,7 @@
             </a:r>
             <a:r>
               <a:rPr lang="da-DK" dirty="0" smtClean="0"/>
-              <a:t> </a:t>
-            </a:r>
-            <a:r>
-              <a:rPr lang="da-DK" dirty="0" smtClean="0"/>
-              <a:t>frem for batteri</a:t>
+              <a:t> frem for batteri</a:t>
             </a:r>
           </a:p>
           <a:p>

--- a/Bifiler til projekt/Semesterprojekt 3.pptx
+++ b/Bifiler til projekt/Semesterprojekt 3.pptx
@@ -120,7 +120,7 @@
   </p:defaultTextStyle>
   <p:extLst>
     <p:ext uri="{EFAFB233-063F-42B5-8137-9DF3F51BA10A}">
-      <p15:sldGuideLst xmlns:p15="http://schemas.microsoft.com/office/powerpoint/2012/main">
+      <p15:sldGuideLst xmlns:p15="http://schemas.microsoft.com/office/powerpoint/2012/main" xmlns="">
         <p15:guide id="1" orient="horz" pos="2160">
           <p15:clr>
             <a:srgbClr val="A4A3A4"/>
@@ -307,7 +307,7 @@
           <a:p>
             <a:fld id="{48A87A34-81AB-432B-8DAE-1953F412C126}" type="datetimeFigureOut">
               <a:rPr lang="en-US" dirty="0"/>
-              <a:t>1/20/2016</a:t>
+              <a:t>20/01/16</a:t>
             </a:fld>
             <a:endParaRPr lang="en-US" dirty="0"/>
           </a:p>
@@ -359,7 +359,7 @@
           <a:p>
             <a:fld id="{6D22F896-40B5-4ADD-8801-0D06FADFA095}" type="slidenum">
               <a:rPr lang="en-US" dirty="0"/>
-              <a:t>‹nr.›</a:t>
+              <a:t>‹#›</a:t>
             </a:fld>
             <a:endParaRPr lang="en-US" dirty="0"/>
           </a:p>
@@ -569,7 +569,7 @@
           <a:p>
             <a:fld id="{48A87A34-81AB-432B-8DAE-1953F412C126}" type="datetimeFigureOut">
               <a:rPr lang="en-US" dirty="0"/>
-              <a:t>1/20/2016</a:t>
+              <a:t>20/01/16</a:t>
             </a:fld>
             <a:endParaRPr lang="en-US" dirty="0"/>
           </a:p>
@@ -611,7 +611,7 @@
           <a:p>
             <a:fld id="{6D22F896-40B5-4ADD-8801-0D06FADFA095}" type="slidenum">
               <a:rPr lang="en-US" dirty="0"/>
-              <a:t>‹nr.›</a:t>
+              <a:t>‹#›</a:t>
             </a:fld>
             <a:endParaRPr lang="en-US" dirty="0"/>
           </a:p>
@@ -796,7 +796,7 @@
             <a:fld id="{48A87A34-81AB-432B-8DAE-1953F412C126}" type="datetimeFigureOut">
               <a:rPr lang="en-US" dirty="0"/>
               <a:pPr/>
-              <a:t>1/20/2016</a:t>
+              <a:t>20/01/16</a:t>
             </a:fld>
             <a:endParaRPr lang="en-US" dirty="0"/>
           </a:p>
@@ -848,7 +848,7 @@
           <a:p>
             <a:fld id="{6D22F896-40B5-4ADD-8801-0D06FADFA095}" type="slidenum">
               <a:rPr lang="en-US" dirty="0"/>
-              <a:t>‹nr.›</a:t>
+              <a:t>‹#›</a:t>
             </a:fld>
             <a:endParaRPr lang="en-US" dirty="0"/>
           </a:p>
@@ -1102,7 +1102,7 @@
             <a:fld id="{48A87A34-81AB-432B-8DAE-1953F412C126}" type="datetimeFigureOut">
               <a:rPr lang="en-US" dirty="0"/>
               <a:pPr/>
-              <a:t>1/20/2016</a:t>
+              <a:t>20/01/16</a:t>
             </a:fld>
             <a:endParaRPr lang="en-US" dirty="0"/>
           </a:p>
@@ -1154,7 +1154,7 @@
           <a:p>
             <a:fld id="{6D22F896-40B5-4ADD-8801-0D06FADFA095}" type="slidenum">
               <a:rPr lang="en-US" dirty="0"/>
-              <a:t>‹nr.›</a:t>
+              <a:t>‹#›</a:t>
             </a:fld>
             <a:endParaRPr lang="en-US" dirty="0"/>
           </a:p>
@@ -1571,7 +1571,7 @@
             <a:fld id="{48A87A34-81AB-432B-8DAE-1953F412C126}" type="datetimeFigureOut">
               <a:rPr lang="en-US" dirty="0"/>
               <a:pPr/>
-              <a:t>1/20/2016</a:t>
+              <a:t>20/01/16</a:t>
             </a:fld>
             <a:endParaRPr lang="en-US" dirty="0"/>
           </a:p>
@@ -1623,7 +1623,7 @@
           <a:p>
             <a:fld id="{6D22F896-40B5-4ADD-8801-0D06FADFA095}" type="slidenum">
               <a:rPr lang="en-US" dirty="0"/>
-              <a:t>‹nr.›</a:t>
+              <a:t>‹#›</a:t>
             </a:fld>
             <a:endParaRPr lang="en-US" dirty="0"/>
           </a:p>
@@ -2113,7 +2113,7 @@
           <a:p>
             <a:fld id="{48A87A34-81AB-432B-8DAE-1953F412C126}" type="datetimeFigureOut">
               <a:rPr lang="en-US" dirty="0"/>
-              <a:t>1/20/2016</a:t>
+              <a:t>20/01/16</a:t>
             </a:fld>
             <a:endParaRPr lang="en-US" dirty="0"/>
           </a:p>
@@ -2155,7 +2155,7 @@
           <a:p>
             <a:fld id="{6D22F896-40B5-4ADD-8801-0D06FADFA095}" type="slidenum">
               <a:rPr lang="en-US" dirty="0"/>
-              <a:t>‹nr.›</a:t>
+              <a:t>‹#›</a:t>
             </a:fld>
             <a:endParaRPr lang="en-US" dirty="0"/>
           </a:p>
@@ -2882,7 +2882,7 @@
           <a:p>
             <a:fld id="{48A87A34-81AB-432B-8DAE-1953F412C126}" type="datetimeFigureOut">
               <a:rPr lang="en-US" dirty="0"/>
-              <a:t>1/20/2016</a:t>
+              <a:t>20/01/16</a:t>
             </a:fld>
             <a:endParaRPr lang="en-US" dirty="0"/>
           </a:p>
@@ -2924,7 +2924,7 @@
           <a:p>
             <a:fld id="{6D22F896-40B5-4ADD-8801-0D06FADFA095}" type="slidenum">
               <a:rPr lang="en-US" dirty="0"/>
-              <a:t>‹nr.›</a:t>
+              <a:t>‹#›</a:t>
             </a:fld>
             <a:endParaRPr lang="en-US" dirty="0"/>
           </a:p>
@@ -3052,7 +3052,7 @@
           <a:p>
             <a:fld id="{48A87A34-81AB-432B-8DAE-1953F412C126}" type="datetimeFigureOut">
               <a:rPr lang="en-US" dirty="0"/>
-              <a:t>1/20/2016</a:t>
+              <a:t>20/01/16</a:t>
             </a:fld>
             <a:endParaRPr lang="en-US" dirty="0"/>
           </a:p>
@@ -3094,7 +3094,7 @@
           <a:p>
             <a:fld id="{6D22F896-40B5-4ADD-8801-0D06FADFA095}" type="slidenum">
               <a:rPr lang="en-US" dirty="0"/>
-              <a:t>‹nr.›</a:t>
+              <a:t>‹#›</a:t>
             </a:fld>
             <a:endParaRPr lang="en-US" dirty="0"/>
           </a:p>
@@ -3271,7 +3271,7 @@
             <a:fld id="{48A87A34-81AB-432B-8DAE-1953F412C126}" type="datetimeFigureOut">
               <a:rPr lang="en-US" dirty="0"/>
               <a:pPr/>
-              <a:t>1/20/2016</a:t>
+              <a:t>20/01/16</a:t>
             </a:fld>
             <a:endParaRPr lang="en-US" dirty="0"/>
           </a:p>
@@ -3323,7 +3323,7 @@
           <a:p>
             <a:fld id="{6D22F896-40B5-4ADD-8801-0D06FADFA095}" type="slidenum">
               <a:rPr lang="en-US" dirty="0"/>
-              <a:t>‹nr.›</a:t>
+              <a:t>‹#›</a:t>
             </a:fld>
             <a:endParaRPr lang="en-US" dirty="0"/>
           </a:p>
@@ -3446,7 +3446,7 @@
           <a:p>
             <a:fld id="{48A87A34-81AB-432B-8DAE-1953F412C126}" type="datetimeFigureOut">
               <a:rPr lang="en-US" dirty="0"/>
-              <a:t>1/20/2016</a:t>
+              <a:t>20/01/16</a:t>
             </a:fld>
             <a:endParaRPr lang="en-US" dirty="0"/>
           </a:p>
@@ -3488,7 +3488,7 @@
           <a:p>
             <a:fld id="{6D22F896-40B5-4ADD-8801-0D06FADFA095}" type="slidenum">
               <a:rPr lang="en-US" dirty="0"/>
-              <a:t>‹nr.›</a:t>
+              <a:t>‹#›</a:t>
             </a:fld>
             <a:endParaRPr lang="en-US" dirty="0"/>
           </a:p>
@@ -3731,7 +3731,7 @@
             <a:fld id="{48A87A34-81AB-432B-8DAE-1953F412C126}" type="datetimeFigureOut">
               <a:rPr lang="en-US" dirty="0"/>
               <a:pPr/>
-              <a:t>1/20/2016</a:t>
+              <a:t>20/01/16</a:t>
             </a:fld>
             <a:endParaRPr lang="en-US" dirty="0"/>
           </a:p>
@@ -3783,7 +3783,7 @@
           <a:p>
             <a:fld id="{6D22F896-40B5-4ADD-8801-0D06FADFA095}" type="slidenum">
               <a:rPr lang="en-US" dirty="0"/>
-              <a:t>‹nr.›</a:t>
+              <a:t>‹#›</a:t>
             </a:fld>
             <a:endParaRPr lang="en-US" dirty="0"/>
           </a:p>
@@ -3968,7 +3968,7 @@
           <a:p>
             <a:fld id="{48A87A34-81AB-432B-8DAE-1953F412C126}" type="datetimeFigureOut">
               <a:rPr lang="en-US" dirty="0"/>
-              <a:t>1/20/2016</a:t>
+              <a:t>20/01/16</a:t>
             </a:fld>
             <a:endParaRPr lang="en-US" dirty="0"/>
           </a:p>
@@ -4010,7 +4010,7 @@
           <a:p>
             <a:fld id="{6D22F896-40B5-4ADD-8801-0D06FADFA095}" type="slidenum">
               <a:rPr lang="en-US" dirty="0"/>
-              <a:t>‹nr.›</a:t>
+              <a:t>‹#›</a:t>
             </a:fld>
             <a:endParaRPr lang="en-US" dirty="0"/>
           </a:p>
@@ -4342,7 +4342,7 @@
           <a:p>
             <a:fld id="{48A87A34-81AB-432B-8DAE-1953F412C126}" type="datetimeFigureOut">
               <a:rPr lang="en-US" dirty="0"/>
-              <a:t>1/20/2016</a:t>
+              <a:t>20/01/16</a:t>
             </a:fld>
             <a:endParaRPr lang="en-US" dirty="0"/>
           </a:p>
@@ -4384,7 +4384,7 @@
           <a:p>
             <a:fld id="{6D22F896-40B5-4ADD-8801-0D06FADFA095}" type="slidenum">
               <a:rPr lang="en-US" dirty="0"/>
-              <a:t>‹nr.›</a:t>
+              <a:t>‹#›</a:t>
             </a:fld>
             <a:endParaRPr lang="en-US" dirty="0"/>
           </a:p>
@@ -4455,7 +4455,7 @@
           <a:p>
             <a:fld id="{48A87A34-81AB-432B-8DAE-1953F412C126}" type="datetimeFigureOut">
               <a:rPr lang="en-US" dirty="0"/>
-              <a:t>1/20/2016</a:t>
+              <a:t>20/01/16</a:t>
             </a:fld>
             <a:endParaRPr lang="en-US" dirty="0"/>
           </a:p>
@@ -4497,7 +4497,7 @@
           <a:p>
             <a:fld id="{6D22F896-40B5-4ADD-8801-0D06FADFA095}" type="slidenum">
               <a:rPr lang="en-US" dirty="0"/>
-              <a:t>‹nr.›</a:t>
+              <a:t>‹#›</a:t>
             </a:fld>
             <a:endParaRPr lang="en-US" dirty="0"/>
           </a:p>
@@ -4545,7 +4545,7 @@
           <a:p>
             <a:fld id="{48A87A34-81AB-432B-8DAE-1953F412C126}" type="datetimeFigureOut">
               <a:rPr lang="en-US" dirty="0"/>
-              <a:t>1/20/2016</a:t>
+              <a:t>20/01/16</a:t>
             </a:fld>
             <a:endParaRPr lang="en-US" dirty="0"/>
           </a:p>
@@ -4587,7 +4587,7 @@
           <a:p>
             <a:fld id="{6D22F896-40B5-4ADD-8801-0D06FADFA095}" type="slidenum">
               <a:rPr lang="en-US" dirty="0"/>
-              <a:t>‹nr.›</a:t>
+              <a:t>‹#›</a:t>
             </a:fld>
             <a:endParaRPr lang="en-US" dirty="0"/>
           </a:p>
@@ -4789,7 +4789,7 @@
           <a:p>
             <a:fld id="{48A87A34-81AB-432B-8DAE-1953F412C126}" type="datetimeFigureOut">
               <a:rPr lang="en-US" dirty="0"/>
-              <a:t>1/20/2016</a:t>
+              <a:t>20/01/16</a:t>
             </a:fld>
             <a:endParaRPr lang="en-US" dirty="0"/>
           </a:p>
@@ -4831,7 +4831,7 @@
           <a:p>
             <a:fld id="{6D22F896-40B5-4ADD-8801-0D06FADFA095}" type="slidenum">
               <a:rPr lang="en-US" dirty="0"/>
-              <a:t>‹nr.›</a:t>
+              <a:t>‹#›</a:t>
             </a:fld>
             <a:endParaRPr lang="en-US" dirty="0"/>
           </a:p>
@@ -5041,7 +5041,7 @@
           <a:p>
             <a:fld id="{48A87A34-81AB-432B-8DAE-1953F412C126}" type="datetimeFigureOut">
               <a:rPr lang="en-US" dirty="0"/>
-              <a:t>1/20/2016</a:t>
+              <a:t>20/01/16</a:t>
             </a:fld>
             <a:endParaRPr lang="en-US" dirty="0"/>
           </a:p>
@@ -5083,7 +5083,7 @@
           <a:p>
             <a:fld id="{6D22F896-40B5-4ADD-8801-0D06FADFA095}" type="slidenum">
               <a:rPr lang="en-US" dirty="0"/>
-              <a:t>‹nr.›</a:t>
+              <a:t>‹#›</a:t>
             </a:fld>
             <a:endParaRPr lang="en-US" dirty="0"/>
           </a:p>
@@ -5280,7 +5280,7 @@
             <a:fld id="{48A87A34-81AB-432B-8DAE-1953F412C126}" type="datetimeFigureOut">
               <a:rPr lang="en-US" dirty="0"/>
               <a:pPr/>
-              <a:t>1/20/2016</a:t>
+              <a:t>20/01/16</a:t>
             </a:fld>
             <a:endParaRPr lang="en-US" dirty="0"/>
           </a:p>
@@ -5359,7 +5359,7 @@
             <a:fld id="{6D22F896-40B5-4ADD-8801-0D06FADFA095}" type="slidenum">
               <a:rPr lang="en-US" dirty="0"/>
               <a:pPr/>
-              <a:t>‹nr.›</a:t>
+              <a:t>‹#›</a:t>
             </a:fld>
             <a:endParaRPr lang="en-US" dirty="0"/>
           </a:p>
@@ -5844,8 +5844,8 @@
         </p:nvSpPr>
         <p:spPr>
           <a:xfrm>
-            <a:off x="416312" y="2057401"/>
-            <a:ext cx="2479288" cy="369332"/>
+            <a:off x="416311" y="2057401"/>
+            <a:ext cx="2959771" cy="430887"/>
           </a:xfrm>
           <a:prstGeom prst="rect">
             <a:avLst/>
@@ -5863,10 +5863,10 @@
               <a:buChar char="•"/>
             </a:pPr>
             <a:r>
-              <a:rPr lang="da-DK" dirty="0" smtClean="0"/>
+              <a:rPr lang="da-DK" sz="2200" dirty="0" smtClean="0"/>
               <a:t>Sekvensdiagram</a:t>
             </a:r>
-            <a:endParaRPr lang="da-DK" dirty="0"/>
+            <a:endParaRPr lang="da-DK" sz="2200" dirty="0"/>
           </a:p>
         </p:txBody>
       </p:sp>
@@ -5878,8 +5878,8 @@
         </p:nvSpPr>
         <p:spPr>
           <a:xfrm>
-            <a:off x="6122020" y="2977376"/>
-            <a:ext cx="2598234" cy="369332"/>
+            <a:off x="6122019" y="2977376"/>
+            <a:ext cx="3413563" cy="430887"/>
           </a:xfrm>
           <a:prstGeom prst="rect">
             <a:avLst/>
@@ -5897,10 +5897,10 @@
               <a:buChar char="•"/>
             </a:pPr>
             <a:r>
-              <a:rPr lang="da-DK" dirty="0" smtClean="0"/>
+              <a:rPr lang="da-DK" sz="2200" dirty="0" smtClean="0"/>
               <a:t>Applikationsmodel</a:t>
             </a:r>
-            <a:endParaRPr lang="da-DK" dirty="0"/>
+            <a:endParaRPr lang="da-DK" sz="2200" dirty="0"/>
           </a:p>
         </p:txBody>
       </p:sp>
@@ -5991,8 +5991,8 @@
         </p:nvSpPr>
         <p:spPr>
           <a:xfrm>
-            <a:off x="390293" y="2174488"/>
-            <a:ext cx="2196790" cy="646331"/>
+            <a:off x="390292" y="2174488"/>
+            <a:ext cx="2498957" cy="769441"/>
           </a:xfrm>
           <a:prstGeom prst="rect">
             <a:avLst/>
@@ -6010,10 +6010,10 @@
               <a:buChar char="•"/>
             </a:pPr>
             <a:r>
-              <a:rPr lang="da-DK" dirty="0" smtClean="0"/>
+              <a:rPr lang="da-DK" sz="2200" dirty="0" smtClean="0"/>
               <a:t>Klassediagram</a:t>
             </a:r>
-            <a:endParaRPr lang="da-DK" dirty="0"/>
+            <a:endParaRPr lang="da-DK" sz="2200" dirty="0"/>
           </a:p>
           <a:p>
             <a:pPr marL="285750" indent="-285750">
@@ -6021,10 +6021,10 @@
               <a:buChar char="•"/>
             </a:pPr>
             <a:r>
-              <a:rPr lang="da-DK" dirty="0" smtClean="0"/>
+              <a:rPr lang="da-DK" sz="2200" dirty="0" smtClean="0"/>
               <a:t>Tråde</a:t>
             </a:r>
-            <a:endParaRPr lang="da-DK" dirty="0"/>
+            <a:endParaRPr lang="da-DK" sz="2200" dirty="0"/>
           </a:p>
         </p:txBody>
       </p:sp>
@@ -6354,26 +6354,21 @@
         <p:spPr/>
         <p:txBody>
           <a:bodyPr>
-            <a:normAutofit lnSpcReduction="10000"/>
+            <a:normAutofit/>
           </a:bodyPr>
           <a:lstStyle/>
           <a:p>
-            <a:pPr marL="0" indent="0">
-              <a:buNone/>
-            </a:pPr>
             <a:r>
               <a:rPr lang="da-DK" dirty="0" smtClean="0"/>
-              <a:t>Efter aflevering</a:t>
-            </a:r>
-          </a:p>
-          <a:p>
-            <a:pPr marL="0" indent="0">
-              <a:buNone/>
-            </a:pPr>
+              <a:t>Efter </a:t>
+            </a:r>
             <a:r>
               <a:rPr lang="da-DK" dirty="0" smtClean="0"/>
-              <a:t>        - </a:t>
-            </a:r>
+              <a:t>aflevering</a:t>
+            </a:r>
+          </a:p>
+          <a:p>
+            <a:pPr lvl="1"/>
             <a:r>
               <a:rPr lang="da-DK" dirty="0" err="1" smtClean="0"/>
               <a:t>Veroboard</a:t>
@@ -6381,12 +6376,14 @@
             <a:endParaRPr lang="da-DK" dirty="0" smtClean="0"/>
           </a:p>
           <a:p>
-            <a:pPr marL="0" indent="0">
-              <a:buNone/>
-            </a:pPr>
+            <a:pPr lvl="1"/>
             <a:r>
               <a:rPr lang="da-DK" dirty="0" smtClean="0"/>
-              <a:t>        - Lyd ved puls</a:t>
+              <a:t>Lyd </a:t>
+            </a:r>
+            <a:r>
+              <a:rPr lang="da-DK" dirty="0" smtClean="0"/>
+              <a:t>ved puls</a:t>
             </a:r>
           </a:p>
           <a:p>
@@ -6396,42 +6393,43 @@
             <a:endParaRPr lang="da-DK" dirty="0" smtClean="0"/>
           </a:p>
           <a:p>
-            <a:pPr marL="0" indent="0">
-              <a:buNone/>
-            </a:pPr>
             <a:r>
               <a:rPr lang="da-DK" dirty="0" smtClean="0"/>
-              <a:t>Næste skridt</a:t>
-            </a:r>
-          </a:p>
-          <a:p>
-            <a:pPr marL="0" indent="0">
-              <a:buNone/>
-            </a:pPr>
+              <a:t>Næste </a:t>
+            </a:r>
             <a:r>
               <a:rPr lang="da-DK" dirty="0" smtClean="0"/>
-              <a:t>        - </a:t>
-            </a:r>
+              <a:t>skridt</a:t>
+            </a:r>
+          </a:p>
+          <a:p>
+            <a:pPr lvl="1"/>
             <a:r>
               <a:rPr lang="da-DK" dirty="0" err="1" smtClean="0"/>
               <a:t>Delay</a:t>
             </a:r>
             <a:r>
               <a:rPr lang="da-DK" dirty="0" smtClean="0"/>
-              <a:t> på tidsakse</a:t>
-            </a:r>
-          </a:p>
-          <a:p>
-            <a:pPr marL="0" indent="0">
-              <a:buNone/>
-            </a:pPr>
-            <a:r>
-              <a:rPr lang="da-DK" dirty="0"/>
               <a:t> </a:t>
             </a:r>
             <a:r>
               <a:rPr lang="da-DK" dirty="0" smtClean="0"/>
-              <a:t>       - Automatisk kalibrering</a:t>
+              <a:t>på </a:t>
+            </a:r>
+            <a:r>
+              <a:rPr lang="da-DK" dirty="0" smtClean="0"/>
+              <a:t>tidsakse</a:t>
+            </a:r>
+          </a:p>
+          <a:p>
+            <a:pPr lvl="1"/>
+            <a:r>
+              <a:rPr lang="da-DK" dirty="0" smtClean="0"/>
+              <a:t>Automatisk </a:t>
+            </a:r>
+            <a:r>
+              <a:rPr lang="da-DK" dirty="0" smtClean="0"/>
+              <a:t>kalibrering</a:t>
             </a:r>
           </a:p>
           <a:p>
@@ -6441,25 +6439,24 @@
             <a:endParaRPr lang="da-DK" dirty="0" smtClean="0"/>
           </a:p>
           <a:p>
-            <a:pPr marL="0" indent="0">
-              <a:buNone/>
-            </a:pPr>
             <a:r>
               <a:rPr lang="da-DK" dirty="0" smtClean="0"/>
-              <a:t> På længere sigt</a:t>
-            </a:r>
-          </a:p>
-          <a:p>
-            <a:pPr marL="0" indent="0">
-              <a:buNone/>
-            </a:pPr>
-            <a:r>
-              <a:rPr lang="da-DK" dirty="0"/>
-              <a:t> </a:t>
+              <a:t> På længere </a:t>
             </a:r>
             <a:r>
               <a:rPr lang="da-DK" dirty="0" smtClean="0"/>
-              <a:t>       - EPJ kompatibilitet</a:t>
+              <a:t>sigt</a:t>
+            </a:r>
+          </a:p>
+          <a:p>
+            <a:pPr lvl="1"/>
+            <a:r>
+              <a:rPr lang="da-DK" dirty="0" smtClean="0"/>
+              <a:t>EPJ </a:t>
+            </a:r>
+            <a:r>
+              <a:rPr lang="da-DK" dirty="0" smtClean="0"/>
+              <a:t>kompatibilitet</a:t>
             </a:r>
           </a:p>
         </p:txBody>
@@ -7708,7 +7705,7 @@
         </p:blipFill>
         <p:spPr>
           <a:xfrm>
-            <a:off x="3064728" y="1912434"/>
+            <a:off x="3244639" y="1912434"/>
             <a:ext cx="8441472" cy="4510667"/>
           </a:xfrm>
           <a:prstGeom prst="rect">
@@ -7724,8 +7721,8 @@
         </p:nvSpPr>
         <p:spPr>
           <a:xfrm>
-            <a:off x="289932" y="2057401"/>
-            <a:ext cx="2397512" cy="369332"/>
+            <a:off x="289931" y="2057401"/>
+            <a:ext cx="2885069" cy="461665"/>
           </a:xfrm>
           <a:prstGeom prst="rect">
             <a:avLst/>
@@ -7743,10 +7740,10 @@
               <a:buChar char="•"/>
             </a:pPr>
             <a:r>
-              <a:rPr lang="da-DK" dirty="0" smtClean="0"/>
+              <a:rPr lang="da-DK" sz="2400" dirty="0" smtClean="0"/>
               <a:t>Domænemodel</a:t>
             </a:r>
-            <a:endParaRPr lang="da-DK" dirty="0"/>
+            <a:endParaRPr lang="da-DK" sz="2400" dirty="0"/>
           </a:p>
         </p:txBody>
       </p:sp>
@@ -8027,7 +8024,7 @@
   <a:extraClrSchemeLst/>
   <a:extLst>
     <a:ext uri="{05A4C25C-085E-4340-85A3-A5531E510DB2}">
-      <thm15:themeFamily xmlns:thm15="http://schemas.microsoft.com/office/thememl/2012/main" name="Vapor Trail" id="{4FDF2955-7D9C-493C-B9F9-C205151B46CD}" vid="{8F31A783-2159-4870-BC29-2BA7D038EA44}"/>
+      <thm15:themeFamily xmlns:thm15="http://schemas.microsoft.com/office/thememl/2012/main" xmlns="" name="Vapor Trail" id="{4FDF2955-7D9C-493C-B9F9-C205151B46CD}" vid="{8F31A783-2159-4870-BC29-2BA7D038EA44}"/>
     </a:ext>
   </a:extLst>
 </a:theme>
